--- a/Lecture Slides/VideoLectureSlides/A_2.5.pptx
+++ b/Lecture Slides/VideoLectureSlides/A_2.5.pptx
@@ -188,6 +188,144 @@
             <ac:spMk id="3" creationId="{00000000-0000-0000-0000-000000000000}"/>
           </ac:spMkLst>
         </pc:spChg>
+      </pc:sldChg>
+    </pc:docChg>
+  </pc:docChgLst>
+  <pc:docChgLst>
+    <pc:chgData name="Moore, Jacob Preston" userId="fdd3fd0f-c483-48c9-988d-7deb216763fd" providerId="ADAL" clId="{CC962662-F079-4162-8E29-DEFFCB9A4670}"/>
+    <pc:docChg chg="undo custSel addSld delSld modSld">
+      <pc:chgData name="Moore, Jacob Preston" userId="fdd3fd0f-c483-48c9-988d-7deb216763fd" providerId="ADAL" clId="{CC962662-F079-4162-8E29-DEFFCB9A4670}" dt="2020-06-24T14:40:18.871" v="40"/>
+      <pc:docMkLst>
+        <pc:docMk/>
+      </pc:docMkLst>
+      <pc:sldChg chg="modSp add">
+        <pc:chgData name="Moore, Jacob Preston" userId="fdd3fd0f-c483-48c9-988d-7deb216763fd" providerId="ADAL" clId="{CC962662-F079-4162-8E29-DEFFCB9A4670}" dt="2020-06-24T14:37:39.615" v="38" actId="1076"/>
+        <pc:sldMkLst>
+          <pc:docMk/>
+          <pc:sldMk cId="436388632" sldId="265"/>
+        </pc:sldMkLst>
+        <pc:spChg chg="mod">
+          <ac:chgData name="Moore, Jacob Preston" userId="fdd3fd0f-c483-48c9-988d-7deb216763fd" providerId="ADAL" clId="{CC962662-F079-4162-8E29-DEFFCB9A4670}" dt="2020-06-24T14:37:33.557" v="37" actId="20577"/>
+          <ac:spMkLst>
+            <pc:docMk/>
+            <pc:sldMk cId="436388632" sldId="265"/>
+            <ac:spMk id="3" creationId="{00000000-0000-0000-0000-000000000000}"/>
+          </ac:spMkLst>
+        </pc:spChg>
+        <pc:picChg chg="mod">
+          <ac:chgData name="Moore, Jacob Preston" userId="fdd3fd0f-c483-48c9-988d-7deb216763fd" providerId="ADAL" clId="{CC962662-F079-4162-8E29-DEFFCB9A4670}" dt="2020-06-24T14:37:39.615" v="38" actId="1076"/>
+          <ac:picMkLst>
+            <pc:docMk/>
+            <pc:sldMk cId="436388632" sldId="265"/>
+            <ac:picMk id="1026" creationId="{F20133BE-B2AA-4E57-B8E7-7247A229A309}"/>
+          </ac:picMkLst>
+        </pc:picChg>
+      </pc:sldChg>
+      <pc:sldChg chg="modSp add">
+        <pc:chgData name="Moore, Jacob Preston" userId="fdd3fd0f-c483-48c9-988d-7deb216763fd" providerId="ADAL" clId="{CC962662-F079-4162-8E29-DEFFCB9A4670}" dt="2020-06-24T14:36:27.224" v="18" actId="20577"/>
+        <pc:sldMkLst>
+          <pc:docMk/>
+          <pc:sldMk cId="4245639764" sldId="266"/>
+        </pc:sldMkLst>
+        <pc:spChg chg="mod">
+          <ac:chgData name="Moore, Jacob Preston" userId="fdd3fd0f-c483-48c9-988d-7deb216763fd" providerId="ADAL" clId="{CC962662-F079-4162-8E29-DEFFCB9A4670}" dt="2020-06-24T14:36:27.224" v="18" actId="20577"/>
+          <ac:spMkLst>
+            <pc:docMk/>
+            <pc:sldMk cId="4245639764" sldId="266"/>
+            <ac:spMk id="3" creationId="{00000000-0000-0000-0000-000000000000}"/>
+          </ac:spMkLst>
+        </pc:spChg>
+      </pc:sldChg>
+      <pc:sldChg chg="add">
+        <pc:chgData name="Moore, Jacob Preston" userId="fdd3fd0f-c483-48c9-988d-7deb216763fd" providerId="ADAL" clId="{CC962662-F079-4162-8E29-DEFFCB9A4670}" dt="2020-06-24T14:33:03.116" v="14"/>
+        <pc:sldMkLst>
+          <pc:docMk/>
+          <pc:sldMk cId="2922969274" sldId="268"/>
+        </pc:sldMkLst>
+      </pc:sldChg>
+      <pc:sldChg chg="add">
+        <pc:chgData name="Moore, Jacob Preston" userId="fdd3fd0f-c483-48c9-988d-7deb216763fd" providerId="ADAL" clId="{CC962662-F079-4162-8E29-DEFFCB9A4670}" dt="2020-06-24T14:36:08.995" v="16"/>
+        <pc:sldMkLst>
+          <pc:docMk/>
+          <pc:sldMk cId="2607163968" sldId="271"/>
+        </pc:sldMkLst>
+      </pc:sldChg>
+      <pc:sldChg chg="del">
+        <pc:chgData name="Moore, Jacob Preston" userId="fdd3fd0f-c483-48c9-988d-7deb216763fd" providerId="ADAL" clId="{CC962662-F079-4162-8E29-DEFFCB9A4670}" dt="2020-06-24T14:30:11.929" v="9" actId="2696"/>
+        <pc:sldMkLst>
+          <pc:docMk/>
+          <pc:sldMk cId="714259310" sldId="295"/>
+        </pc:sldMkLst>
+      </pc:sldChg>
+      <pc:sldChg chg="del">
+        <pc:chgData name="Moore, Jacob Preston" userId="fdd3fd0f-c483-48c9-988d-7deb216763fd" providerId="ADAL" clId="{CC962662-F079-4162-8E29-DEFFCB9A4670}" dt="2020-06-24T14:30:11.946" v="11" actId="2696"/>
+        <pc:sldMkLst>
+          <pc:docMk/>
+          <pc:sldMk cId="2957801084" sldId="298"/>
+        </pc:sldMkLst>
+      </pc:sldChg>
+      <pc:sldChg chg="del">
+        <pc:chgData name="Moore, Jacob Preston" userId="fdd3fd0f-c483-48c9-988d-7deb216763fd" providerId="ADAL" clId="{CC962662-F079-4162-8E29-DEFFCB9A4670}" dt="2020-06-24T14:30:11.954" v="12" actId="2696"/>
+        <pc:sldMkLst>
+          <pc:docMk/>
+          <pc:sldMk cId="1486813351" sldId="300"/>
+        </pc:sldMkLst>
+      </pc:sldChg>
+      <pc:sldChg chg="modAnim">
+        <pc:chgData name="Moore, Jacob Preston" userId="fdd3fd0f-c483-48c9-988d-7deb216763fd" providerId="ADAL" clId="{CC962662-F079-4162-8E29-DEFFCB9A4670}" dt="2020-06-24T14:40:18.871" v="40"/>
+        <pc:sldMkLst>
+          <pc:docMk/>
+          <pc:sldMk cId="1529878365" sldId="306"/>
+        </pc:sldMkLst>
+      </pc:sldChg>
+      <pc:sldChg chg="modAnim">
+        <pc:chgData name="Moore, Jacob Preston" userId="fdd3fd0f-c483-48c9-988d-7deb216763fd" providerId="ADAL" clId="{CC962662-F079-4162-8E29-DEFFCB9A4670}" dt="2020-06-24T14:27:15.774" v="4"/>
+        <pc:sldMkLst>
+          <pc:docMk/>
+          <pc:sldMk cId="1454070180" sldId="312"/>
+        </pc:sldMkLst>
+      </pc:sldChg>
+      <pc:sldChg chg="modAnim">
+        <pc:chgData name="Moore, Jacob Preston" userId="fdd3fd0f-c483-48c9-988d-7deb216763fd" providerId="ADAL" clId="{CC962662-F079-4162-8E29-DEFFCB9A4670}" dt="2020-06-24T14:28:05.314" v="7"/>
+        <pc:sldMkLst>
+          <pc:docMk/>
+          <pc:sldMk cId="65346684" sldId="313"/>
+        </pc:sldMkLst>
+      </pc:sldChg>
+      <pc:sldChg chg="del">
+        <pc:chgData name="Moore, Jacob Preston" userId="fdd3fd0f-c483-48c9-988d-7deb216763fd" providerId="ADAL" clId="{CC962662-F079-4162-8E29-DEFFCB9A4670}" dt="2020-06-24T14:30:11.921" v="8" actId="2696"/>
+        <pc:sldMkLst>
+          <pc:docMk/>
+          <pc:sldMk cId="4054802990" sldId="319"/>
+        </pc:sldMkLst>
+      </pc:sldChg>
+      <pc:sldChg chg="del">
+        <pc:chgData name="Moore, Jacob Preston" userId="fdd3fd0f-c483-48c9-988d-7deb216763fd" providerId="ADAL" clId="{CC962662-F079-4162-8E29-DEFFCB9A4670}" dt="2020-06-24T14:30:11.937" v="10" actId="2696"/>
+        <pc:sldMkLst>
+          <pc:docMk/>
+          <pc:sldMk cId="1311655685" sldId="321"/>
+        </pc:sldMkLst>
+      </pc:sldChg>
+      <pc:sldChg chg="modAnim">
+        <pc:chgData name="Moore, Jacob Preston" userId="fdd3fd0f-c483-48c9-988d-7deb216763fd" providerId="ADAL" clId="{CC962662-F079-4162-8E29-DEFFCB9A4670}" dt="2020-06-24T14:18:38.568" v="1"/>
+        <pc:sldMkLst>
+          <pc:docMk/>
+          <pc:sldMk cId="842194440" sldId="322"/>
+        </pc:sldMkLst>
+      </pc:sldChg>
+      <pc:sldChg chg="modAnim">
+        <pc:chgData name="Moore, Jacob Preston" userId="fdd3fd0f-c483-48c9-988d-7deb216763fd" providerId="ADAL" clId="{CC962662-F079-4162-8E29-DEFFCB9A4670}" dt="2020-06-24T14:19:22.580" v="3"/>
+        <pc:sldMkLst>
+          <pc:docMk/>
+          <pc:sldMk cId="3832600308" sldId="323"/>
+        </pc:sldMkLst>
+      </pc:sldChg>
+      <pc:sldChg chg="add del">
+        <pc:chgData name="Moore, Jacob Preston" userId="fdd3fd0f-c483-48c9-988d-7deb216763fd" providerId="ADAL" clId="{CC962662-F079-4162-8E29-DEFFCB9A4670}" dt="2020-06-24T14:33:05.293" v="15" actId="2696"/>
+        <pc:sldMkLst>
+          <pc:docMk/>
+          <pc:sldMk cId="2649397452" sldId="326"/>
+        </pc:sldMkLst>
       </pc:sldChg>
     </pc:docChg>
   </pc:docChgLst>
@@ -493,144 +631,6 @@
       </pc:sldChg>
     </pc:docChg>
   </pc:docChgLst>
-  <pc:docChgLst>
-    <pc:chgData name="Moore, Jacob Preston" userId="fdd3fd0f-c483-48c9-988d-7deb216763fd" providerId="ADAL" clId="{CC962662-F079-4162-8E29-DEFFCB9A4670}"/>
-    <pc:docChg chg="undo custSel addSld delSld modSld">
-      <pc:chgData name="Moore, Jacob Preston" userId="fdd3fd0f-c483-48c9-988d-7deb216763fd" providerId="ADAL" clId="{CC962662-F079-4162-8E29-DEFFCB9A4670}" dt="2020-06-24T14:40:18.871" v="40"/>
-      <pc:docMkLst>
-        <pc:docMk/>
-      </pc:docMkLst>
-      <pc:sldChg chg="modSp add">
-        <pc:chgData name="Moore, Jacob Preston" userId="fdd3fd0f-c483-48c9-988d-7deb216763fd" providerId="ADAL" clId="{CC962662-F079-4162-8E29-DEFFCB9A4670}" dt="2020-06-24T14:37:39.615" v="38" actId="1076"/>
-        <pc:sldMkLst>
-          <pc:docMk/>
-          <pc:sldMk cId="436388632" sldId="265"/>
-        </pc:sldMkLst>
-        <pc:spChg chg="mod">
-          <ac:chgData name="Moore, Jacob Preston" userId="fdd3fd0f-c483-48c9-988d-7deb216763fd" providerId="ADAL" clId="{CC962662-F079-4162-8E29-DEFFCB9A4670}" dt="2020-06-24T14:37:33.557" v="37" actId="20577"/>
-          <ac:spMkLst>
-            <pc:docMk/>
-            <pc:sldMk cId="436388632" sldId="265"/>
-            <ac:spMk id="3" creationId="{00000000-0000-0000-0000-000000000000}"/>
-          </ac:spMkLst>
-        </pc:spChg>
-        <pc:picChg chg="mod">
-          <ac:chgData name="Moore, Jacob Preston" userId="fdd3fd0f-c483-48c9-988d-7deb216763fd" providerId="ADAL" clId="{CC962662-F079-4162-8E29-DEFFCB9A4670}" dt="2020-06-24T14:37:39.615" v="38" actId="1076"/>
-          <ac:picMkLst>
-            <pc:docMk/>
-            <pc:sldMk cId="436388632" sldId="265"/>
-            <ac:picMk id="1026" creationId="{F20133BE-B2AA-4E57-B8E7-7247A229A309}"/>
-          </ac:picMkLst>
-        </pc:picChg>
-      </pc:sldChg>
-      <pc:sldChg chg="modSp add">
-        <pc:chgData name="Moore, Jacob Preston" userId="fdd3fd0f-c483-48c9-988d-7deb216763fd" providerId="ADAL" clId="{CC962662-F079-4162-8E29-DEFFCB9A4670}" dt="2020-06-24T14:36:27.224" v="18" actId="20577"/>
-        <pc:sldMkLst>
-          <pc:docMk/>
-          <pc:sldMk cId="4245639764" sldId="266"/>
-        </pc:sldMkLst>
-        <pc:spChg chg="mod">
-          <ac:chgData name="Moore, Jacob Preston" userId="fdd3fd0f-c483-48c9-988d-7deb216763fd" providerId="ADAL" clId="{CC962662-F079-4162-8E29-DEFFCB9A4670}" dt="2020-06-24T14:36:27.224" v="18" actId="20577"/>
-          <ac:spMkLst>
-            <pc:docMk/>
-            <pc:sldMk cId="4245639764" sldId="266"/>
-            <ac:spMk id="3" creationId="{00000000-0000-0000-0000-000000000000}"/>
-          </ac:spMkLst>
-        </pc:spChg>
-      </pc:sldChg>
-      <pc:sldChg chg="add">
-        <pc:chgData name="Moore, Jacob Preston" userId="fdd3fd0f-c483-48c9-988d-7deb216763fd" providerId="ADAL" clId="{CC962662-F079-4162-8E29-DEFFCB9A4670}" dt="2020-06-24T14:33:03.116" v="14"/>
-        <pc:sldMkLst>
-          <pc:docMk/>
-          <pc:sldMk cId="2922969274" sldId="268"/>
-        </pc:sldMkLst>
-      </pc:sldChg>
-      <pc:sldChg chg="add">
-        <pc:chgData name="Moore, Jacob Preston" userId="fdd3fd0f-c483-48c9-988d-7deb216763fd" providerId="ADAL" clId="{CC962662-F079-4162-8E29-DEFFCB9A4670}" dt="2020-06-24T14:36:08.995" v="16"/>
-        <pc:sldMkLst>
-          <pc:docMk/>
-          <pc:sldMk cId="2607163968" sldId="271"/>
-        </pc:sldMkLst>
-      </pc:sldChg>
-      <pc:sldChg chg="del">
-        <pc:chgData name="Moore, Jacob Preston" userId="fdd3fd0f-c483-48c9-988d-7deb216763fd" providerId="ADAL" clId="{CC962662-F079-4162-8E29-DEFFCB9A4670}" dt="2020-06-24T14:30:11.929" v="9" actId="2696"/>
-        <pc:sldMkLst>
-          <pc:docMk/>
-          <pc:sldMk cId="714259310" sldId="295"/>
-        </pc:sldMkLst>
-      </pc:sldChg>
-      <pc:sldChg chg="del">
-        <pc:chgData name="Moore, Jacob Preston" userId="fdd3fd0f-c483-48c9-988d-7deb216763fd" providerId="ADAL" clId="{CC962662-F079-4162-8E29-DEFFCB9A4670}" dt="2020-06-24T14:30:11.946" v="11" actId="2696"/>
-        <pc:sldMkLst>
-          <pc:docMk/>
-          <pc:sldMk cId="2957801084" sldId="298"/>
-        </pc:sldMkLst>
-      </pc:sldChg>
-      <pc:sldChg chg="del">
-        <pc:chgData name="Moore, Jacob Preston" userId="fdd3fd0f-c483-48c9-988d-7deb216763fd" providerId="ADAL" clId="{CC962662-F079-4162-8E29-DEFFCB9A4670}" dt="2020-06-24T14:30:11.954" v="12" actId="2696"/>
-        <pc:sldMkLst>
-          <pc:docMk/>
-          <pc:sldMk cId="1486813351" sldId="300"/>
-        </pc:sldMkLst>
-      </pc:sldChg>
-      <pc:sldChg chg="modAnim">
-        <pc:chgData name="Moore, Jacob Preston" userId="fdd3fd0f-c483-48c9-988d-7deb216763fd" providerId="ADAL" clId="{CC962662-F079-4162-8E29-DEFFCB9A4670}" dt="2020-06-24T14:40:18.871" v="40"/>
-        <pc:sldMkLst>
-          <pc:docMk/>
-          <pc:sldMk cId="1529878365" sldId="306"/>
-        </pc:sldMkLst>
-      </pc:sldChg>
-      <pc:sldChg chg="modAnim">
-        <pc:chgData name="Moore, Jacob Preston" userId="fdd3fd0f-c483-48c9-988d-7deb216763fd" providerId="ADAL" clId="{CC962662-F079-4162-8E29-DEFFCB9A4670}" dt="2020-06-24T14:27:15.774" v="4"/>
-        <pc:sldMkLst>
-          <pc:docMk/>
-          <pc:sldMk cId="1454070180" sldId="312"/>
-        </pc:sldMkLst>
-      </pc:sldChg>
-      <pc:sldChg chg="modAnim">
-        <pc:chgData name="Moore, Jacob Preston" userId="fdd3fd0f-c483-48c9-988d-7deb216763fd" providerId="ADAL" clId="{CC962662-F079-4162-8E29-DEFFCB9A4670}" dt="2020-06-24T14:28:05.314" v="7"/>
-        <pc:sldMkLst>
-          <pc:docMk/>
-          <pc:sldMk cId="65346684" sldId="313"/>
-        </pc:sldMkLst>
-      </pc:sldChg>
-      <pc:sldChg chg="del">
-        <pc:chgData name="Moore, Jacob Preston" userId="fdd3fd0f-c483-48c9-988d-7deb216763fd" providerId="ADAL" clId="{CC962662-F079-4162-8E29-DEFFCB9A4670}" dt="2020-06-24T14:30:11.921" v="8" actId="2696"/>
-        <pc:sldMkLst>
-          <pc:docMk/>
-          <pc:sldMk cId="4054802990" sldId="319"/>
-        </pc:sldMkLst>
-      </pc:sldChg>
-      <pc:sldChg chg="del">
-        <pc:chgData name="Moore, Jacob Preston" userId="fdd3fd0f-c483-48c9-988d-7deb216763fd" providerId="ADAL" clId="{CC962662-F079-4162-8E29-DEFFCB9A4670}" dt="2020-06-24T14:30:11.937" v="10" actId="2696"/>
-        <pc:sldMkLst>
-          <pc:docMk/>
-          <pc:sldMk cId="1311655685" sldId="321"/>
-        </pc:sldMkLst>
-      </pc:sldChg>
-      <pc:sldChg chg="modAnim">
-        <pc:chgData name="Moore, Jacob Preston" userId="fdd3fd0f-c483-48c9-988d-7deb216763fd" providerId="ADAL" clId="{CC962662-F079-4162-8E29-DEFFCB9A4670}" dt="2020-06-24T14:18:38.568" v="1"/>
-        <pc:sldMkLst>
-          <pc:docMk/>
-          <pc:sldMk cId="842194440" sldId="322"/>
-        </pc:sldMkLst>
-      </pc:sldChg>
-      <pc:sldChg chg="modAnim">
-        <pc:chgData name="Moore, Jacob Preston" userId="fdd3fd0f-c483-48c9-988d-7deb216763fd" providerId="ADAL" clId="{CC962662-F079-4162-8E29-DEFFCB9A4670}" dt="2020-06-24T14:19:22.580" v="3"/>
-        <pc:sldMkLst>
-          <pc:docMk/>
-          <pc:sldMk cId="3832600308" sldId="323"/>
-        </pc:sldMkLst>
-      </pc:sldChg>
-      <pc:sldChg chg="add del">
-        <pc:chgData name="Moore, Jacob Preston" userId="fdd3fd0f-c483-48c9-988d-7deb216763fd" providerId="ADAL" clId="{CC962662-F079-4162-8E29-DEFFCB9A4670}" dt="2020-06-24T14:33:05.293" v="15" actId="2696"/>
-        <pc:sldMkLst>
-          <pc:docMk/>
-          <pc:sldMk cId="2649397452" sldId="326"/>
-        </pc:sldMkLst>
-      </pc:sldChg>
-    </pc:docChg>
-  </pc:docChgLst>
 </pc:chgInfo>
 </file>
 
@@ -716,7 +716,7 @@
           <a:p>
             <a:fld id="{1AA1AB63-216F-4D5B-8811-CCB935E98D4A}" type="datetimeFigureOut">
               <a:rPr lang="en-US" smtClean="0"/>
-              <a:t>10/13/2020</a:t>
+              <a:t>10/4/2021</a:t>
             </a:fld>
             <a:endParaRPr lang="en-US"/>
           </a:p>
@@ -4321,47 +4321,6 @@
           <a:chExt cx="0" cy="0"/>
         </a:xfrm>
       </p:grpSpPr>
-      <p:pic>
-        <p:nvPicPr>
-          <p:cNvPr id="3074" name="Picture 2" descr="Torsional Loading in a Shaft"/>
-          <p:cNvPicPr>
-            <a:picLocks noChangeAspect="1" noChangeArrowheads="1"/>
-          </p:cNvPicPr>
-          <p:nvPr/>
-        </p:nvPicPr>
-        <p:blipFill>
-          <a:blip r:embed="rId2">
-            <a:extLst>
-              <a:ext uri="{28A0092B-C50C-407E-A947-70E740481C1C}">
-                <a14:useLocalDpi xmlns:a14="http://schemas.microsoft.com/office/drawing/2010/main" val="0"/>
-              </a:ext>
-            </a:extLst>
-          </a:blip>
-          <a:srcRect/>
-          <a:stretch>
-            <a:fillRect/>
-          </a:stretch>
-        </p:blipFill>
-        <p:spPr bwMode="auto">
-          <a:xfrm>
-            <a:off x="2286000" y="838200"/>
-            <a:ext cx="4572000" cy="3409628"/>
-          </a:xfrm>
-          <a:prstGeom prst="rect">
-            <a:avLst/>
-          </a:prstGeom>
-          <a:noFill/>
-          <a:extLst>
-            <a:ext uri="{909E8E84-426E-40DD-AFC4-6F175D3DCCD1}">
-              <a14:hiddenFill xmlns:a14="http://schemas.microsoft.com/office/drawing/2010/main">
-                <a:solidFill>
-                  <a:srgbClr val="FFFFFF"/>
-                </a:solidFill>
-              </a14:hiddenFill>
-            </a:ext>
-          </a:extLst>
-        </p:spPr>
-      </p:pic>
       <p:sp>
         <p:nvSpPr>
           <p:cNvPr id="2" name="Title 1"/>
@@ -4398,7 +4357,7 @@
         </p:nvSpPr>
         <p:spPr>
           <a:xfrm>
-            <a:off x="457200" y="3886200"/>
+            <a:off x="457200" y="4211637"/>
             <a:ext cx="8229600" cy="2362200"/>
           </a:xfrm>
         </p:spPr>
@@ -4472,6 +4431,775 @@
               <a:t>10</a:t>
             </a:fld>
             <a:endParaRPr lang="en-US"/>
+          </a:p>
+        </p:txBody>
+      </p:sp>
+      <p:sp>
+        <p:nvSpPr>
+          <p:cNvPr id="6" name="Can 1">
+            <a:extLst>
+              <a:ext uri="{FF2B5EF4-FFF2-40B4-BE49-F238E27FC236}">
+                <a16:creationId xmlns:a16="http://schemas.microsoft.com/office/drawing/2014/main" id="{DBCA85EF-2133-425E-97AC-6F6510C910B3}"/>
+              </a:ext>
+            </a:extLst>
+          </p:cNvPr>
+          <p:cNvSpPr/>
+          <p:nvPr/>
+        </p:nvSpPr>
+        <p:spPr>
+          <a:xfrm rot="5400000">
+            <a:off x="3771900" y="1019173"/>
+            <a:ext cx="1828800" cy="3733800"/>
+          </a:xfrm>
+          <a:prstGeom prst="can">
+            <a:avLst>
+              <a:gd name="adj" fmla="val 45455"/>
+            </a:avLst>
+          </a:prstGeom>
+        </p:spPr>
+        <p:style>
+          <a:lnRef idx="1">
+            <a:schemeClr val="dk1"/>
+          </a:lnRef>
+          <a:fillRef idx="2">
+            <a:schemeClr val="dk1"/>
+          </a:fillRef>
+          <a:effectRef idx="1">
+            <a:schemeClr val="dk1"/>
+          </a:effectRef>
+          <a:fontRef idx="minor">
+            <a:schemeClr val="dk1"/>
+          </a:fontRef>
+        </p:style>
+        <p:txBody>
+          <a:bodyPr rtlCol="0" anchor="ctr"/>
+          <a:lstStyle/>
+          <a:p>
+            <a:pPr algn="ctr"/>
+            <a:endParaRPr lang="en-US"/>
+          </a:p>
+        </p:txBody>
+      </p:sp>
+      <p:sp>
+        <p:nvSpPr>
+          <p:cNvPr id="7" name="Arc 6">
+            <a:extLst>
+              <a:ext uri="{FF2B5EF4-FFF2-40B4-BE49-F238E27FC236}">
+                <a16:creationId xmlns:a16="http://schemas.microsoft.com/office/drawing/2014/main" id="{BD71D34B-4B5A-4C32-A4F5-62C9BB4921F4}"/>
+              </a:ext>
+            </a:extLst>
+          </p:cNvPr>
+          <p:cNvSpPr/>
+          <p:nvPr/>
+        </p:nvSpPr>
+        <p:spPr>
+          <a:xfrm>
+            <a:off x="2667000" y="1576623"/>
+            <a:ext cx="1125578" cy="2487376"/>
+          </a:xfrm>
+          <a:prstGeom prst="arc">
+            <a:avLst>
+              <a:gd name="adj1" fmla="val 4511132"/>
+              <a:gd name="adj2" fmla="val 17416533"/>
+            </a:avLst>
+          </a:prstGeom>
+          <a:ln>
+            <a:prstDash val="solid"/>
+            <a:headEnd type="none" w="med" len="med"/>
+            <a:tailEnd type="arrow" w="med" len="med"/>
+          </a:ln>
+        </p:spPr>
+        <p:style>
+          <a:lnRef idx="2">
+            <a:schemeClr val="accent4"/>
+          </a:lnRef>
+          <a:fillRef idx="0">
+            <a:schemeClr val="accent4"/>
+          </a:fillRef>
+          <a:effectRef idx="1">
+            <a:schemeClr val="accent4"/>
+          </a:effectRef>
+          <a:fontRef idx="minor">
+            <a:schemeClr val="tx1"/>
+          </a:fontRef>
+        </p:style>
+        <p:txBody>
+          <a:bodyPr rtlCol="0" anchor="ctr"/>
+          <a:lstStyle/>
+          <a:p>
+            <a:pPr algn="ctr"/>
+            <a:endParaRPr lang="en-US"/>
+          </a:p>
+        </p:txBody>
+      </p:sp>
+      <p:cxnSp>
+        <p:nvCxnSpPr>
+          <p:cNvPr id="8" name="Straight Connector 7">
+            <a:extLst>
+              <a:ext uri="{FF2B5EF4-FFF2-40B4-BE49-F238E27FC236}">
+                <a16:creationId xmlns:a16="http://schemas.microsoft.com/office/drawing/2014/main" id="{181436DC-4706-4726-A111-6A17A7D738F2}"/>
+              </a:ext>
+            </a:extLst>
+          </p:cNvPr>
+          <p:cNvCxnSpPr/>
+          <p:nvPr/>
+        </p:nvCxnSpPr>
+        <p:spPr>
+          <a:xfrm>
+            <a:off x="6151418" y="1971672"/>
+            <a:ext cx="0" cy="1828801"/>
+          </a:xfrm>
+          <a:prstGeom prst="line">
+            <a:avLst/>
+          </a:prstGeom>
+          <a:ln>
+            <a:solidFill>
+              <a:srgbClr val="FF0000"/>
+            </a:solidFill>
+          </a:ln>
+        </p:spPr>
+        <p:style>
+          <a:lnRef idx="2">
+            <a:schemeClr val="accent2"/>
+          </a:lnRef>
+          <a:fillRef idx="0">
+            <a:schemeClr val="accent2"/>
+          </a:fillRef>
+          <a:effectRef idx="1">
+            <a:schemeClr val="accent2"/>
+          </a:effectRef>
+          <a:fontRef idx="minor">
+            <a:schemeClr val="tx1"/>
+          </a:fontRef>
+        </p:style>
+      </p:cxnSp>
+      <p:cxnSp>
+        <p:nvCxnSpPr>
+          <p:cNvPr id="9" name="Straight Arrow Connector 8">
+            <a:extLst>
+              <a:ext uri="{FF2B5EF4-FFF2-40B4-BE49-F238E27FC236}">
+                <a16:creationId xmlns:a16="http://schemas.microsoft.com/office/drawing/2014/main" id="{80420004-22F6-47E5-B66A-730ABC7EE646}"/>
+              </a:ext>
+            </a:extLst>
+          </p:cNvPr>
+          <p:cNvCxnSpPr/>
+          <p:nvPr/>
+        </p:nvCxnSpPr>
+        <p:spPr>
+          <a:xfrm flipV="1">
+            <a:off x="6141891" y="3505199"/>
+            <a:ext cx="787545" cy="304801"/>
+          </a:xfrm>
+          <a:prstGeom prst="straightConnector1">
+            <a:avLst/>
+          </a:prstGeom>
+          <a:ln>
+            <a:solidFill>
+              <a:srgbClr val="FF0000"/>
+            </a:solidFill>
+            <a:tailEnd type="arrow"/>
+          </a:ln>
+        </p:spPr>
+        <p:style>
+          <a:lnRef idx="2">
+            <a:schemeClr val="accent2"/>
+          </a:lnRef>
+          <a:fillRef idx="0">
+            <a:schemeClr val="accent2"/>
+          </a:fillRef>
+          <a:effectRef idx="1">
+            <a:schemeClr val="accent2"/>
+          </a:effectRef>
+          <a:fontRef idx="minor">
+            <a:schemeClr val="tx1"/>
+          </a:fontRef>
+        </p:style>
+      </p:cxnSp>
+      <p:cxnSp>
+        <p:nvCxnSpPr>
+          <p:cNvPr id="10" name="Straight Arrow Connector 9">
+            <a:extLst>
+              <a:ext uri="{FF2B5EF4-FFF2-40B4-BE49-F238E27FC236}">
+                <a16:creationId xmlns:a16="http://schemas.microsoft.com/office/drawing/2014/main" id="{9B1BFD53-4230-40FD-A7F7-20C96AF03511}"/>
+              </a:ext>
+            </a:extLst>
+          </p:cNvPr>
+          <p:cNvCxnSpPr/>
+          <p:nvPr/>
+        </p:nvCxnSpPr>
+        <p:spPr>
+          <a:xfrm rot="10800000" flipV="1">
+            <a:off x="5367341" y="1957382"/>
+            <a:ext cx="787545" cy="304801"/>
+          </a:xfrm>
+          <a:prstGeom prst="straightConnector1">
+            <a:avLst/>
+          </a:prstGeom>
+          <a:ln>
+            <a:solidFill>
+              <a:srgbClr val="FF0000"/>
+            </a:solidFill>
+            <a:tailEnd type="arrow"/>
+          </a:ln>
+        </p:spPr>
+        <p:style>
+          <a:lnRef idx="2">
+            <a:schemeClr val="accent2"/>
+          </a:lnRef>
+          <a:fillRef idx="0">
+            <a:schemeClr val="accent2"/>
+          </a:fillRef>
+          <a:effectRef idx="1">
+            <a:schemeClr val="accent2"/>
+          </a:effectRef>
+          <a:fontRef idx="minor">
+            <a:schemeClr val="tx1"/>
+          </a:fontRef>
+        </p:style>
+      </p:cxnSp>
+      <p:cxnSp>
+        <p:nvCxnSpPr>
+          <p:cNvPr id="11" name="Straight Arrow Connector 10">
+            <a:extLst>
+              <a:ext uri="{FF2B5EF4-FFF2-40B4-BE49-F238E27FC236}">
+                <a16:creationId xmlns:a16="http://schemas.microsoft.com/office/drawing/2014/main" id="{B8F57C1A-DCD1-46D1-B097-E58ED33F68DF}"/>
+              </a:ext>
+            </a:extLst>
+          </p:cNvPr>
+          <p:cNvCxnSpPr/>
+          <p:nvPr/>
+        </p:nvCxnSpPr>
+        <p:spPr>
+          <a:xfrm flipV="1">
+            <a:off x="6172200" y="3324221"/>
+            <a:ext cx="519111" cy="200022"/>
+          </a:xfrm>
+          <a:prstGeom prst="straightConnector1">
+            <a:avLst/>
+          </a:prstGeom>
+          <a:ln>
+            <a:solidFill>
+              <a:srgbClr val="FF0000"/>
+            </a:solidFill>
+            <a:tailEnd type="arrow"/>
+          </a:ln>
+        </p:spPr>
+        <p:style>
+          <a:lnRef idx="2">
+            <a:schemeClr val="accent2"/>
+          </a:lnRef>
+          <a:fillRef idx="0">
+            <a:schemeClr val="accent2"/>
+          </a:fillRef>
+          <a:effectRef idx="1">
+            <a:schemeClr val="accent2"/>
+          </a:effectRef>
+          <a:fontRef idx="minor">
+            <a:schemeClr val="tx1"/>
+          </a:fontRef>
+        </p:style>
+      </p:cxnSp>
+      <p:cxnSp>
+        <p:nvCxnSpPr>
+          <p:cNvPr id="12" name="Straight Arrow Connector 11">
+            <a:extLst>
+              <a:ext uri="{FF2B5EF4-FFF2-40B4-BE49-F238E27FC236}">
+                <a16:creationId xmlns:a16="http://schemas.microsoft.com/office/drawing/2014/main" id="{797438D5-1E68-457E-A73F-55798FAA9D9C}"/>
+              </a:ext>
+            </a:extLst>
+          </p:cNvPr>
+          <p:cNvCxnSpPr/>
+          <p:nvPr/>
+        </p:nvCxnSpPr>
+        <p:spPr>
+          <a:xfrm flipV="1">
+            <a:off x="6168080" y="3105147"/>
+            <a:ext cx="266053" cy="90488"/>
+          </a:xfrm>
+          <a:prstGeom prst="straightConnector1">
+            <a:avLst/>
+          </a:prstGeom>
+          <a:ln>
+            <a:solidFill>
+              <a:srgbClr val="FF0000"/>
+            </a:solidFill>
+            <a:tailEnd type="arrow"/>
+          </a:ln>
+        </p:spPr>
+        <p:style>
+          <a:lnRef idx="2">
+            <a:schemeClr val="accent2"/>
+          </a:lnRef>
+          <a:fillRef idx="0">
+            <a:schemeClr val="accent2"/>
+          </a:fillRef>
+          <a:effectRef idx="1">
+            <a:schemeClr val="accent2"/>
+          </a:effectRef>
+          <a:fontRef idx="minor">
+            <a:schemeClr val="tx1"/>
+          </a:fontRef>
+        </p:style>
+      </p:cxnSp>
+      <p:cxnSp>
+        <p:nvCxnSpPr>
+          <p:cNvPr id="13" name="Straight Arrow Connector 12">
+            <a:extLst>
+              <a:ext uri="{FF2B5EF4-FFF2-40B4-BE49-F238E27FC236}">
+                <a16:creationId xmlns:a16="http://schemas.microsoft.com/office/drawing/2014/main" id="{DDA9834B-B1F9-4DDE-B86E-117F354CEA5B}"/>
+              </a:ext>
+            </a:extLst>
+          </p:cNvPr>
+          <p:cNvCxnSpPr/>
+          <p:nvPr/>
+        </p:nvCxnSpPr>
+        <p:spPr>
+          <a:xfrm rot="10800000" flipV="1">
+            <a:off x="5891858" y="2581273"/>
+            <a:ext cx="266053" cy="90488"/>
+          </a:xfrm>
+          <a:prstGeom prst="straightConnector1">
+            <a:avLst/>
+          </a:prstGeom>
+          <a:ln>
+            <a:solidFill>
+              <a:srgbClr val="FF0000"/>
+            </a:solidFill>
+            <a:tailEnd type="arrow"/>
+          </a:ln>
+        </p:spPr>
+        <p:style>
+          <a:lnRef idx="2">
+            <a:schemeClr val="accent2"/>
+          </a:lnRef>
+          <a:fillRef idx="0">
+            <a:schemeClr val="accent2"/>
+          </a:fillRef>
+          <a:effectRef idx="1">
+            <a:schemeClr val="accent2"/>
+          </a:effectRef>
+          <a:fontRef idx="minor">
+            <a:schemeClr val="tx1"/>
+          </a:fontRef>
+        </p:style>
+      </p:cxnSp>
+      <p:cxnSp>
+        <p:nvCxnSpPr>
+          <p:cNvPr id="14" name="Straight Arrow Connector 13">
+            <a:extLst>
+              <a:ext uri="{FF2B5EF4-FFF2-40B4-BE49-F238E27FC236}">
+                <a16:creationId xmlns:a16="http://schemas.microsoft.com/office/drawing/2014/main" id="{7695DE11-3050-423F-A055-931C2AE6238B}"/>
+              </a:ext>
+            </a:extLst>
+          </p:cNvPr>
+          <p:cNvCxnSpPr/>
+          <p:nvPr/>
+        </p:nvCxnSpPr>
+        <p:spPr>
+          <a:xfrm rot="10800000" flipV="1">
+            <a:off x="5629274" y="2257428"/>
+            <a:ext cx="519111" cy="200022"/>
+          </a:xfrm>
+          <a:prstGeom prst="straightConnector1">
+            <a:avLst/>
+          </a:prstGeom>
+          <a:ln>
+            <a:solidFill>
+              <a:srgbClr val="FF0000"/>
+            </a:solidFill>
+            <a:tailEnd type="arrow"/>
+          </a:ln>
+        </p:spPr>
+        <p:style>
+          <a:lnRef idx="2">
+            <a:schemeClr val="accent2"/>
+          </a:lnRef>
+          <a:fillRef idx="0">
+            <a:schemeClr val="accent2"/>
+          </a:fillRef>
+          <a:effectRef idx="1">
+            <a:schemeClr val="accent2"/>
+          </a:effectRef>
+          <a:fontRef idx="minor">
+            <a:schemeClr val="tx1"/>
+          </a:fontRef>
+        </p:style>
+      </p:cxnSp>
+      <p:sp>
+        <p:nvSpPr>
+          <p:cNvPr id="15" name="TextBox 14">
+            <a:extLst>
+              <a:ext uri="{FF2B5EF4-FFF2-40B4-BE49-F238E27FC236}">
+                <a16:creationId xmlns:a16="http://schemas.microsoft.com/office/drawing/2014/main" id="{2F682605-21A1-430C-8609-AF10A9967A25}"/>
+              </a:ext>
+            </a:extLst>
+          </p:cNvPr>
+          <p:cNvSpPr txBox="1"/>
+          <p:nvPr/>
+        </p:nvSpPr>
+        <p:spPr>
+          <a:xfrm>
+            <a:off x="4054781" y="2519358"/>
+            <a:ext cx="1263038" cy="369332"/>
+          </a:xfrm>
+          <a:prstGeom prst="rect">
+            <a:avLst/>
+          </a:prstGeom>
+          <a:noFill/>
+        </p:spPr>
+        <p:txBody>
+          <a:bodyPr wrap="none" rtlCol="0">
+            <a:spAutoFit/>
+          </a:bodyPr>
+          <a:lstStyle/>
+          <a:p>
+            <a:r>
+              <a:rPr lang="en-US" dirty="0"/>
+              <a:t>neutral axis</a:t>
+            </a:r>
+          </a:p>
+        </p:txBody>
+      </p:sp>
+      <p:sp>
+        <p:nvSpPr>
+          <p:cNvPr id="16" name="Arc 15">
+            <a:extLst>
+              <a:ext uri="{FF2B5EF4-FFF2-40B4-BE49-F238E27FC236}">
+                <a16:creationId xmlns:a16="http://schemas.microsoft.com/office/drawing/2014/main" id="{B8F6C5D6-D5D2-408C-BEEF-7857C6094DA5}"/>
+              </a:ext>
+            </a:extLst>
+          </p:cNvPr>
+          <p:cNvSpPr/>
+          <p:nvPr/>
+        </p:nvSpPr>
+        <p:spPr>
+          <a:xfrm>
+            <a:off x="2824596" y="1971672"/>
+            <a:ext cx="843395" cy="1824042"/>
+          </a:xfrm>
+          <a:prstGeom prst="arc">
+            <a:avLst>
+              <a:gd name="adj1" fmla="val 16200000"/>
+              <a:gd name="adj2" fmla="val 5412826"/>
+            </a:avLst>
+          </a:prstGeom>
+          <a:ln>
+            <a:prstDash val="lgDash"/>
+          </a:ln>
+        </p:spPr>
+        <p:style>
+          <a:lnRef idx="1">
+            <a:schemeClr val="dk1"/>
+          </a:lnRef>
+          <a:fillRef idx="0">
+            <a:schemeClr val="dk1"/>
+          </a:fillRef>
+          <a:effectRef idx="0">
+            <a:schemeClr val="dk1"/>
+          </a:effectRef>
+          <a:fontRef idx="minor">
+            <a:schemeClr val="tx1"/>
+          </a:fontRef>
+        </p:style>
+        <p:txBody>
+          <a:bodyPr rtlCol="0" anchor="ctr"/>
+          <a:lstStyle/>
+          <a:p>
+            <a:pPr algn="ctr"/>
+            <a:endParaRPr lang="en-US"/>
+          </a:p>
+        </p:txBody>
+      </p:sp>
+      <p:cxnSp>
+        <p:nvCxnSpPr>
+          <p:cNvPr id="17" name="Straight Connector 16">
+            <a:extLst>
+              <a:ext uri="{FF2B5EF4-FFF2-40B4-BE49-F238E27FC236}">
+                <a16:creationId xmlns:a16="http://schemas.microsoft.com/office/drawing/2014/main" id="{862B314E-B095-4B12-998E-A4E0E7E8A495}"/>
+              </a:ext>
+            </a:extLst>
+          </p:cNvPr>
+          <p:cNvCxnSpPr>
+            <a:cxnSpLocks/>
+            <a:stCxn id="22" idx="2"/>
+          </p:cNvCxnSpPr>
+          <p:nvPr/>
+        </p:nvCxnSpPr>
+        <p:spPr>
+          <a:xfrm flipH="1" flipV="1">
+            <a:off x="3246293" y="2883691"/>
+            <a:ext cx="2884951" cy="9998"/>
+          </a:xfrm>
+          <a:prstGeom prst="line">
+            <a:avLst/>
+          </a:prstGeom>
+          <a:ln>
+            <a:prstDash val="lgDash"/>
+          </a:ln>
+        </p:spPr>
+        <p:style>
+          <a:lnRef idx="1">
+            <a:schemeClr val="dk1"/>
+          </a:lnRef>
+          <a:fillRef idx="0">
+            <a:schemeClr val="dk1"/>
+          </a:fillRef>
+          <a:effectRef idx="0">
+            <a:schemeClr val="dk1"/>
+          </a:effectRef>
+          <a:fontRef idx="minor">
+            <a:schemeClr val="tx1"/>
+          </a:fontRef>
+        </p:style>
+      </p:cxnSp>
+      <p:cxnSp>
+        <p:nvCxnSpPr>
+          <p:cNvPr id="18" name="Straight Arrow Connector 17">
+            <a:extLst>
+              <a:ext uri="{FF2B5EF4-FFF2-40B4-BE49-F238E27FC236}">
+                <a16:creationId xmlns:a16="http://schemas.microsoft.com/office/drawing/2014/main" id="{2D31A5EA-BC77-49F3-85E9-5ABA79E3C85E}"/>
+              </a:ext>
+            </a:extLst>
+          </p:cNvPr>
+          <p:cNvCxnSpPr>
+            <a:stCxn id="22" idx="0"/>
+            <a:endCxn id="20" idx="0"/>
+          </p:cNvCxnSpPr>
+          <p:nvPr/>
+        </p:nvCxnSpPr>
+        <p:spPr>
+          <a:xfrm flipV="1">
+            <a:off x="6154104" y="2581273"/>
+            <a:ext cx="1275" cy="266696"/>
+          </a:xfrm>
+          <a:prstGeom prst="straightConnector1">
+            <a:avLst/>
+          </a:prstGeom>
+          <a:ln>
+            <a:tailEnd type="arrow"/>
+          </a:ln>
+        </p:spPr>
+        <p:style>
+          <a:lnRef idx="2">
+            <a:schemeClr val="dk1"/>
+          </a:lnRef>
+          <a:fillRef idx="0">
+            <a:schemeClr val="dk1"/>
+          </a:fillRef>
+          <a:effectRef idx="1">
+            <a:schemeClr val="dk1"/>
+          </a:effectRef>
+          <a:fontRef idx="minor">
+            <a:schemeClr val="tx1"/>
+          </a:fontRef>
+        </p:style>
+      </p:cxnSp>
+      <p:sp>
+        <p:nvSpPr>
+          <p:cNvPr id="19" name="TextBox 18">
+            <a:extLst>
+              <a:ext uri="{FF2B5EF4-FFF2-40B4-BE49-F238E27FC236}">
+                <a16:creationId xmlns:a16="http://schemas.microsoft.com/office/drawing/2014/main" id="{C442D44E-A6FE-4BBD-BC53-6C588DDFA6B6}"/>
+              </a:ext>
+            </a:extLst>
+          </p:cNvPr>
+          <p:cNvSpPr txBox="1"/>
+          <p:nvPr/>
+        </p:nvSpPr>
+        <p:spPr>
+          <a:xfrm>
+            <a:off x="6135984" y="2124073"/>
+            <a:ext cx="264816" cy="369332"/>
+          </a:xfrm>
+          <a:prstGeom prst="rect">
+            <a:avLst/>
+          </a:prstGeom>
+          <a:noFill/>
+        </p:spPr>
+        <p:txBody>
+          <a:bodyPr wrap="none" rtlCol="0">
+            <a:spAutoFit/>
+          </a:bodyPr>
+          <a:lstStyle/>
+          <a:p>
+            <a:r>
+              <a:rPr lang="en-US" dirty="0"/>
+              <a:t>r</a:t>
+            </a:r>
+          </a:p>
+        </p:txBody>
+      </p:sp>
+      <p:sp>
+        <p:nvSpPr>
+          <p:cNvPr id="20" name="Oval 19">
+            <a:extLst>
+              <a:ext uri="{FF2B5EF4-FFF2-40B4-BE49-F238E27FC236}">
+                <a16:creationId xmlns:a16="http://schemas.microsoft.com/office/drawing/2014/main" id="{7D843444-819B-4871-8FAC-FA39501F7DDC}"/>
+              </a:ext>
+            </a:extLst>
+          </p:cNvPr>
+          <p:cNvSpPr/>
+          <p:nvPr/>
+        </p:nvSpPr>
+        <p:spPr>
+          <a:xfrm>
+            <a:off x="6005210" y="2581273"/>
+            <a:ext cx="300338" cy="614362"/>
+          </a:xfrm>
+          <a:prstGeom prst="ellipse">
+            <a:avLst/>
+          </a:prstGeom>
+          <a:noFill/>
+          <a:ln w="12700">
+            <a:prstDash val="dash"/>
+          </a:ln>
+        </p:spPr>
+        <p:style>
+          <a:lnRef idx="2">
+            <a:schemeClr val="dk1"/>
+          </a:lnRef>
+          <a:fillRef idx="1">
+            <a:schemeClr val="lt1"/>
+          </a:fillRef>
+          <a:effectRef idx="0">
+            <a:schemeClr val="dk1"/>
+          </a:effectRef>
+          <a:fontRef idx="minor">
+            <a:schemeClr val="dk1"/>
+          </a:fontRef>
+        </p:style>
+        <p:txBody>
+          <a:bodyPr rtlCol="0" anchor="ctr"/>
+          <a:lstStyle/>
+          <a:p>
+            <a:pPr algn="ctr"/>
+            <a:endParaRPr lang="en-US"/>
+          </a:p>
+        </p:txBody>
+      </p:sp>
+      <p:cxnSp>
+        <p:nvCxnSpPr>
+          <p:cNvPr id="21" name="Straight Connector 20">
+            <a:extLst>
+              <a:ext uri="{FF2B5EF4-FFF2-40B4-BE49-F238E27FC236}">
+                <a16:creationId xmlns:a16="http://schemas.microsoft.com/office/drawing/2014/main" id="{BB5A8C9D-CDAB-4427-B4E3-23AD635DCFE8}"/>
+              </a:ext>
+            </a:extLst>
+          </p:cNvPr>
+          <p:cNvCxnSpPr/>
+          <p:nvPr/>
+        </p:nvCxnSpPr>
+        <p:spPr>
+          <a:xfrm>
+            <a:off x="5367341" y="2262184"/>
+            <a:ext cx="1562095" cy="1243015"/>
+          </a:xfrm>
+          <a:prstGeom prst="line">
+            <a:avLst/>
+          </a:prstGeom>
+          <a:ln>
+            <a:solidFill>
+              <a:srgbClr val="FF0000"/>
+            </a:solidFill>
+          </a:ln>
+        </p:spPr>
+        <p:style>
+          <a:lnRef idx="2">
+            <a:schemeClr val="accent2"/>
+          </a:lnRef>
+          <a:fillRef idx="0">
+            <a:schemeClr val="accent2"/>
+          </a:fillRef>
+          <a:effectRef idx="1">
+            <a:schemeClr val="accent2"/>
+          </a:effectRef>
+          <a:fontRef idx="minor">
+            <a:schemeClr val="tx1"/>
+          </a:fontRef>
+        </p:style>
+      </p:cxnSp>
+      <p:sp>
+        <p:nvSpPr>
+          <p:cNvPr id="22" name="Oval 21">
+            <a:extLst>
+              <a:ext uri="{FF2B5EF4-FFF2-40B4-BE49-F238E27FC236}">
+                <a16:creationId xmlns:a16="http://schemas.microsoft.com/office/drawing/2014/main" id="{E2663602-8A35-4425-BF58-7FF3B6D4346F}"/>
+              </a:ext>
+            </a:extLst>
+          </p:cNvPr>
+          <p:cNvSpPr/>
+          <p:nvPr/>
+        </p:nvSpPr>
+        <p:spPr>
+          <a:xfrm>
+            <a:off x="6131244" y="2847969"/>
+            <a:ext cx="45719" cy="91440"/>
+          </a:xfrm>
+          <a:prstGeom prst="ellipse">
+            <a:avLst/>
+          </a:prstGeom>
+        </p:spPr>
+        <p:style>
+          <a:lnRef idx="2">
+            <a:schemeClr val="dk1">
+              <a:shade val="50000"/>
+            </a:schemeClr>
+          </a:lnRef>
+          <a:fillRef idx="1">
+            <a:schemeClr val="dk1"/>
+          </a:fillRef>
+          <a:effectRef idx="0">
+            <a:schemeClr val="dk1"/>
+          </a:effectRef>
+          <a:fontRef idx="minor">
+            <a:schemeClr val="lt1"/>
+          </a:fontRef>
+        </p:style>
+        <p:txBody>
+          <a:bodyPr rtlCol="0" anchor="ctr"/>
+          <a:lstStyle/>
+          <a:p>
+            <a:pPr algn="ctr"/>
+            <a:endParaRPr lang="en-US"/>
+          </a:p>
+        </p:txBody>
+      </p:sp>
+      <p:sp>
+        <p:nvSpPr>
+          <p:cNvPr id="23" name="TextBox 22">
+            <a:extLst>
+              <a:ext uri="{FF2B5EF4-FFF2-40B4-BE49-F238E27FC236}">
+                <a16:creationId xmlns:a16="http://schemas.microsoft.com/office/drawing/2014/main" id="{98514F14-1E70-4DBE-97A2-938C6E13036F}"/>
+              </a:ext>
+            </a:extLst>
+          </p:cNvPr>
+          <p:cNvSpPr txBox="1"/>
+          <p:nvPr/>
+        </p:nvSpPr>
+        <p:spPr>
+          <a:xfrm>
+            <a:off x="2330724" y="2764390"/>
+            <a:ext cx="296876" cy="369332"/>
+          </a:xfrm>
+          <a:prstGeom prst="rect">
+            <a:avLst/>
+          </a:prstGeom>
+          <a:noFill/>
+        </p:spPr>
+        <p:txBody>
+          <a:bodyPr wrap="none" rtlCol="0">
+            <a:spAutoFit/>
+          </a:bodyPr>
+          <a:lstStyle/>
+          <a:p>
+            <a:r>
+              <a:rPr lang="en-US" dirty="0">
+                <a:solidFill>
+                  <a:srgbClr val="7030A0"/>
+                </a:solidFill>
+              </a:rPr>
+              <a:t>T</a:t>
+            </a:r>
           </a:p>
         </p:txBody>
       </p:sp>
@@ -5756,60 +6484,6 @@
           <a:chExt cx="0" cy="0"/>
         </a:xfrm>
       </p:grpSpPr>
-      <p:pic>
-        <p:nvPicPr>
-          <p:cNvPr id="4098" name="Picture 2"/>
-          <p:cNvPicPr>
-            <a:picLocks noChangeAspect="1" noChangeArrowheads="1"/>
-          </p:cNvPicPr>
-          <p:nvPr/>
-        </p:nvPicPr>
-        <p:blipFill>
-          <a:blip r:embed="rId2">
-            <a:extLst>
-              <a:ext uri="{28A0092B-C50C-407E-A947-70E740481C1C}">
-                <a14:useLocalDpi xmlns:a14="http://schemas.microsoft.com/office/drawing/2010/main" val="0"/>
-              </a:ext>
-            </a:extLst>
-          </a:blip>
-          <a:srcRect/>
-          <a:stretch>
-            <a:fillRect/>
-          </a:stretch>
-        </p:blipFill>
-        <p:spPr bwMode="auto">
-          <a:xfrm>
-            <a:off x="471488" y="1228725"/>
-            <a:ext cx="8201025" cy="5400675"/>
-          </a:xfrm>
-          <a:prstGeom prst="rect">
-            <a:avLst/>
-          </a:prstGeom>
-          <a:noFill/>
-          <a:ln>
-            <a:noFill/>
-          </a:ln>
-          <a:extLst>
-            <a:ext uri="{909E8E84-426E-40DD-AFC4-6F175D3DCCD1}">
-              <a14:hiddenFill xmlns:a14="http://schemas.microsoft.com/office/drawing/2010/main">
-                <a:solidFill>
-                  <a:schemeClr val="accent1"/>
-                </a:solidFill>
-              </a14:hiddenFill>
-            </a:ext>
-            <a:ext uri="{91240B29-F687-4F45-9708-019B960494DF}">
-              <a14:hiddenLine xmlns:a14="http://schemas.microsoft.com/office/drawing/2010/main" w="9525">
-                <a:solidFill>
-                  <a:schemeClr val="tx1"/>
-                </a:solidFill>
-                <a:miter lim="800000"/>
-                <a:headEnd/>
-                <a:tailEnd/>
-              </a14:hiddenLine>
-            </a:ext>
-          </a:extLst>
-        </p:spPr>
-      </p:pic>
       <p:sp>
         <p:nvSpPr>
           <p:cNvPr id="2" name="Title 1"/>
@@ -5854,6 +6528,1161 @@
               <a:t>13</a:t>
             </a:fld>
             <a:endParaRPr lang="en-US"/>
+          </a:p>
+        </p:txBody>
+      </p:sp>
+      <p:sp>
+        <p:nvSpPr>
+          <p:cNvPr id="5" name="Oval 4">
+            <a:extLst>
+              <a:ext uri="{FF2B5EF4-FFF2-40B4-BE49-F238E27FC236}">
+                <a16:creationId xmlns:a16="http://schemas.microsoft.com/office/drawing/2014/main" id="{7FA15CED-0DFC-439F-9B3D-10D6AF48F7DF}"/>
+              </a:ext>
+            </a:extLst>
+          </p:cNvPr>
+          <p:cNvSpPr/>
+          <p:nvPr/>
+        </p:nvSpPr>
+        <p:spPr>
+          <a:xfrm>
+            <a:off x="259773" y="3013690"/>
+            <a:ext cx="3200400" cy="3200400"/>
+          </a:xfrm>
+          <a:prstGeom prst="ellipse">
+            <a:avLst/>
+          </a:prstGeom>
+          <a:solidFill>
+            <a:schemeClr val="accent1">
+              <a:lumMod val="60000"/>
+              <a:lumOff val="40000"/>
+            </a:schemeClr>
+          </a:solidFill>
+        </p:spPr>
+        <p:style>
+          <a:lnRef idx="2">
+            <a:schemeClr val="accent1">
+              <a:shade val="50000"/>
+            </a:schemeClr>
+          </a:lnRef>
+          <a:fillRef idx="1">
+            <a:schemeClr val="accent1"/>
+          </a:fillRef>
+          <a:effectRef idx="0">
+            <a:schemeClr val="accent1"/>
+          </a:effectRef>
+          <a:fontRef idx="minor">
+            <a:schemeClr val="lt1"/>
+          </a:fontRef>
+        </p:style>
+        <p:txBody>
+          <a:bodyPr rtlCol="0" anchor="ctr"/>
+          <a:lstStyle/>
+          <a:p>
+            <a:pPr algn="ctr"/>
+            <a:endParaRPr lang="en-US"/>
+          </a:p>
+        </p:txBody>
+      </p:sp>
+      <p:sp>
+        <p:nvSpPr>
+          <p:cNvPr id="6" name="TextBox 5">
+            <a:extLst>
+              <a:ext uri="{FF2B5EF4-FFF2-40B4-BE49-F238E27FC236}">
+                <a16:creationId xmlns:a16="http://schemas.microsoft.com/office/drawing/2014/main" id="{28426D32-C2F9-4E26-BCCB-B34098D9A743}"/>
+              </a:ext>
+            </a:extLst>
+          </p:cNvPr>
+          <p:cNvSpPr txBox="1"/>
+          <p:nvPr/>
+        </p:nvSpPr>
+        <p:spPr>
+          <a:xfrm>
+            <a:off x="3830748" y="4417765"/>
+            <a:ext cx="284052" cy="369332"/>
+          </a:xfrm>
+          <a:prstGeom prst="rect">
+            <a:avLst/>
+          </a:prstGeom>
+          <a:noFill/>
+        </p:spPr>
+        <p:txBody>
+          <a:bodyPr wrap="none" rtlCol="0">
+            <a:spAutoFit/>
+          </a:bodyPr>
+          <a:lstStyle/>
+          <a:p>
+            <a:r>
+              <a:rPr lang="en-US" dirty="0"/>
+              <a:t>x</a:t>
+            </a:r>
+          </a:p>
+        </p:txBody>
+      </p:sp>
+      <p:sp>
+        <p:nvSpPr>
+          <p:cNvPr id="7" name="TextBox 6">
+            <a:extLst>
+              <a:ext uri="{FF2B5EF4-FFF2-40B4-BE49-F238E27FC236}">
+                <a16:creationId xmlns:a16="http://schemas.microsoft.com/office/drawing/2014/main" id="{0164B1C7-0AB9-4205-9091-A6314D49B7FC}"/>
+              </a:ext>
+            </a:extLst>
+          </p:cNvPr>
+          <p:cNvSpPr txBox="1"/>
+          <p:nvPr/>
+        </p:nvSpPr>
+        <p:spPr>
+          <a:xfrm>
+            <a:off x="1705151" y="2188190"/>
+            <a:ext cx="288862" cy="369332"/>
+          </a:xfrm>
+          <a:prstGeom prst="rect">
+            <a:avLst/>
+          </a:prstGeom>
+          <a:noFill/>
+        </p:spPr>
+        <p:txBody>
+          <a:bodyPr wrap="none" rtlCol="0">
+            <a:spAutoFit/>
+          </a:bodyPr>
+          <a:lstStyle/>
+          <a:p>
+            <a:r>
+              <a:rPr lang="en-US" dirty="0"/>
+              <a:t>y</a:t>
+            </a:r>
+          </a:p>
+        </p:txBody>
+      </p:sp>
+      <p:cxnSp>
+        <p:nvCxnSpPr>
+          <p:cNvPr id="8" name="Straight Arrow Connector 7">
+            <a:extLst>
+              <a:ext uri="{FF2B5EF4-FFF2-40B4-BE49-F238E27FC236}">
+                <a16:creationId xmlns:a16="http://schemas.microsoft.com/office/drawing/2014/main" id="{57ED182F-BA2B-4D04-94BC-3965ACDCD683}"/>
+              </a:ext>
+            </a:extLst>
+          </p:cNvPr>
+          <p:cNvCxnSpPr/>
+          <p:nvPr/>
+        </p:nvCxnSpPr>
+        <p:spPr>
+          <a:xfrm flipV="1">
+            <a:off x="1849582" y="4605543"/>
+            <a:ext cx="1873844" cy="3112"/>
+          </a:xfrm>
+          <a:prstGeom prst="straightConnector1">
+            <a:avLst/>
+          </a:prstGeom>
+          <a:ln>
+            <a:tailEnd type="arrow"/>
+          </a:ln>
+        </p:spPr>
+        <p:style>
+          <a:lnRef idx="2">
+            <a:schemeClr val="dk1"/>
+          </a:lnRef>
+          <a:fillRef idx="0">
+            <a:schemeClr val="dk1"/>
+          </a:fillRef>
+          <a:effectRef idx="1">
+            <a:schemeClr val="dk1"/>
+          </a:effectRef>
+          <a:fontRef idx="minor">
+            <a:schemeClr val="tx1"/>
+          </a:fontRef>
+        </p:style>
+      </p:cxnSp>
+      <p:cxnSp>
+        <p:nvCxnSpPr>
+          <p:cNvPr id="9" name="Straight Arrow Connector 8">
+            <a:extLst>
+              <a:ext uri="{FF2B5EF4-FFF2-40B4-BE49-F238E27FC236}">
+                <a16:creationId xmlns:a16="http://schemas.microsoft.com/office/drawing/2014/main" id="{B4B45CC2-0AEA-4078-BD6D-671C5CA68712}"/>
+              </a:ext>
+            </a:extLst>
+          </p:cNvPr>
+          <p:cNvCxnSpPr/>
+          <p:nvPr/>
+        </p:nvCxnSpPr>
+        <p:spPr>
+          <a:xfrm flipV="1">
+            <a:off x="1859973" y="2709922"/>
+            <a:ext cx="0" cy="1904178"/>
+          </a:xfrm>
+          <a:prstGeom prst="straightConnector1">
+            <a:avLst/>
+          </a:prstGeom>
+          <a:ln>
+            <a:tailEnd type="arrow"/>
+          </a:ln>
+        </p:spPr>
+        <p:style>
+          <a:lnRef idx="2">
+            <a:schemeClr val="dk1"/>
+          </a:lnRef>
+          <a:fillRef idx="0">
+            <a:schemeClr val="dk1"/>
+          </a:fillRef>
+          <a:effectRef idx="1">
+            <a:schemeClr val="dk1"/>
+          </a:effectRef>
+          <a:fontRef idx="minor">
+            <a:schemeClr val="tx1"/>
+          </a:fontRef>
+        </p:style>
+      </p:cxnSp>
+      <mc:AlternateContent xmlns:mc="http://schemas.openxmlformats.org/markup-compatibility/2006">
+        <mc:Choice xmlns:a14="http://schemas.microsoft.com/office/drawing/2010/main" Requires="a14">
+          <p:sp>
+            <p:nvSpPr>
+              <p:cNvPr id="10" name="Rectangle 9">
+                <a:extLst>
+                  <a:ext uri="{FF2B5EF4-FFF2-40B4-BE49-F238E27FC236}">
+                    <a16:creationId xmlns:a16="http://schemas.microsoft.com/office/drawing/2014/main" id="{6C0CB584-8667-4DF2-9666-6F3AA0752DCF}"/>
+                  </a:ext>
+                </a:extLst>
+              </p:cNvPr>
+              <p:cNvSpPr/>
+              <p:nvPr/>
+            </p:nvSpPr>
+            <p:spPr>
+              <a:xfrm>
+                <a:off x="2655722" y="4033352"/>
+                <a:ext cx="510076" cy="369332"/>
+              </a:xfrm>
+              <a:prstGeom prst="rect">
+                <a:avLst/>
+              </a:prstGeom>
+            </p:spPr>
+            <p:txBody>
+              <a:bodyPr wrap="none">
+                <a:spAutoFit/>
+              </a:bodyPr>
+              <a:lstStyle/>
+              <a:p>
+                <a:pPr/>
+                <a14:m>
+                  <m:oMathPara xmlns:m="http://schemas.openxmlformats.org/officeDocument/2006/math">
+                    <m:oMathParaPr>
+                      <m:jc m:val="centerGroup"/>
+                    </m:oMathParaPr>
+                    <m:oMath xmlns:m="http://schemas.openxmlformats.org/officeDocument/2006/math">
+                      <m:r>
+                        <m:rPr>
+                          <m:sty m:val="p"/>
+                        </m:rPr>
+                        <a:rPr lang="en-US" smtClean="0">
+                          <a:latin typeface="Cambria Math"/>
+                        </a:rPr>
+                        <m:t>d</m:t>
+                      </m:r>
+                      <m:r>
+                        <m:rPr>
+                          <m:sty m:val="p"/>
+                        </m:rPr>
+                        <a:rPr lang="en-US" b="0" i="0" smtClean="0">
+                          <a:latin typeface="Cambria Math"/>
+                        </a:rPr>
+                        <m:t>A</m:t>
+                      </m:r>
+                    </m:oMath>
+                  </m:oMathPara>
+                </a14:m>
+                <a:endParaRPr lang="en-US" dirty="0"/>
+              </a:p>
+            </p:txBody>
+          </p:sp>
+        </mc:Choice>
+        <mc:Fallback>
+          <p:sp>
+            <p:nvSpPr>
+              <p:cNvPr id="10" name="Rectangle 9">
+                <a:extLst>
+                  <a:ext uri="{FF2B5EF4-FFF2-40B4-BE49-F238E27FC236}">
+                    <a16:creationId xmlns:a16="http://schemas.microsoft.com/office/drawing/2014/main" id="{6C0CB584-8667-4DF2-9666-6F3AA0752DCF}"/>
+                  </a:ext>
+                </a:extLst>
+              </p:cNvPr>
+              <p:cNvSpPr>
+                <a:spLocks noRot="1" noChangeAspect="1" noMove="1" noResize="1" noEditPoints="1" noAdjustHandles="1" noChangeArrowheads="1" noChangeShapeType="1" noTextEdit="1"/>
+              </p:cNvSpPr>
+              <p:nvPr/>
+            </p:nvSpPr>
+            <p:spPr>
+              <a:xfrm>
+                <a:off x="2655722" y="4033352"/>
+                <a:ext cx="510076" cy="369332"/>
+              </a:xfrm>
+              <a:prstGeom prst="rect">
+                <a:avLst/>
+              </a:prstGeom>
+              <a:blipFill>
+                <a:blip r:embed="rId2"/>
+                <a:stretch>
+                  <a:fillRect/>
+                </a:stretch>
+              </a:blipFill>
+            </p:spPr>
+            <p:txBody>
+              <a:bodyPr/>
+              <a:lstStyle/>
+              <a:p>
+                <a:r>
+                  <a:rPr lang="en-US">
+                    <a:noFill/>
+                  </a:rPr>
+                  <a:t> </a:t>
+                </a:r>
+              </a:p>
+            </p:txBody>
+          </p:sp>
+        </mc:Fallback>
+      </mc:AlternateContent>
+      <p:cxnSp>
+        <p:nvCxnSpPr>
+          <p:cNvPr id="11" name="Straight Arrow Connector 10">
+            <a:extLst>
+              <a:ext uri="{FF2B5EF4-FFF2-40B4-BE49-F238E27FC236}">
+                <a16:creationId xmlns:a16="http://schemas.microsoft.com/office/drawing/2014/main" id="{9F4E7488-00E0-432E-918C-0D3B24ECD48E}"/>
+              </a:ext>
+            </a:extLst>
+          </p:cNvPr>
+          <p:cNvCxnSpPr/>
+          <p:nvPr/>
+        </p:nvCxnSpPr>
+        <p:spPr>
+          <a:xfrm flipH="1">
+            <a:off x="7391400" y="3332825"/>
+            <a:ext cx="162774" cy="620877"/>
+          </a:xfrm>
+          <a:prstGeom prst="straightConnector1">
+            <a:avLst/>
+          </a:prstGeom>
+          <a:ln>
+            <a:tailEnd type="arrow"/>
+          </a:ln>
+        </p:spPr>
+        <p:style>
+          <a:lnRef idx="1">
+            <a:schemeClr val="dk1"/>
+          </a:lnRef>
+          <a:fillRef idx="0">
+            <a:schemeClr val="dk1"/>
+          </a:fillRef>
+          <a:effectRef idx="0">
+            <a:schemeClr val="dk1"/>
+          </a:effectRef>
+          <a:fontRef idx="minor">
+            <a:schemeClr val="tx1"/>
+          </a:fontRef>
+        </p:style>
+      </p:cxnSp>
+      <mc:AlternateContent xmlns:mc="http://schemas.openxmlformats.org/markup-compatibility/2006">
+        <mc:Choice xmlns:a14="http://schemas.microsoft.com/office/drawing/2010/main" Requires="a14">
+          <p:sp>
+            <p:nvSpPr>
+              <p:cNvPr id="12" name="Rectangle 11">
+                <a:extLst>
+                  <a:ext uri="{FF2B5EF4-FFF2-40B4-BE49-F238E27FC236}">
+                    <a16:creationId xmlns:a16="http://schemas.microsoft.com/office/drawing/2014/main" id="{93A7AABA-0A3F-49EF-B793-81D85ECFA4CB}"/>
+                  </a:ext>
+                </a:extLst>
+              </p:cNvPr>
+              <p:cNvSpPr/>
+              <p:nvPr/>
+            </p:nvSpPr>
+            <p:spPr>
+              <a:xfrm>
+                <a:off x="4719673" y="3699348"/>
+                <a:ext cx="3766480" cy="1156535"/>
+              </a:xfrm>
+              <a:prstGeom prst="rect">
+                <a:avLst/>
+              </a:prstGeom>
+            </p:spPr>
+            <p:txBody>
+              <a:bodyPr wrap="none">
+                <a:spAutoFit/>
+              </a:bodyPr>
+              <a:lstStyle/>
+              <a:p>
+                <a:pPr/>
+                <a14:m>
+                  <m:oMathPara xmlns:m="http://schemas.openxmlformats.org/officeDocument/2006/math">
+                    <m:oMathParaPr>
+                      <m:jc m:val="centerGroup"/>
+                    </m:oMathParaPr>
+                    <m:oMath xmlns:m="http://schemas.openxmlformats.org/officeDocument/2006/math">
+                      <m:sSub>
+                        <m:sSubPr>
+                          <m:ctrlPr>
+                            <a:rPr lang="en-US" sz="3200" i="1" smtClean="0">
+                              <a:latin typeface="Cambria Math" panose="02040503050406030204" pitchFamily="18" charset="0"/>
+                            </a:rPr>
+                          </m:ctrlPr>
+                        </m:sSubPr>
+                        <m:e>
+                          <m:r>
+                            <a:rPr lang="en-US" sz="3200" b="0" i="1" smtClean="0">
+                              <a:latin typeface="Cambria Math"/>
+                            </a:rPr>
+                            <m:t>𝐽</m:t>
+                          </m:r>
+                        </m:e>
+                        <m:sub>
+                          <m:r>
+                            <a:rPr lang="en-US" sz="3200" b="0" i="1" smtClean="0">
+                              <a:latin typeface="Cambria Math"/>
+                            </a:rPr>
+                            <m:t>𝑧𝑧</m:t>
+                          </m:r>
+                        </m:sub>
+                      </m:sSub>
+                      <m:r>
+                        <a:rPr lang="en-US" sz="3200" i="0">
+                          <a:latin typeface="Cambria Math"/>
+                        </a:rPr>
+                        <m:t>=</m:t>
+                      </m:r>
+                      <m:nary>
+                        <m:naryPr>
+                          <m:ctrlPr>
+                            <a:rPr lang="en-US" sz="3200" i="1">
+                              <a:latin typeface="Cambria Math" panose="02040503050406030204" pitchFamily="18" charset="0"/>
+                            </a:rPr>
+                          </m:ctrlPr>
+                        </m:naryPr>
+                        <m:sub>
+                          <m:r>
+                            <m:rPr>
+                              <m:sty m:val="p"/>
+                            </m:rPr>
+                            <a:rPr lang="en-US" sz="3200" b="0" i="0" smtClean="0">
+                              <a:latin typeface="Cambria Math"/>
+                            </a:rPr>
+                            <m:t>r</m:t>
+                          </m:r>
+                          <m:r>
+                            <a:rPr lang="en-US" sz="3200">
+                              <a:latin typeface="Cambria Math"/>
+                            </a:rPr>
+                            <m:t> </m:t>
+                          </m:r>
+                          <m:r>
+                            <m:rPr>
+                              <m:sty m:val="p"/>
+                            </m:rPr>
+                            <a:rPr lang="en-US" sz="3200">
+                              <a:latin typeface="Cambria Math"/>
+                            </a:rPr>
+                            <m:t>min</m:t>
+                          </m:r>
+                        </m:sub>
+                        <m:sup>
+                          <m:r>
+                            <m:rPr>
+                              <m:sty m:val="p"/>
+                            </m:rPr>
+                            <a:rPr lang="en-US" sz="3200" b="0" i="0" smtClean="0">
+                              <a:latin typeface="Cambria Math"/>
+                            </a:rPr>
+                            <m:t>r</m:t>
+                          </m:r>
+                          <m:r>
+                            <a:rPr lang="en-US" sz="3200">
+                              <a:latin typeface="Cambria Math"/>
+                            </a:rPr>
+                            <m:t> </m:t>
+                          </m:r>
+                          <m:r>
+                            <m:rPr>
+                              <m:sty m:val="p"/>
+                            </m:rPr>
+                            <a:rPr lang="en-US" sz="3200">
+                              <a:latin typeface="Cambria Math"/>
+                            </a:rPr>
+                            <m:t>max</m:t>
+                          </m:r>
+                          <m:r>
+                            <a:rPr lang="en-US" sz="3200">
+                              <a:latin typeface="Cambria Math"/>
+                            </a:rPr>
+                            <m:t> </m:t>
+                          </m:r>
+                        </m:sup>
+                        <m:e>
+                          <m:r>
+                            <m:rPr>
+                              <m:sty m:val="p"/>
+                            </m:rPr>
+                            <a:rPr lang="en-US" sz="3200">
+                              <a:latin typeface="Cambria Math"/>
+                            </a:rPr>
+                            <m:t>dA</m:t>
+                          </m:r>
+                          <m:r>
+                            <a:rPr lang="en-US" sz="3200">
+                              <a:latin typeface="Cambria Math"/>
+                            </a:rPr>
+                            <m:t>∗</m:t>
+                          </m:r>
+                          <m:sSup>
+                            <m:sSupPr>
+                              <m:ctrlPr>
+                                <a:rPr lang="en-US" sz="3200" i="1" smtClean="0">
+                                  <a:latin typeface="Cambria Math" panose="02040503050406030204" pitchFamily="18" charset="0"/>
+                                </a:rPr>
+                              </m:ctrlPr>
+                            </m:sSupPr>
+                            <m:e>
+                              <m:r>
+                                <a:rPr lang="en-US" sz="3200" b="0" i="1" smtClean="0">
+                                  <a:latin typeface="Cambria Math"/>
+                                </a:rPr>
+                                <m:t>𝑟</m:t>
+                              </m:r>
+                            </m:e>
+                            <m:sup>
+                              <m:r>
+                                <a:rPr lang="en-US" sz="3200" b="0" i="1" smtClean="0">
+                                  <a:latin typeface="Cambria Math"/>
+                                </a:rPr>
+                                <m:t>2</m:t>
+                              </m:r>
+                            </m:sup>
+                          </m:sSup>
+                        </m:e>
+                      </m:nary>
+                    </m:oMath>
+                  </m:oMathPara>
+                </a14:m>
+                <a:endParaRPr lang="en-US" sz="3200" dirty="0"/>
+              </a:p>
+            </p:txBody>
+          </p:sp>
+        </mc:Choice>
+        <mc:Fallback>
+          <p:sp>
+            <p:nvSpPr>
+              <p:cNvPr id="12" name="Rectangle 11">
+                <a:extLst>
+                  <a:ext uri="{FF2B5EF4-FFF2-40B4-BE49-F238E27FC236}">
+                    <a16:creationId xmlns:a16="http://schemas.microsoft.com/office/drawing/2014/main" id="{93A7AABA-0A3F-49EF-B793-81D85ECFA4CB}"/>
+                  </a:ext>
+                </a:extLst>
+              </p:cNvPr>
+              <p:cNvSpPr>
+                <a:spLocks noRot="1" noChangeAspect="1" noMove="1" noResize="1" noEditPoints="1" noAdjustHandles="1" noChangeArrowheads="1" noChangeShapeType="1" noTextEdit="1"/>
+              </p:cNvSpPr>
+              <p:nvPr/>
+            </p:nvSpPr>
+            <p:spPr>
+              <a:xfrm>
+                <a:off x="4719673" y="3699348"/>
+                <a:ext cx="3766480" cy="1156535"/>
+              </a:xfrm>
+              <a:prstGeom prst="rect">
+                <a:avLst/>
+              </a:prstGeom>
+              <a:blipFill>
+                <a:blip r:embed="rId3"/>
+                <a:stretch>
+                  <a:fillRect/>
+                </a:stretch>
+              </a:blipFill>
+            </p:spPr>
+            <p:txBody>
+              <a:bodyPr/>
+              <a:lstStyle/>
+              <a:p>
+                <a:r>
+                  <a:rPr lang="en-US">
+                    <a:noFill/>
+                  </a:rPr>
+                  <a:t> </a:t>
+                </a:r>
+              </a:p>
+            </p:txBody>
+          </p:sp>
+        </mc:Fallback>
+      </mc:AlternateContent>
+      <p:cxnSp>
+        <p:nvCxnSpPr>
+          <p:cNvPr id="13" name="Straight Arrow Connector 12">
+            <a:extLst>
+              <a:ext uri="{FF2B5EF4-FFF2-40B4-BE49-F238E27FC236}">
+                <a16:creationId xmlns:a16="http://schemas.microsoft.com/office/drawing/2014/main" id="{9024E7EF-9066-4CD4-B74D-74CEB80EC330}"/>
+              </a:ext>
+            </a:extLst>
+          </p:cNvPr>
+          <p:cNvCxnSpPr>
+            <a:stCxn id="16" idx="0"/>
+          </p:cNvCxnSpPr>
+          <p:nvPr/>
+        </p:nvCxnSpPr>
+        <p:spPr>
+          <a:xfrm flipV="1">
+            <a:off x="4764864" y="4763417"/>
+            <a:ext cx="264336" cy="642126"/>
+          </a:xfrm>
+          <a:prstGeom prst="straightConnector1">
+            <a:avLst/>
+          </a:prstGeom>
+          <a:ln>
+            <a:tailEnd type="arrow"/>
+          </a:ln>
+        </p:spPr>
+        <p:style>
+          <a:lnRef idx="1">
+            <a:schemeClr val="dk1"/>
+          </a:lnRef>
+          <a:fillRef idx="0">
+            <a:schemeClr val="dk1"/>
+          </a:fillRef>
+          <a:effectRef idx="0">
+            <a:schemeClr val="dk1"/>
+          </a:effectRef>
+          <a:fontRef idx="minor">
+            <a:schemeClr val="tx1"/>
+          </a:fontRef>
+        </p:style>
+      </p:cxnSp>
+      <p:cxnSp>
+        <p:nvCxnSpPr>
+          <p:cNvPr id="14" name="Straight Arrow Connector 13">
+            <a:extLst>
+              <a:ext uri="{FF2B5EF4-FFF2-40B4-BE49-F238E27FC236}">
+                <a16:creationId xmlns:a16="http://schemas.microsoft.com/office/drawing/2014/main" id="{E9308DDA-9E3A-4BF2-81FB-0B1251150646}"/>
+              </a:ext>
+            </a:extLst>
+          </p:cNvPr>
+          <p:cNvCxnSpPr/>
+          <p:nvPr/>
+        </p:nvCxnSpPr>
+        <p:spPr>
+          <a:xfrm flipV="1">
+            <a:off x="6324600" y="5003887"/>
+            <a:ext cx="0" cy="567024"/>
+          </a:xfrm>
+          <a:prstGeom prst="straightConnector1">
+            <a:avLst/>
+          </a:prstGeom>
+          <a:ln>
+            <a:tailEnd type="arrow"/>
+          </a:ln>
+        </p:spPr>
+        <p:style>
+          <a:lnRef idx="1">
+            <a:schemeClr val="dk1"/>
+          </a:lnRef>
+          <a:fillRef idx="0">
+            <a:schemeClr val="dk1"/>
+          </a:fillRef>
+          <a:effectRef idx="0">
+            <a:schemeClr val="dk1"/>
+          </a:effectRef>
+          <a:fontRef idx="minor">
+            <a:schemeClr val="tx1"/>
+          </a:fontRef>
+        </p:style>
+      </p:cxnSp>
+      <p:cxnSp>
+        <p:nvCxnSpPr>
+          <p:cNvPr id="15" name="Straight Arrow Connector 14">
+            <a:extLst>
+              <a:ext uri="{FF2B5EF4-FFF2-40B4-BE49-F238E27FC236}">
+                <a16:creationId xmlns:a16="http://schemas.microsoft.com/office/drawing/2014/main" id="{D98401F4-F7B3-4A23-A640-EE219F7C9B8E}"/>
+              </a:ext>
+            </a:extLst>
+          </p:cNvPr>
+          <p:cNvCxnSpPr/>
+          <p:nvPr/>
+        </p:nvCxnSpPr>
+        <p:spPr>
+          <a:xfrm>
+            <a:off x="6040033" y="3220768"/>
+            <a:ext cx="436967" cy="435820"/>
+          </a:xfrm>
+          <a:prstGeom prst="straightConnector1">
+            <a:avLst/>
+          </a:prstGeom>
+          <a:ln>
+            <a:tailEnd type="arrow"/>
+          </a:ln>
+        </p:spPr>
+        <p:style>
+          <a:lnRef idx="1">
+            <a:schemeClr val="dk1"/>
+          </a:lnRef>
+          <a:fillRef idx="0">
+            <a:schemeClr val="dk1"/>
+          </a:fillRef>
+          <a:effectRef idx="0">
+            <a:schemeClr val="dk1"/>
+          </a:effectRef>
+          <a:fontRef idx="minor">
+            <a:schemeClr val="tx1"/>
+          </a:fontRef>
+        </p:style>
+      </p:cxnSp>
+      <p:sp>
+        <p:nvSpPr>
+          <p:cNvPr id="16" name="TextBox 15">
+            <a:extLst>
+              <a:ext uri="{FF2B5EF4-FFF2-40B4-BE49-F238E27FC236}">
+                <a16:creationId xmlns:a16="http://schemas.microsoft.com/office/drawing/2014/main" id="{5907B007-659F-4E92-A3EA-0C5B1D46D045}"/>
+              </a:ext>
+            </a:extLst>
+          </p:cNvPr>
+          <p:cNvSpPr txBox="1"/>
+          <p:nvPr/>
+        </p:nvSpPr>
+        <p:spPr>
+          <a:xfrm>
+            <a:off x="3962400" y="5405543"/>
+            <a:ext cx="1604927" cy="923330"/>
+          </a:xfrm>
+          <a:prstGeom prst="rect">
+            <a:avLst/>
+          </a:prstGeom>
+          <a:noFill/>
+        </p:spPr>
+        <p:txBody>
+          <a:bodyPr wrap="square" rtlCol="0">
+            <a:spAutoFit/>
+          </a:bodyPr>
+          <a:lstStyle/>
+          <a:p>
+            <a:pPr algn="ctr"/>
+            <a:r>
+              <a:rPr lang="en-US" dirty="0"/>
+              <a:t>Moment of Inertia about neutral axis</a:t>
+            </a:r>
+          </a:p>
+        </p:txBody>
+      </p:sp>
+      <p:sp>
+        <p:nvSpPr>
+          <p:cNvPr id="17" name="TextBox 16">
+            <a:extLst>
+              <a:ext uri="{FF2B5EF4-FFF2-40B4-BE49-F238E27FC236}">
+                <a16:creationId xmlns:a16="http://schemas.microsoft.com/office/drawing/2014/main" id="{29B9120A-930A-4273-B239-434C86FB76D6}"/>
+              </a:ext>
+            </a:extLst>
+          </p:cNvPr>
+          <p:cNvSpPr txBox="1"/>
+          <p:nvPr/>
+        </p:nvSpPr>
+        <p:spPr>
+          <a:xfrm>
+            <a:off x="5522136" y="5645601"/>
+            <a:ext cx="1604927" cy="1200329"/>
+          </a:xfrm>
+          <a:prstGeom prst="rect">
+            <a:avLst/>
+          </a:prstGeom>
+          <a:noFill/>
+        </p:spPr>
+        <p:txBody>
+          <a:bodyPr wrap="square" rtlCol="0">
+            <a:spAutoFit/>
+          </a:bodyPr>
+          <a:lstStyle/>
+          <a:p>
+            <a:pPr algn="ctr"/>
+            <a:r>
+              <a:rPr lang="en-US" dirty="0"/>
+              <a:t>The r position of the point closest to the neutral axis</a:t>
+            </a:r>
+          </a:p>
+        </p:txBody>
+      </p:sp>
+      <p:sp>
+        <p:nvSpPr>
+          <p:cNvPr id="18" name="TextBox 17">
+            <a:extLst>
+              <a:ext uri="{FF2B5EF4-FFF2-40B4-BE49-F238E27FC236}">
+                <a16:creationId xmlns:a16="http://schemas.microsoft.com/office/drawing/2014/main" id="{3034C075-BB30-4309-A480-ACD03147D4E5}"/>
+              </a:ext>
+            </a:extLst>
+          </p:cNvPr>
+          <p:cNvSpPr txBox="1"/>
+          <p:nvPr/>
+        </p:nvSpPr>
+        <p:spPr>
+          <a:xfrm>
+            <a:off x="4648200" y="2319992"/>
+            <a:ext cx="2097865" cy="923330"/>
+          </a:xfrm>
+          <a:prstGeom prst="rect">
+            <a:avLst/>
+          </a:prstGeom>
+          <a:noFill/>
+        </p:spPr>
+        <p:txBody>
+          <a:bodyPr wrap="square" rtlCol="0">
+            <a:spAutoFit/>
+          </a:bodyPr>
+          <a:lstStyle/>
+          <a:p>
+            <a:pPr algn="ctr"/>
+            <a:r>
+              <a:rPr lang="en-US" dirty="0"/>
+              <a:t>The r position of the furthest point from the neutral axis</a:t>
+            </a:r>
+          </a:p>
+        </p:txBody>
+      </p:sp>
+      <p:sp>
+        <p:nvSpPr>
+          <p:cNvPr id="19" name="TextBox 18">
+            <a:extLst>
+              <a:ext uri="{FF2B5EF4-FFF2-40B4-BE49-F238E27FC236}">
+                <a16:creationId xmlns:a16="http://schemas.microsoft.com/office/drawing/2014/main" id="{E4394503-96B8-49B7-AADA-608114A0DEAC}"/>
+              </a:ext>
+            </a:extLst>
+          </p:cNvPr>
+          <p:cNvSpPr txBox="1"/>
+          <p:nvPr/>
+        </p:nvSpPr>
+        <p:spPr>
+          <a:xfrm>
+            <a:off x="6886146" y="1238102"/>
+            <a:ext cx="2097865" cy="2031325"/>
+          </a:xfrm>
+          <a:prstGeom prst="rect">
+            <a:avLst/>
+          </a:prstGeom>
+          <a:noFill/>
+        </p:spPr>
+        <p:txBody>
+          <a:bodyPr wrap="square" rtlCol="0">
+            <a:spAutoFit/>
+          </a:bodyPr>
+          <a:lstStyle/>
+          <a:p>
+            <a:pPr algn="ctr"/>
+            <a:r>
+              <a:rPr lang="en-US" dirty="0"/>
+              <a:t>The equation describing the circumference within the shape at radius r times the rate at which the radius is changing</a:t>
+            </a:r>
+          </a:p>
+        </p:txBody>
+      </p:sp>
+      <p:sp>
+        <p:nvSpPr>
+          <p:cNvPr id="20" name="TextBox 19">
+            <a:extLst>
+              <a:ext uri="{FF2B5EF4-FFF2-40B4-BE49-F238E27FC236}">
+                <a16:creationId xmlns:a16="http://schemas.microsoft.com/office/drawing/2014/main" id="{DF1E49A1-1AD7-486C-BB98-1228B172913C}"/>
+              </a:ext>
+            </a:extLst>
+          </p:cNvPr>
+          <p:cNvSpPr txBox="1"/>
+          <p:nvPr/>
+        </p:nvSpPr>
+        <p:spPr>
+          <a:xfrm>
+            <a:off x="2719024" y="2841540"/>
+            <a:ext cx="893549" cy="369332"/>
+          </a:xfrm>
+          <a:prstGeom prst="rect">
+            <a:avLst/>
+          </a:prstGeom>
+          <a:noFill/>
+        </p:spPr>
+        <p:txBody>
+          <a:bodyPr wrap="square" rtlCol="0">
+            <a:spAutoFit/>
+          </a:bodyPr>
+          <a:lstStyle/>
+          <a:p>
+            <a:pPr algn="ctr"/>
+            <a:r>
+              <a:rPr lang="en-US" dirty="0"/>
+              <a:t>r max</a:t>
+            </a:r>
+          </a:p>
+        </p:txBody>
+      </p:sp>
+      <p:cxnSp>
+        <p:nvCxnSpPr>
+          <p:cNvPr id="21" name="Straight Arrow Connector 20">
+            <a:extLst>
+              <a:ext uri="{FF2B5EF4-FFF2-40B4-BE49-F238E27FC236}">
+                <a16:creationId xmlns:a16="http://schemas.microsoft.com/office/drawing/2014/main" id="{B2B3A472-73EC-4D31-9E36-ED224BDD261F}"/>
+              </a:ext>
+            </a:extLst>
+          </p:cNvPr>
+          <p:cNvCxnSpPr>
+            <a:stCxn id="22" idx="0"/>
+          </p:cNvCxnSpPr>
+          <p:nvPr/>
+        </p:nvCxnSpPr>
+        <p:spPr>
+          <a:xfrm flipV="1">
+            <a:off x="8077200" y="4526864"/>
+            <a:ext cx="0" cy="798086"/>
+          </a:xfrm>
+          <a:prstGeom prst="straightConnector1">
+            <a:avLst/>
+          </a:prstGeom>
+          <a:ln>
+            <a:tailEnd type="arrow"/>
+          </a:ln>
+        </p:spPr>
+        <p:style>
+          <a:lnRef idx="1">
+            <a:schemeClr val="dk1"/>
+          </a:lnRef>
+          <a:fillRef idx="0">
+            <a:schemeClr val="dk1"/>
+          </a:fillRef>
+          <a:effectRef idx="0">
+            <a:schemeClr val="dk1"/>
+          </a:effectRef>
+          <a:fontRef idx="minor">
+            <a:schemeClr val="tx1"/>
+          </a:fontRef>
+        </p:style>
+      </p:cxnSp>
+      <p:sp>
+        <p:nvSpPr>
+          <p:cNvPr id="22" name="TextBox 21">
+            <a:extLst>
+              <a:ext uri="{FF2B5EF4-FFF2-40B4-BE49-F238E27FC236}">
+                <a16:creationId xmlns:a16="http://schemas.microsoft.com/office/drawing/2014/main" id="{F7E7F6F1-DCB9-4FD0-B643-E31E693C89E5}"/>
+              </a:ext>
+            </a:extLst>
+          </p:cNvPr>
+          <p:cNvSpPr txBox="1"/>
+          <p:nvPr/>
+        </p:nvSpPr>
+        <p:spPr>
+          <a:xfrm>
+            <a:off x="7274736" y="5324950"/>
+            <a:ext cx="1604927" cy="1200329"/>
+          </a:xfrm>
+          <a:prstGeom prst="rect">
+            <a:avLst/>
+          </a:prstGeom>
+          <a:noFill/>
+        </p:spPr>
+        <p:txBody>
+          <a:bodyPr wrap="square" rtlCol="0">
+            <a:spAutoFit/>
+          </a:bodyPr>
+          <a:lstStyle/>
+          <a:p>
+            <a:pPr algn="ctr"/>
+            <a:r>
+              <a:rPr lang="en-US" dirty="0"/>
+              <a:t>distance from neutral axis at any one point (r)</a:t>
+            </a:r>
+          </a:p>
+        </p:txBody>
+      </p:sp>
+      <p:sp>
+        <p:nvSpPr>
+          <p:cNvPr id="23" name="TextBox 22">
+            <a:extLst>
+              <a:ext uri="{FF2B5EF4-FFF2-40B4-BE49-F238E27FC236}">
+                <a16:creationId xmlns:a16="http://schemas.microsoft.com/office/drawing/2014/main" id="{9AF60387-F8C3-4814-9C2F-937D6EA0B0AF}"/>
+              </a:ext>
+            </a:extLst>
+          </p:cNvPr>
+          <p:cNvSpPr txBox="1"/>
+          <p:nvPr/>
+        </p:nvSpPr>
+        <p:spPr>
+          <a:xfrm>
+            <a:off x="1447800" y="4559315"/>
+            <a:ext cx="893549" cy="369332"/>
+          </a:xfrm>
+          <a:prstGeom prst="rect">
+            <a:avLst/>
+          </a:prstGeom>
+          <a:noFill/>
+        </p:spPr>
+        <p:txBody>
+          <a:bodyPr wrap="square" rtlCol="0">
+            <a:spAutoFit/>
+          </a:bodyPr>
+          <a:lstStyle/>
+          <a:p>
+            <a:pPr algn="ctr"/>
+            <a:r>
+              <a:rPr lang="en-US" dirty="0"/>
+              <a:t>r min</a:t>
+            </a:r>
+          </a:p>
+        </p:txBody>
+      </p:sp>
+      <p:sp>
+        <p:nvSpPr>
+          <p:cNvPr id="24" name="Donut 29">
+            <a:extLst>
+              <a:ext uri="{FF2B5EF4-FFF2-40B4-BE49-F238E27FC236}">
+                <a16:creationId xmlns:a16="http://schemas.microsoft.com/office/drawing/2014/main" id="{9733549A-7349-490A-8181-37340F154E5A}"/>
+              </a:ext>
+            </a:extLst>
+          </p:cNvPr>
+          <p:cNvSpPr/>
+          <p:nvPr/>
+        </p:nvSpPr>
+        <p:spPr>
+          <a:xfrm>
+            <a:off x="945573" y="3690131"/>
+            <a:ext cx="1828800" cy="1828800"/>
+          </a:xfrm>
+          <a:prstGeom prst="donut">
+            <a:avLst>
+              <a:gd name="adj" fmla="val 2273"/>
+            </a:avLst>
+          </a:prstGeom>
+        </p:spPr>
+        <p:style>
+          <a:lnRef idx="2">
+            <a:schemeClr val="accent1">
+              <a:shade val="50000"/>
+            </a:schemeClr>
+          </a:lnRef>
+          <a:fillRef idx="1">
+            <a:schemeClr val="accent1"/>
+          </a:fillRef>
+          <a:effectRef idx="0">
+            <a:schemeClr val="accent1"/>
+          </a:effectRef>
+          <a:fontRef idx="minor">
+            <a:schemeClr val="lt1"/>
+          </a:fontRef>
+        </p:style>
+        <p:txBody>
+          <a:bodyPr rtlCol="0" anchor="ctr"/>
+          <a:lstStyle/>
+          <a:p>
+            <a:pPr algn="ctr"/>
+            <a:endParaRPr lang="en-US">
+              <a:solidFill>
+                <a:schemeClr val="tx1"/>
+              </a:solidFill>
+            </a:endParaRPr>
+          </a:p>
+        </p:txBody>
+      </p:sp>
+      <p:cxnSp>
+        <p:nvCxnSpPr>
+          <p:cNvPr id="25" name="Straight Connector 24">
+            <a:extLst>
+              <a:ext uri="{FF2B5EF4-FFF2-40B4-BE49-F238E27FC236}">
+                <a16:creationId xmlns:a16="http://schemas.microsoft.com/office/drawing/2014/main" id="{34151AE8-E8CB-47AA-AECC-3825DD2373CF}"/>
+              </a:ext>
+            </a:extLst>
+          </p:cNvPr>
+          <p:cNvCxnSpPr>
+            <a:endCxn id="5" idx="7"/>
+          </p:cNvCxnSpPr>
+          <p:nvPr/>
+        </p:nvCxnSpPr>
+        <p:spPr>
+          <a:xfrm flipV="1">
+            <a:off x="1859973" y="3482378"/>
+            <a:ext cx="1131512" cy="1120053"/>
+          </a:xfrm>
+          <a:prstGeom prst="line">
+            <a:avLst/>
+          </a:prstGeom>
+        </p:spPr>
+        <p:style>
+          <a:lnRef idx="1">
+            <a:schemeClr val="accent1"/>
+          </a:lnRef>
+          <a:fillRef idx="0">
+            <a:schemeClr val="accent1"/>
+          </a:fillRef>
+          <a:effectRef idx="0">
+            <a:schemeClr val="accent1"/>
+          </a:effectRef>
+          <a:fontRef idx="minor">
+            <a:schemeClr val="tx1"/>
+          </a:fontRef>
+        </p:style>
+      </p:cxnSp>
+      <p:cxnSp>
+        <p:nvCxnSpPr>
+          <p:cNvPr id="26" name="Straight Arrow Connector 25">
+            <a:extLst>
+              <a:ext uri="{FF2B5EF4-FFF2-40B4-BE49-F238E27FC236}">
+                <a16:creationId xmlns:a16="http://schemas.microsoft.com/office/drawing/2014/main" id="{4CD9B7F2-AAF2-45C3-8363-65F94B891F54}"/>
+              </a:ext>
+            </a:extLst>
+          </p:cNvPr>
+          <p:cNvCxnSpPr>
+            <a:stCxn id="23" idx="0"/>
+            <a:endCxn id="24" idx="7"/>
+          </p:cNvCxnSpPr>
+          <p:nvPr/>
+        </p:nvCxnSpPr>
+        <p:spPr>
+          <a:xfrm flipV="1">
+            <a:off x="1894575" y="3957953"/>
+            <a:ext cx="611976" cy="601362"/>
+          </a:xfrm>
+          <a:prstGeom prst="straightConnector1">
+            <a:avLst/>
+          </a:prstGeom>
+          <a:ln>
+            <a:tailEnd type="arrow"/>
+          </a:ln>
+        </p:spPr>
+        <p:style>
+          <a:lnRef idx="2">
+            <a:schemeClr val="accent1"/>
+          </a:lnRef>
+          <a:fillRef idx="0">
+            <a:schemeClr val="accent1"/>
+          </a:fillRef>
+          <a:effectRef idx="1">
+            <a:schemeClr val="accent1"/>
+          </a:effectRef>
+          <a:fontRef idx="minor">
+            <a:schemeClr val="tx1"/>
+          </a:fontRef>
+        </p:style>
+      </p:cxnSp>
+      <p:sp>
+        <p:nvSpPr>
+          <p:cNvPr id="27" name="TextBox 26">
+            <a:extLst>
+              <a:ext uri="{FF2B5EF4-FFF2-40B4-BE49-F238E27FC236}">
+                <a16:creationId xmlns:a16="http://schemas.microsoft.com/office/drawing/2014/main" id="{19D59542-56A6-44A1-8D3D-AAD32E1B3F39}"/>
+              </a:ext>
+            </a:extLst>
+          </p:cNvPr>
+          <p:cNvSpPr txBox="1"/>
+          <p:nvPr/>
+        </p:nvSpPr>
+        <p:spPr>
+          <a:xfrm>
+            <a:off x="1697251" y="3929122"/>
+            <a:ext cx="893549" cy="369332"/>
+          </a:xfrm>
+          <a:prstGeom prst="rect">
+            <a:avLst/>
+          </a:prstGeom>
+          <a:noFill/>
+        </p:spPr>
+        <p:txBody>
+          <a:bodyPr wrap="square" rtlCol="0">
+            <a:spAutoFit/>
+          </a:bodyPr>
+          <a:lstStyle/>
+          <a:p>
+            <a:pPr algn="ctr"/>
+            <a:r>
+              <a:rPr lang="en-US" dirty="0"/>
+              <a:t>r</a:t>
+            </a:r>
           </a:p>
         </p:txBody>
       </p:sp>
@@ -5998,7 +7827,7 @@
         <p:spPr>
           <a:xfrm>
             <a:off x="457200" y="1600200"/>
-            <a:ext cx="5410200" cy="4525963"/>
+            <a:ext cx="4038599" cy="4724397"/>
           </a:xfrm>
         </p:spPr>
         <p:txBody>
@@ -6017,53 +7846,498 @@
           </a:p>
         </p:txBody>
       </p:sp>
-      <p:pic>
-        <p:nvPicPr>
-          <p:cNvPr id="1026" name="Picture 2" descr="Problem 1 Diagram">
+      <p:sp>
+        <p:nvSpPr>
+          <p:cNvPr id="5" name="Rectangle 4">
             <a:extLst>
               <a:ext uri="{FF2B5EF4-FFF2-40B4-BE49-F238E27FC236}">
-                <a16:creationId xmlns:a16="http://schemas.microsoft.com/office/drawing/2014/main" id="{F20133BE-B2AA-4E57-B8E7-7247A229A309}"/>
+                <a16:creationId xmlns:a16="http://schemas.microsoft.com/office/drawing/2014/main" id="{92B9EF64-D763-48B8-869A-9AFF95867D0A}"/>
               </a:ext>
             </a:extLst>
           </p:cNvPr>
-          <p:cNvPicPr>
-            <a:picLocks noChangeAspect="1" noChangeArrowheads="1"/>
-          </p:cNvPicPr>
+          <p:cNvSpPr/>
           <p:nvPr/>
-        </p:nvPicPr>
-        <p:blipFill>
-          <a:blip r:embed="rId2">
+        </p:nvSpPr>
+        <p:spPr>
+          <a:xfrm>
+            <a:off x="5867400" y="2653068"/>
+            <a:ext cx="2133600" cy="3048000"/>
+          </a:xfrm>
+          <a:prstGeom prst="rect">
+            <a:avLst/>
+          </a:prstGeom>
+        </p:spPr>
+        <p:style>
+          <a:lnRef idx="2">
+            <a:schemeClr val="accent1">
+              <a:shade val="50000"/>
+            </a:schemeClr>
+          </a:lnRef>
+          <a:fillRef idx="1">
+            <a:schemeClr val="accent1"/>
+          </a:fillRef>
+          <a:effectRef idx="0">
+            <a:schemeClr val="accent1"/>
+          </a:effectRef>
+          <a:fontRef idx="minor">
+            <a:schemeClr val="lt1"/>
+          </a:fontRef>
+        </p:style>
+        <p:txBody>
+          <a:bodyPr rtlCol="0" anchor="ctr"/>
+          <a:lstStyle/>
+          <a:p>
+            <a:pPr algn="ctr"/>
+            <a:endParaRPr lang="en-US"/>
+          </a:p>
+        </p:txBody>
+      </p:sp>
+      <p:sp>
+        <p:nvSpPr>
+          <p:cNvPr id="6" name="TextBox 5">
             <a:extLst>
-              <a:ext uri="{28A0092B-C50C-407E-A947-70E740481C1C}">
-                <a14:useLocalDpi xmlns:a14="http://schemas.microsoft.com/office/drawing/2010/main" val="0"/>
+              <a:ext uri="{FF2B5EF4-FFF2-40B4-BE49-F238E27FC236}">
+                <a16:creationId xmlns:a16="http://schemas.microsoft.com/office/drawing/2014/main" id="{DC51834A-113B-458C-86B5-5A2C17AD732B}"/>
               </a:ext>
             </a:extLst>
-          </a:blip>
-          <a:srcRect/>
-          <a:stretch>
-            <a:fillRect/>
-          </a:stretch>
-        </p:blipFill>
-        <p:spPr bwMode="auto">
+          </p:cNvPr>
+          <p:cNvSpPr txBox="1"/>
+          <p:nvPr/>
+        </p:nvSpPr>
+        <p:spPr>
           <a:xfrm>
-            <a:off x="5829300" y="2057400"/>
-            <a:ext cx="3226340" cy="3790950"/>
+            <a:off x="8666018" y="3989290"/>
+            <a:ext cx="284052" cy="369332"/>
           </a:xfrm>
           <a:prstGeom prst="rect">
             <a:avLst/>
           </a:prstGeom>
           <a:noFill/>
-          <a:extLst>
-            <a:ext uri="{909E8E84-426E-40DD-AFC4-6F175D3DCCD1}">
-              <a14:hiddenFill xmlns:a14="http://schemas.microsoft.com/office/drawing/2010/main">
+        </p:spPr>
+        <p:txBody>
+          <a:bodyPr wrap="none" rtlCol="0">
+            <a:spAutoFit/>
+          </a:bodyPr>
+          <a:lstStyle/>
+          <a:p>
+            <a:r>
+              <a:rPr lang="en-US" dirty="0"/>
+              <a:t>x</a:t>
+            </a:r>
+          </a:p>
+        </p:txBody>
+      </p:sp>
+      <p:sp>
+        <p:nvSpPr>
+          <p:cNvPr id="7" name="TextBox 6">
+            <a:extLst>
+              <a:ext uri="{FF2B5EF4-FFF2-40B4-BE49-F238E27FC236}">
+                <a16:creationId xmlns:a16="http://schemas.microsoft.com/office/drawing/2014/main" id="{38C367E6-2E69-487E-881C-5753B39ADD20}"/>
+              </a:ext>
+            </a:extLst>
+          </p:cNvPr>
+          <p:cNvSpPr txBox="1"/>
+          <p:nvPr/>
+        </p:nvSpPr>
+        <p:spPr>
+          <a:xfrm>
+            <a:off x="6789769" y="1427163"/>
+            <a:ext cx="288862" cy="369332"/>
+          </a:xfrm>
+          <a:prstGeom prst="rect">
+            <a:avLst/>
+          </a:prstGeom>
+          <a:noFill/>
+        </p:spPr>
+        <p:txBody>
+          <a:bodyPr wrap="none" rtlCol="0">
+            <a:spAutoFit/>
+          </a:bodyPr>
+          <a:lstStyle/>
+          <a:p>
+            <a:r>
+              <a:rPr lang="en-US" dirty="0"/>
+              <a:t>y</a:t>
+            </a:r>
+          </a:p>
+        </p:txBody>
+      </p:sp>
+      <p:cxnSp>
+        <p:nvCxnSpPr>
+          <p:cNvPr id="8" name="Straight Arrow Connector 7">
+            <a:extLst>
+              <a:ext uri="{FF2B5EF4-FFF2-40B4-BE49-F238E27FC236}">
+                <a16:creationId xmlns:a16="http://schemas.microsoft.com/office/drawing/2014/main" id="{01B07F28-7917-43F0-AE46-6BBC57DC5885}"/>
+              </a:ext>
+            </a:extLst>
+          </p:cNvPr>
+          <p:cNvCxnSpPr/>
+          <p:nvPr/>
+        </p:nvCxnSpPr>
+        <p:spPr>
+          <a:xfrm flipV="1">
+            <a:off x="6934200" y="4173956"/>
+            <a:ext cx="1713973" cy="0"/>
+          </a:xfrm>
+          <a:prstGeom prst="straightConnector1">
+            <a:avLst/>
+          </a:prstGeom>
+          <a:ln>
+            <a:tailEnd type="arrow"/>
+          </a:ln>
+        </p:spPr>
+        <p:style>
+          <a:lnRef idx="2">
+            <a:schemeClr val="dk1"/>
+          </a:lnRef>
+          <a:fillRef idx="0">
+            <a:schemeClr val="dk1"/>
+          </a:fillRef>
+          <a:effectRef idx="1">
+            <a:schemeClr val="dk1"/>
+          </a:effectRef>
+          <a:fontRef idx="minor">
+            <a:schemeClr val="tx1"/>
+          </a:fontRef>
+        </p:style>
+      </p:cxnSp>
+      <p:cxnSp>
+        <p:nvCxnSpPr>
+          <p:cNvPr id="9" name="Straight Arrow Connector 8">
+            <a:extLst>
+              <a:ext uri="{FF2B5EF4-FFF2-40B4-BE49-F238E27FC236}">
+                <a16:creationId xmlns:a16="http://schemas.microsoft.com/office/drawing/2014/main" id="{F8B7B7C0-E7FD-411E-B6EB-25730CC7DDBC}"/>
+              </a:ext>
+            </a:extLst>
+          </p:cNvPr>
+          <p:cNvCxnSpPr/>
+          <p:nvPr/>
+        </p:nvCxnSpPr>
+        <p:spPr>
+          <a:xfrm flipV="1">
+            <a:off x="6944591" y="1823813"/>
+            <a:ext cx="0" cy="2361811"/>
+          </a:xfrm>
+          <a:prstGeom prst="straightConnector1">
+            <a:avLst/>
+          </a:prstGeom>
+          <a:ln>
+            <a:tailEnd type="arrow"/>
+          </a:ln>
+        </p:spPr>
+        <p:style>
+          <a:lnRef idx="2">
+            <a:schemeClr val="dk1"/>
+          </a:lnRef>
+          <a:fillRef idx="0">
+            <a:schemeClr val="dk1"/>
+          </a:fillRef>
+          <a:effectRef idx="1">
+            <a:schemeClr val="dk1"/>
+          </a:effectRef>
+          <a:fontRef idx="minor">
+            <a:schemeClr val="tx1"/>
+          </a:fontRef>
+        </p:style>
+      </p:cxnSp>
+      <p:cxnSp>
+        <p:nvCxnSpPr>
+          <p:cNvPr id="10" name="Straight Connector 9">
+            <a:extLst>
+              <a:ext uri="{FF2B5EF4-FFF2-40B4-BE49-F238E27FC236}">
+                <a16:creationId xmlns:a16="http://schemas.microsoft.com/office/drawing/2014/main" id="{A8EA48AA-65A0-4114-93CA-8581D35D37A3}"/>
+              </a:ext>
+            </a:extLst>
+          </p:cNvPr>
+          <p:cNvCxnSpPr/>
+          <p:nvPr/>
+        </p:nvCxnSpPr>
+        <p:spPr>
+          <a:xfrm flipH="1">
+            <a:off x="5864451" y="6218595"/>
+            <a:ext cx="2144518" cy="0"/>
+          </a:xfrm>
+          <a:prstGeom prst="line">
+            <a:avLst/>
+          </a:prstGeom>
+        </p:spPr>
+        <p:style>
+          <a:lnRef idx="1">
+            <a:schemeClr val="accent1"/>
+          </a:lnRef>
+          <a:fillRef idx="0">
+            <a:schemeClr val="accent1"/>
+          </a:fillRef>
+          <a:effectRef idx="0">
+            <a:schemeClr val="accent1"/>
+          </a:effectRef>
+          <a:fontRef idx="minor">
+            <a:schemeClr val="tx1"/>
+          </a:fontRef>
+        </p:style>
+      </p:cxnSp>
+      <p:sp>
+        <p:nvSpPr>
+          <p:cNvPr id="11" name="TextBox 10">
+            <a:extLst>
+              <a:ext uri="{FF2B5EF4-FFF2-40B4-BE49-F238E27FC236}">
+                <a16:creationId xmlns:a16="http://schemas.microsoft.com/office/drawing/2014/main" id="{184688E8-6D30-4570-A42A-D2B86EE4C56B}"/>
+              </a:ext>
+            </a:extLst>
+          </p:cNvPr>
+          <p:cNvSpPr txBox="1"/>
+          <p:nvPr/>
+        </p:nvSpPr>
+        <p:spPr>
+          <a:xfrm>
+            <a:off x="6789769" y="6033929"/>
+            <a:ext cx="306494" cy="369332"/>
+          </a:xfrm>
+          <a:prstGeom prst="rect">
+            <a:avLst/>
+          </a:prstGeom>
+          <a:solidFill>
+            <a:schemeClr val="bg1"/>
+          </a:solidFill>
+        </p:spPr>
+        <p:txBody>
+          <a:bodyPr wrap="none" rtlCol="0">
+            <a:spAutoFit/>
+          </a:bodyPr>
+          <a:lstStyle/>
+          <a:p>
+            <a:r>
+              <a:rPr lang="en-US" dirty="0">
                 <a:solidFill>
-                  <a:srgbClr val="FFFFFF"/>
+                  <a:schemeClr val="accent1"/>
                 </a:solidFill>
-              </a14:hiddenFill>
-            </a:ext>
-          </a:extLst>
-        </p:spPr>
-      </p:pic>
+              </a:rPr>
+              <a:t>b</a:t>
+            </a:r>
+          </a:p>
+        </p:txBody>
+      </p:sp>
+      <p:cxnSp>
+        <p:nvCxnSpPr>
+          <p:cNvPr id="12" name="Straight Connector 11">
+            <a:extLst>
+              <a:ext uri="{FF2B5EF4-FFF2-40B4-BE49-F238E27FC236}">
+                <a16:creationId xmlns:a16="http://schemas.microsoft.com/office/drawing/2014/main" id="{C1CD48C4-9776-49A8-8DE0-C672CEBAF771}"/>
+              </a:ext>
+            </a:extLst>
+          </p:cNvPr>
+          <p:cNvCxnSpPr/>
+          <p:nvPr/>
+        </p:nvCxnSpPr>
+        <p:spPr>
+          <a:xfrm>
+            <a:off x="5854587" y="5837595"/>
+            <a:ext cx="0" cy="762000"/>
+          </a:xfrm>
+          <a:prstGeom prst="line">
+            <a:avLst/>
+          </a:prstGeom>
+        </p:spPr>
+        <p:style>
+          <a:lnRef idx="1">
+            <a:schemeClr val="accent1"/>
+          </a:lnRef>
+          <a:fillRef idx="0">
+            <a:schemeClr val="accent1"/>
+          </a:fillRef>
+          <a:effectRef idx="0">
+            <a:schemeClr val="accent1"/>
+          </a:effectRef>
+          <a:fontRef idx="minor">
+            <a:schemeClr val="tx1"/>
+          </a:fontRef>
+        </p:style>
+      </p:cxnSp>
+      <p:cxnSp>
+        <p:nvCxnSpPr>
+          <p:cNvPr id="13" name="Straight Connector 12">
+            <a:extLst>
+              <a:ext uri="{FF2B5EF4-FFF2-40B4-BE49-F238E27FC236}">
+                <a16:creationId xmlns:a16="http://schemas.microsoft.com/office/drawing/2014/main" id="{64BF7691-59D1-4AE0-93C7-7DFB7EDEE752}"/>
+              </a:ext>
+            </a:extLst>
+          </p:cNvPr>
+          <p:cNvCxnSpPr/>
+          <p:nvPr/>
+        </p:nvCxnSpPr>
+        <p:spPr>
+          <a:xfrm>
+            <a:off x="8008969" y="5837595"/>
+            <a:ext cx="0" cy="762000"/>
+          </a:xfrm>
+          <a:prstGeom prst="line">
+            <a:avLst/>
+          </a:prstGeom>
+        </p:spPr>
+        <p:style>
+          <a:lnRef idx="1">
+            <a:schemeClr val="accent1"/>
+          </a:lnRef>
+          <a:fillRef idx="0">
+            <a:schemeClr val="accent1"/>
+          </a:fillRef>
+          <a:effectRef idx="0">
+            <a:schemeClr val="accent1"/>
+          </a:effectRef>
+          <a:fontRef idx="minor">
+            <a:schemeClr val="tx1"/>
+          </a:fontRef>
+        </p:style>
+      </p:cxnSp>
+      <p:cxnSp>
+        <p:nvCxnSpPr>
+          <p:cNvPr id="14" name="Straight Connector 13">
+            <a:extLst>
+              <a:ext uri="{FF2B5EF4-FFF2-40B4-BE49-F238E27FC236}">
+                <a16:creationId xmlns:a16="http://schemas.microsoft.com/office/drawing/2014/main" id="{E30F5ED2-03DD-4C6C-9F6A-4EB53421ECA5}"/>
+              </a:ext>
+            </a:extLst>
+          </p:cNvPr>
+          <p:cNvCxnSpPr/>
+          <p:nvPr/>
+        </p:nvCxnSpPr>
+        <p:spPr>
+          <a:xfrm flipH="1">
+            <a:off x="4732369" y="5692123"/>
+            <a:ext cx="990600" cy="0"/>
+          </a:xfrm>
+          <a:prstGeom prst="line">
+            <a:avLst/>
+          </a:prstGeom>
+        </p:spPr>
+        <p:style>
+          <a:lnRef idx="1">
+            <a:schemeClr val="accent1"/>
+          </a:lnRef>
+          <a:fillRef idx="0">
+            <a:schemeClr val="accent1"/>
+          </a:fillRef>
+          <a:effectRef idx="0">
+            <a:schemeClr val="accent1"/>
+          </a:effectRef>
+          <a:fontRef idx="minor">
+            <a:schemeClr val="tx1"/>
+          </a:fontRef>
+        </p:style>
+      </p:cxnSp>
+      <p:cxnSp>
+        <p:nvCxnSpPr>
+          <p:cNvPr id="15" name="Straight Connector 14">
+            <a:extLst>
+              <a:ext uri="{FF2B5EF4-FFF2-40B4-BE49-F238E27FC236}">
+                <a16:creationId xmlns:a16="http://schemas.microsoft.com/office/drawing/2014/main" id="{7F097EFD-CA69-46C2-ACC7-FE716F073118}"/>
+              </a:ext>
+            </a:extLst>
+          </p:cNvPr>
+          <p:cNvCxnSpPr/>
+          <p:nvPr/>
+        </p:nvCxnSpPr>
+        <p:spPr>
+          <a:xfrm flipH="1">
+            <a:off x="4732369" y="2647586"/>
+            <a:ext cx="990600" cy="0"/>
+          </a:xfrm>
+          <a:prstGeom prst="line">
+            <a:avLst/>
+          </a:prstGeom>
+        </p:spPr>
+        <p:style>
+          <a:lnRef idx="1">
+            <a:schemeClr val="accent1"/>
+          </a:lnRef>
+          <a:fillRef idx="0">
+            <a:schemeClr val="accent1"/>
+          </a:fillRef>
+          <a:effectRef idx="0">
+            <a:schemeClr val="accent1"/>
+          </a:effectRef>
+          <a:fontRef idx="minor">
+            <a:schemeClr val="tx1"/>
+          </a:fontRef>
+        </p:style>
+      </p:cxnSp>
+      <p:cxnSp>
+        <p:nvCxnSpPr>
+          <p:cNvPr id="16" name="Straight Connector 15">
+            <a:extLst>
+              <a:ext uri="{FF2B5EF4-FFF2-40B4-BE49-F238E27FC236}">
+                <a16:creationId xmlns:a16="http://schemas.microsoft.com/office/drawing/2014/main" id="{6BC15C46-BF91-4A9D-A01A-6AF4F54A6824}"/>
+              </a:ext>
+            </a:extLst>
+          </p:cNvPr>
+          <p:cNvCxnSpPr/>
+          <p:nvPr/>
+        </p:nvCxnSpPr>
+        <p:spPr>
+          <a:xfrm flipV="1">
+            <a:off x="5227669" y="2653068"/>
+            <a:ext cx="0" cy="3039056"/>
+          </a:xfrm>
+          <a:prstGeom prst="line">
+            <a:avLst/>
+          </a:prstGeom>
+        </p:spPr>
+        <p:style>
+          <a:lnRef idx="1">
+            <a:schemeClr val="accent1"/>
+          </a:lnRef>
+          <a:fillRef idx="0">
+            <a:schemeClr val="accent1"/>
+          </a:fillRef>
+          <a:effectRef idx="0">
+            <a:schemeClr val="accent1"/>
+          </a:effectRef>
+          <a:fontRef idx="minor">
+            <a:schemeClr val="tx1"/>
+          </a:fontRef>
+        </p:style>
+      </p:cxnSp>
+      <p:sp>
+        <p:nvSpPr>
+          <p:cNvPr id="17" name="TextBox 16">
+            <a:extLst>
+              <a:ext uri="{FF2B5EF4-FFF2-40B4-BE49-F238E27FC236}">
+                <a16:creationId xmlns:a16="http://schemas.microsoft.com/office/drawing/2014/main" id="{2F897502-3AA5-4343-8D0C-00CD25E1C714}"/>
+              </a:ext>
+            </a:extLst>
+          </p:cNvPr>
+          <p:cNvSpPr txBox="1"/>
+          <p:nvPr/>
+        </p:nvSpPr>
+        <p:spPr>
+          <a:xfrm>
+            <a:off x="5078733" y="4008795"/>
+            <a:ext cx="306494" cy="369332"/>
+          </a:xfrm>
+          <a:prstGeom prst="rect">
+            <a:avLst/>
+          </a:prstGeom>
+          <a:solidFill>
+            <a:schemeClr val="bg1"/>
+          </a:solidFill>
+        </p:spPr>
+        <p:txBody>
+          <a:bodyPr wrap="none" rtlCol="0">
+            <a:spAutoFit/>
+          </a:bodyPr>
+          <a:lstStyle/>
+          <a:p>
+            <a:r>
+              <a:rPr lang="en-US" dirty="0">
+                <a:solidFill>
+                  <a:schemeClr val="accent1"/>
+                </a:solidFill>
+              </a:rPr>
+              <a:t>h</a:t>
+            </a:r>
+          </a:p>
+        </p:txBody>
+      </p:sp>
     </p:spTree>
     <p:extLst>
       <p:ext uri="{BB962C8B-B14F-4D97-AF65-F5344CB8AC3E}">
@@ -6464,53 +8738,282 @@
           </a:p>
         </p:txBody>
       </p:sp>
-      <p:pic>
-        <p:nvPicPr>
-          <p:cNvPr id="2050" name="Picture 2" descr="Problem 1 Diagram">
+      <p:sp>
+        <p:nvSpPr>
+          <p:cNvPr id="5" name="Oval 4">
             <a:extLst>
               <a:ext uri="{FF2B5EF4-FFF2-40B4-BE49-F238E27FC236}">
-                <a16:creationId xmlns:a16="http://schemas.microsoft.com/office/drawing/2014/main" id="{B4EEF16B-657F-4521-B0DD-614B7B596360}"/>
+                <a16:creationId xmlns:a16="http://schemas.microsoft.com/office/drawing/2014/main" id="{C1574BA4-DDA9-47A8-B4A9-88C6D5683E7A}"/>
               </a:ext>
             </a:extLst>
           </p:cNvPr>
-          <p:cNvPicPr>
-            <a:picLocks noChangeAspect="1" noChangeArrowheads="1"/>
-          </p:cNvPicPr>
+          <p:cNvSpPr/>
           <p:nvPr/>
-        </p:nvPicPr>
-        <p:blipFill>
-          <a:blip r:embed="rId2">
+        </p:nvSpPr>
+        <p:spPr>
+          <a:xfrm>
+            <a:off x="5348511" y="2895600"/>
+            <a:ext cx="2743200" cy="2743200"/>
+          </a:xfrm>
+          <a:prstGeom prst="ellipse">
+            <a:avLst/>
+          </a:prstGeom>
+        </p:spPr>
+        <p:style>
+          <a:lnRef idx="2">
+            <a:schemeClr val="accent1">
+              <a:shade val="50000"/>
+            </a:schemeClr>
+          </a:lnRef>
+          <a:fillRef idx="1">
+            <a:schemeClr val="accent1"/>
+          </a:fillRef>
+          <a:effectRef idx="0">
+            <a:schemeClr val="accent1"/>
+          </a:effectRef>
+          <a:fontRef idx="minor">
+            <a:schemeClr val="lt1"/>
+          </a:fontRef>
+        </p:style>
+        <p:txBody>
+          <a:bodyPr rtlCol="0" anchor="ctr"/>
+          <a:lstStyle/>
+          <a:p>
+            <a:pPr algn="ctr"/>
+            <a:endParaRPr lang="en-US"/>
+          </a:p>
+        </p:txBody>
+      </p:sp>
+      <p:sp>
+        <p:nvSpPr>
+          <p:cNvPr id="6" name="TextBox 5">
             <a:extLst>
-              <a:ext uri="{28A0092B-C50C-407E-A947-70E740481C1C}">
-                <a14:useLocalDpi xmlns:a14="http://schemas.microsoft.com/office/drawing/2010/main" val="0"/>
+              <a:ext uri="{FF2B5EF4-FFF2-40B4-BE49-F238E27FC236}">
+                <a16:creationId xmlns:a16="http://schemas.microsoft.com/office/drawing/2014/main" id="{BCFCE5E3-430D-4D16-A55B-7318C8DEE83D}"/>
               </a:ext>
             </a:extLst>
-          </a:blip>
-          <a:srcRect/>
-          <a:stretch>
-            <a:fillRect/>
-          </a:stretch>
-        </p:blipFill>
-        <p:spPr bwMode="auto">
+          </p:cNvPr>
+          <p:cNvSpPr txBox="1"/>
+          <p:nvPr/>
+        </p:nvSpPr>
+        <p:spPr>
           <a:xfrm>
-            <a:off x="4953000" y="2286000"/>
-            <a:ext cx="3552825" cy="3571875"/>
+            <a:off x="8383698" y="4082534"/>
+            <a:ext cx="284052" cy="369332"/>
           </a:xfrm>
           <a:prstGeom prst="rect">
             <a:avLst/>
           </a:prstGeom>
           <a:noFill/>
-          <a:extLst>
-            <a:ext uri="{909E8E84-426E-40DD-AFC4-6F175D3DCCD1}">
-              <a14:hiddenFill xmlns:a14="http://schemas.microsoft.com/office/drawing/2010/main">
-                <a:solidFill>
-                  <a:srgbClr val="FFFFFF"/>
-                </a:solidFill>
-              </a14:hiddenFill>
-            </a:ext>
-          </a:extLst>
-        </p:spPr>
-      </p:pic>
+        </p:spPr>
+        <p:txBody>
+          <a:bodyPr wrap="none" rtlCol="0">
+            <a:spAutoFit/>
+          </a:bodyPr>
+          <a:lstStyle/>
+          <a:p>
+            <a:r>
+              <a:rPr lang="en-US" dirty="0"/>
+              <a:t>x</a:t>
+            </a:r>
+          </a:p>
+        </p:txBody>
+      </p:sp>
+      <p:sp>
+        <p:nvSpPr>
+          <p:cNvPr id="7" name="TextBox 6">
+            <a:extLst>
+              <a:ext uri="{FF2B5EF4-FFF2-40B4-BE49-F238E27FC236}">
+                <a16:creationId xmlns:a16="http://schemas.microsoft.com/office/drawing/2014/main" id="{7BFA4D52-E3FD-46BE-9CFF-870554DB4A63}"/>
+              </a:ext>
+            </a:extLst>
+          </p:cNvPr>
+          <p:cNvSpPr txBox="1"/>
+          <p:nvPr/>
+        </p:nvSpPr>
+        <p:spPr>
+          <a:xfrm>
+            <a:off x="6554898" y="2208707"/>
+            <a:ext cx="288862" cy="369332"/>
+          </a:xfrm>
+          <a:prstGeom prst="rect">
+            <a:avLst/>
+          </a:prstGeom>
+          <a:noFill/>
+        </p:spPr>
+        <p:txBody>
+          <a:bodyPr wrap="none" rtlCol="0">
+            <a:spAutoFit/>
+          </a:bodyPr>
+          <a:lstStyle/>
+          <a:p>
+            <a:r>
+              <a:rPr lang="en-US" dirty="0"/>
+              <a:t>y</a:t>
+            </a:r>
+          </a:p>
+        </p:txBody>
+      </p:sp>
+      <p:cxnSp>
+        <p:nvCxnSpPr>
+          <p:cNvPr id="8" name="Straight Arrow Connector 7">
+            <a:extLst>
+              <a:ext uri="{FF2B5EF4-FFF2-40B4-BE49-F238E27FC236}">
+                <a16:creationId xmlns:a16="http://schemas.microsoft.com/office/drawing/2014/main" id="{905C7128-6E1F-454A-B942-19A7F6CF51E3}"/>
+              </a:ext>
+            </a:extLst>
+          </p:cNvPr>
+          <p:cNvCxnSpPr/>
+          <p:nvPr/>
+        </p:nvCxnSpPr>
+        <p:spPr>
+          <a:xfrm>
+            <a:off x="6699329" y="4267200"/>
+            <a:ext cx="1684369" cy="0"/>
+          </a:xfrm>
+          <a:prstGeom prst="straightConnector1">
+            <a:avLst/>
+          </a:prstGeom>
+          <a:ln>
+            <a:tailEnd type="arrow"/>
+          </a:ln>
+        </p:spPr>
+        <p:style>
+          <a:lnRef idx="2">
+            <a:schemeClr val="dk1"/>
+          </a:lnRef>
+          <a:fillRef idx="0">
+            <a:schemeClr val="dk1"/>
+          </a:fillRef>
+          <a:effectRef idx="1">
+            <a:schemeClr val="dk1"/>
+          </a:effectRef>
+          <a:fontRef idx="minor">
+            <a:schemeClr val="tx1"/>
+          </a:fontRef>
+        </p:style>
+      </p:cxnSp>
+      <p:cxnSp>
+        <p:nvCxnSpPr>
+          <p:cNvPr id="9" name="Straight Arrow Connector 8">
+            <a:extLst>
+              <a:ext uri="{FF2B5EF4-FFF2-40B4-BE49-F238E27FC236}">
+                <a16:creationId xmlns:a16="http://schemas.microsoft.com/office/drawing/2014/main" id="{00776363-D2BD-42D6-88FE-DB294A81851C}"/>
+              </a:ext>
+            </a:extLst>
+          </p:cNvPr>
+          <p:cNvCxnSpPr/>
+          <p:nvPr/>
+        </p:nvCxnSpPr>
+        <p:spPr>
+          <a:xfrm flipV="1">
+            <a:off x="6709720" y="2578039"/>
+            <a:ext cx="10391" cy="1700830"/>
+          </a:xfrm>
+          <a:prstGeom prst="straightConnector1">
+            <a:avLst/>
+          </a:prstGeom>
+          <a:ln>
+            <a:tailEnd type="arrow"/>
+          </a:ln>
+        </p:spPr>
+        <p:style>
+          <a:lnRef idx="2">
+            <a:schemeClr val="dk1"/>
+          </a:lnRef>
+          <a:fillRef idx="0">
+            <a:schemeClr val="dk1"/>
+          </a:fillRef>
+          <a:effectRef idx="1">
+            <a:schemeClr val="dk1"/>
+          </a:effectRef>
+          <a:fontRef idx="minor">
+            <a:schemeClr val="tx1"/>
+          </a:fontRef>
+        </p:style>
+      </p:cxnSp>
+      <p:cxnSp>
+        <p:nvCxnSpPr>
+          <p:cNvPr id="10" name="Straight Arrow Connector 9">
+            <a:extLst>
+              <a:ext uri="{FF2B5EF4-FFF2-40B4-BE49-F238E27FC236}">
+                <a16:creationId xmlns:a16="http://schemas.microsoft.com/office/drawing/2014/main" id="{481DC570-4458-4480-91A7-EE7DD8917965}"/>
+              </a:ext>
+            </a:extLst>
+          </p:cNvPr>
+          <p:cNvCxnSpPr>
+            <a:endCxn id="5" idx="7"/>
+          </p:cNvCxnSpPr>
+          <p:nvPr/>
+        </p:nvCxnSpPr>
+        <p:spPr>
+          <a:xfrm flipV="1">
+            <a:off x="6709720" y="3297332"/>
+            <a:ext cx="980259" cy="981135"/>
+          </a:xfrm>
+          <a:prstGeom prst="straightConnector1">
+            <a:avLst/>
+          </a:prstGeom>
+          <a:ln>
+            <a:solidFill>
+              <a:schemeClr val="accent1">
+                <a:lumMod val="50000"/>
+              </a:schemeClr>
+            </a:solidFill>
+            <a:tailEnd type="arrow"/>
+          </a:ln>
+        </p:spPr>
+        <p:style>
+          <a:lnRef idx="2">
+            <a:schemeClr val="accent1"/>
+          </a:lnRef>
+          <a:fillRef idx="0">
+            <a:schemeClr val="accent1"/>
+          </a:fillRef>
+          <a:effectRef idx="1">
+            <a:schemeClr val="accent1"/>
+          </a:effectRef>
+          <a:fontRef idx="minor">
+            <a:schemeClr val="tx1"/>
+          </a:fontRef>
+        </p:style>
+      </p:cxnSp>
+      <p:sp>
+        <p:nvSpPr>
+          <p:cNvPr id="11" name="TextBox 10">
+            <a:extLst>
+              <a:ext uri="{FF2B5EF4-FFF2-40B4-BE49-F238E27FC236}">
+                <a16:creationId xmlns:a16="http://schemas.microsoft.com/office/drawing/2014/main" id="{5A374283-2A17-4ED6-A660-16B7A85E404A}"/>
+              </a:ext>
+            </a:extLst>
+          </p:cNvPr>
+          <p:cNvSpPr txBox="1"/>
+          <p:nvPr/>
+        </p:nvSpPr>
+        <p:spPr>
+          <a:xfrm>
+            <a:off x="6804349" y="3307773"/>
+            <a:ext cx="893549" cy="369332"/>
+          </a:xfrm>
+          <a:prstGeom prst="rect">
+            <a:avLst/>
+          </a:prstGeom>
+          <a:noFill/>
+        </p:spPr>
+        <p:txBody>
+          <a:bodyPr wrap="square" rtlCol="0">
+            <a:spAutoFit/>
+          </a:bodyPr>
+          <a:lstStyle/>
+          <a:p>
+            <a:pPr algn="ctr"/>
+            <a:r>
+              <a:rPr lang="en-US" dirty="0"/>
+              <a:t>R</a:t>
+            </a:r>
+          </a:p>
+        </p:txBody>
+      </p:sp>
     </p:spTree>
     <p:extLst>
       <p:ext uri="{BB962C8B-B14F-4D97-AF65-F5344CB8AC3E}">
@@ -6597,53 +9100,288 @@
           </a:p>
         </p:txBody>
       </p:sp>
-      <p:pic>
-        <p:nvPicPr>
-          <p:cNvPr id="1026" name="Picture 2" descr="Problem 3 Diagram">
+      <p:sp>
+        <p:nvSpPr>
+          <p:cNvPr id="5" name="Donut 5">
             <a:extLst>
               <a:ext uri="{FF2B5EF4-FFF2-40B4-BE49-F238E27FC236}">
-                <a16:creationId xmlns:a16="http://schemas.microsoft.com/office/drawing/2014/main" id="{176ED75A-3A92-42E9-90EA-7B33A14ECDFD}"/>
+                <a16:creationId xmlns:a16="http://schemas.microsoft.com/office/drawing/2014/main" id="{69020C21-0BDB-407C-B1EC-0160BB04C37E}"/>
               </a:ext>
             </a:extLst>
           </p:cNvPr>
-          <p:cNvPicPr>
-            <a:picLocks noChangeAspect="1" noChangeArrowheads="1"/>
-          </p:cNvPicPr>
+          <p:cNvSpPr/>
           <p:nvPr/>
-        </p:nvPicPr>
-        <p:blipFill>
-          <a:blip r:embed="rId2">
+        </p:nvSpPr>
+        <p:spPr>
+          <a:xfrm>
+            <a:off x="5486400" y="2438400"/>
+            <a:ext cx="2743200" cy="2743200"/>
+          </a:xfrm>
+          <a:prstGeom prst="donut">
+            <a:avLst>
+              <a:gd name="adj" fmla="val 10985"/>
+            </a:avLst>
+          </a:prstGeom>
+        </p:spPr>
+        <p:style>
+          <a:lnRef idx="2">
+            <a:schemeClr val="accent1">
+              <a:shade val="50000"/>
+            </a:schemeClr>
+          </a:lnRef>
+          <a:fillRef idx="1">
+            <a:schemeClr val="accent1"/>
+          </a:fillRef>
+          <a:effectRef idx="0">
+            <a:schemeClr val="accent1"/>
+          </a:effectRef>
+          <a:fontRef idx="minor">
+            <a:schemeClr val="lt1"/>
+          </a:fontRef>
+        </p:style>
+        <p:txBody>
+          <a:bodyPr rtlCol="0" anchor="ctr"/>
+          <a:lstStyle/>
+          <a:p>
+            <a:pPr algn="ctr"/>
+            <a:endParaRPr lang="en-US">
+              <a:solidFill>
+                <a:schemeClr val="tx1"/>
+              </a:solidFill>
+            </a:endParaRPr>
+          </a:p>
+        </p:txBody>
+      </p:sp>
+      <p:cxnSp>
+        <p:nvCxnSpPr>
+          <p:cNvPr id="6" name="Straight Connector 5">
             <a:extLst>
-              <a:ext uri="{28A0092B-C50C-407E-A947-70E740481C1C}">
-                <a14:useLocalDpi xmlns:a14="http://schemas.microsoft.com/office/drawing/2010/main" val="0"/>
+              <a:ext uri="{FF2B5EF4-FFF2-40B4-BE49-F238E27FC236}">
+                <a16:creationId xmlns:a16="http://schemas.microsoft.com/office/drawing/2014/main" id="{E9042681-3B06-4572-A339-AB9B3A04EAD8}"/>
               </a:ext>
             </a:extLst>
-          </a:blip>
-          <a:srcRect/>
-          <a:stretch>
-            <a:fillRect/>
-          </a:stretch>
-        </p:blipFill>
-        <p:spPr bwMode="auto">
+          </p:cNvPr>
+          <p:cNvCxnSpPr/>
+          <p:nvPr/>
+        </p:nvCxnSpPr>
+        <p:spPr>
+          <a:xfrm flipH="1">
+            <a:off x="5484863" y="5437910"/>
+            <a:ext cx="2775910" cy="0"/>
+          </a:xfrm>
+          <a:prstGeom prst="line">
+            <a:avLst/>
+          </a:prstGeom>
+        </p:spPr>
+        <p:style>
+          <a:lnRef idx="1">
+            <a:schemeClr val="accent1"/>
+          </a:lnRef>
+          <a:fillRef idx="0">
+            <a:schemeClr val="accent1"/>
+          </a:fillRef>
+          <a:effectRef idx="0">
+            <a:schemeClr val="accent1"/>
+          </a:effectRef>
+          <a:fontRef idx="minor">
+            <a:schemeClr val="tx1"/>
+          </a:fontRef>
+        </p:style>
+      </p:cxnSp>
+      <p:sp>
+        <p:nvSpPr>
+          <p:cNvPr id="7" name="TextBox 6">
+            <a:extLst>
+              <a:ext uri="{FF2B5EF4-FFF2-40B4-BE49-F238E27FC236}">
+                <a16:creationId xmlns:a16="http://schemas.microsoft.com/office/drawing/2014/main" id="{82036DAE-4F22-409A-AA83-9AA36BB6A87D}"/>
+              </a:ext>
+            </a:extLst>
+          </p:cNvPr>
+          <p:cNvSpPr txBox="1"/>
+          <p:nvPr/>
+        </p:nvSpPr>
+        <p:spPr>
           <a:xfrm>
-            <a:off x="5105400" y="2209800"/>
-            <a:ext cx="3409950" cy="3581400"/>
+            <a:off x="6605155" y="5276396"/>
+            <a:ext cx="529312" cy="369332"/>
           </a:xfrm>
           <a:prstGeom prst="rect">
             <a:avLst/>
           </a:prstGeom>
-          <a:noFill/>
-          <a:extLst>
-            <a:ext uri="{909E8E84-426E-40DD-AFC4-6F175D3DCCD1}">
-              <a14:hiddenFill xmlns:a14="http://schemas.microsoft.com/office/drawing/2010/main">
+          <a:solidFill>
+            <a:schemeClr val="bg1"/>
+          </a:solidFill>
+        </p:spPr>
+        <p:txBody>
+          <a:bodyPr wrap="none" rtlCol="0">
+            <a:spAutoFit/>
+          </a:bodyPr>
+          <a:lstStyle/>
+          <a:p>
+            <a:r>
+              <a:rPr lang="en-US" dirty="0">
                 <a:solidFill>
-                  <a:srgbClr val="FFFFFF"/>
+                  <a:schemeClr val="accent1"/>
                 </a:solidFill>
-              </a14:hiddenFill>
-            </a:ext>
-          </a:extLst>
-        </p:spPr>
-      </p:pic>
+              </a:rPr>
+              <a:t>6 in</a:t>
+            </a:r>
+          </a:p>
+        </p:txBody>
+      </p:sp>
+      <p:cxnSp>
+        <p:nvCxnSpPr>
+          <p:cNvPr id="8" name="Straight Connector 7">
+            <a:extLst>
+              <a:ext uri="{FF2B5EF4-FFF2-40B4-BE49-F238E27FC236}">
+                <a16:creationId xmlns:a16="http://schemas.microsoft.com/office/drawing/2014/main" id="{2453218B-A51E-45A6-A337-0636277CCD0F}"/>
+              </a:ext>
+            </a:extLst>
+          </p:cNvPr>
+          <p:cNvCxnSpPr/>
+          <p:nvPr/>
+        </p:nvCxnSpPr>
+        <p:spPr>
+          <a:xfrm>
+            <a:off x="5474999" y="4177146"/>
+            <a:ext cx="0" cy="1468582"/>
+          </a:xfrm>
+          <a:prstGeom prst="line">
+            <a:avLst/>
+          </a:prstGeom>
+        </p:spPr>
+        <p:style>
+          <a:lnRef idx="1">
+            <a:schemeClr val="accent1"/>
+          </a:lnRef>
+          <a:fillRef idx="0">
+            <a:schemeClr val="accent1"/>
+          </a:fillRef>
+          <a:effectRef idx="0">
+            <a:schemeClr val="accent1"/>
+          </a:effectRef>
+          <a:fontRef idx="minor">
+            <a:schemeClr val="tx1"/>
+          </a:fontRef>
+        </p:style>
+      </p:cxnSp>
+      <p:cxnSp>
+        <p:nvCxnSpPr>
+          <p:cNvPr id="9" name="Straight Connector 8">
+            <a:extLst>
+              <a:ext uri="{FF2B5EF4-FFF2-40B4-BE49-F238E27FC236}">
+                <a16:creationId xmlns:a16="http://schemas.microsoft.com/office/drawing/2014/main" id="{08D46D76-C913-43FA-AB53-253F838E968D}"/>
+              </a:ext>
+            </a:extLst>
+          </p:cNvPr>
+          <p:cNvCxnSpPr/>
+          <p:nvPr/>
+        </p:nvCxnSpPr>
+        <p:spPr>
+          <a:xfrm>
+            <a:off x="8260773" y="4177146"/>
+            <a:ext cx="0" cy="1468582"/>
+          </a:xfrm>
+          <a:prstGeom prst="line">
+            <a:avLst/>
+          </a:prstGeom>
+        </p:spPr>
+        <p:style>
+          <a:lnRef idx="1">
+            <a:schemeClr val="accent1"/>
+          </a:lnRef>
+          <a:fillRef idx="0">
+            <a:schemeClr val="accent1"/>
+          </a:fillRef>
+          <a:effectRef idx="0">
+            <a:schemeClr val="accent1"/>
+          </a:effectRef>
+          <a:fontRef idx="minor">
+            <a:schemeClr val="tx1"/>
+          </a:fontRef>
+        </p:style>
+      </p:cxnSp>
+      <p:cxnSp>
+        <p:nvCxnSpPr>
+          <p:cNvPr id="10" name="Straight Arrow Connector 9">
+            <a:extLst>
+              <a:ext uri="{FF2B5EF4-FFF2-40B4-BE49-F238E27FC236}">
+                <a16:creationId xmlns:a16="http://schemas.microsoft.com/office/drawing/2014/main" id="{4F505EF1-52BC-4D1D-8C34-71C7FA5499B2}"/>
+              </a:ext>
+            </a:extLst>
+          </p:cNvPr>
+          <p:cNvCxnSpPr/>
+          <p:nvPr/>
+        </p:nvCxnSpPr>
+        <p:spPr>
+          <a:xfrm flipH="1">
+            <a:off x="5843156" y="3799610"/>
+            <a:ext cx="2057399" cy="0"/>
+          </a:xfrm>
+          <a:prstGeom prst="straightConnector1">
+            <a:avLst/>
+          </a:prstGeom>
+          <a:ln>
+            <a:headEnd type="arrow"/>
+            <a:tailEnd type="arrow"/>
+          </a:ln>
+        </p:spPr>
+        <p:style>
+          <a:lnRef idx="1">
+            <a:schemeClr val="accent1"/>
+          </a:lnRef>
+          <a:fillRef idx="0">
+            <a:schemeClr val="accent1"/>
+          </a:fillRef>
+          <a:effectRef idx="0">
+            <a:schemeClr val="accent1"/>
+          </a:effectRef>
+          <a:fontRef idx="minor">
+            <a:schemeClr val="tx1"/>
+          </a:fontRef>
+        </p:style>
+      </p:cxnSp>
+      <p:sp>
+        <p:nvSpPr>
+          <p:cNvPr id="11" name="TextBox 10">
+            <a:extLst>
+              <a:ext uri="{FF2B5EF4-FFF2-40B4-BE49-F238E27FC236}">
+                <a16:creationId xmlns:a16="http://schemas.microsoft.com/office/drawing/2014/main" id="{AD9787A1-14C4-449C-86A3-7195CAC3F75A}"/>
+              </a:ext>
+            </a:extLst>
+          </p:cNvPr>
+          <p:cNvSpPr txBox="1"/>
+          <p:nvPr/>
+        </p:nvSpPr>
+        <p:spPr>
+          <a:xfrm>
+            <a:off x="6605155" y="3643746"/>
+            <a:ext cx="529312" cy="369332"/>
+          </a:xfrm>
+          <a:prstGeom prst="rect">
+            <a:avLst/>
+          </a:prstGeom>
+          <a:solidFill>
+            <a:schemeClr val="bg1"/>
+          </a:solidFill>
+        </p:spPr>
+        <p:txBody>
+          <a:bodyPr wrap="none" rtlCol="0">
+            <a:spAutoFit/>
+          </a:bodyPr>
+          <a:lstStyle/>
+          <a:p>
+            <a:r>
+              <a:rPr lang="en-US" dirty="0">
+                <a:solidFill>
+                  <a:schemeClr val="accent1"/>
+                </a:solidFill>
+              </a:rPr>
+              <a:t>5 in</a:t>
+            </a:r>
+          </a:p>
+        </p:txBody>
+      </p:sp>
     </p:spTree>
     <p:extLst>
       <p:ext uri="{BB962C8B-B14F-4D97-AF65-F5344CB8AC3E}">
@@ -7755,6 +10493,50 @@
       </p:grpSpPr>
       <p:sp>
         <p:nvSpPr>
+          <p:cNvPr id="29" name="Rectangle 28">
+            <a:extLst>
+              <a:ext uri="{FF2B5EF4-FFF2-40B4-BE49-F238E27FC236}">
+                <a16:creationId xmlns:a16="http://schemas.microsoft.com/office/drawing/2014/main" id="{EDDBAD76-7AF3-4932-9F09-BCE68B62A408}"/>
+              </a:ext>
+            </a:extLst>
+          </p:cNvPr>
+          <p:cNvSpPr/>
+          <p:nvPr/>
+        </p:nvSpPr>
+        <p:spPr>
+          <a:xfrm>
+            <a:off x="6811886" y="1743075"/>
+            <a:ext cx="1028700" cy="1828800"/>
+          </a:xfrm>
+          <a:prstGeom prst="rect">
+            <a:avLst/>
+          </a:prstGeom>
+        </p:spPr>
+        <p:style>
+          <a:lnRef idx="1">
+            <a:schemeClr val="dk1"/>
+          </a:lnRef>
+          <a:fillRef idx="2">
+            <a:schemeClr val="dk1"/>
+          </a:fillRef>
+          <a:effectRef idx="1">
+            <a:schemeClr val="dk1"/>
+          </a:effectRef>
+          <a:fontRef idx="minor">
+            <a:schemeClr val="dk1"/>
+          </a:fontRef>
+        </p:style>
+        <p:txBody>
+          <a:bodyPr rtlCol="0" anchor="ctr"/>
+          <a:lstStyle/>
+          <a:p>
+            <a:pPr algn="ctr"/>
+            <a:endParaRPr lang="en-US"/>
+          </a:p>
+        </p:txBody>
+      </p:sp>
+      <p:sp>
+        <p:nvSpPr>
           <p:cNvPr id="2" name="Title 1"/>
           <p:cNvSpPr>
             <a:spLocks noGrp="1"/>
@@ -7789,7 +10571,7 @@
         </p:nvSpPr>
         <p:spPr>
           <a:xfrm>
-            <a:off x="457200" y="3505200"/>
+            <a:off x="457200" y="4038600"/>
             <a:ext cx="8229600" cy="2743200"/>
           </a:xfrm>
         </p:spPr>
@@ -7863,47 +10645,6 @@
           </a:p>
         </p:txBody>
       </p:sp>
-      <p:pic>
-        <p:nvPicPr>
-          <p:cNvPr id="5" name="Picture 2" descr="Beam Bending and the Second Rectangualr Area Moment of Interia"/>
-          <p:cNvPicPr>
-            <a:picLocks noChangeAspect="1" noChangeArrowheads="1"/>
-          </p:cNvPicPr>
-          <p:nvPr/>
-        </p:nvPicPr>
-        <p:blipFill>
-          <a:blip r:embed="rId2">
-            <a:extLst>
-              <a:ext uri="{28A0092B-C50C-407E-A947-70E740481C1C}">
-                <a14:useLocalDpi xmlns:a14="http://schemas.microsoft.com/office/drawing/2010/main" val="0"/>
-              </a:ext>
-            </a:extLst>
-          </a:blip>
-          <a:srcRect/>
-          <a:stretch>
-            <a:fillRect/>
-          </a:stretch>
-        </p:blipFill>
-        <p:spPr bwMode="auto">
-          <a:xfrm>
-            <a:off x="1828800" y="1447800"/>
-            <a:ext cx="5791200" cy="1949705"/>
-          </a:xfrm>
-          <a:prstGeom prst="rect">
-            <a:avLst/>
-          </a:prstGeom>
-          <a:noFill/>
-          <a:extLst>
-            <a:ext uri="{909E8E84-426E-40DD-AFC4-6F175D3DCCD1}">
-              <a14:hiddenFill xmlns:a14="http://schemas.microsoft.com/office/drawing/2010/main">
-                <a:solidFill>
-                  <a:srgbClr val="FFFFFF"/>
-                </a:solidFill>
-              </a14:hiddenFill>
-            </a:ext>
-          </a:extLst>
-        </p:spPr>
-      </p:pic>
       <p:cxnSp>
         <p:nvCxnSpPr>
           <p:cNvPr id="7" name="Straight Arrow Connector 6">
@@ -7918,7 +10659,7 @@
         </p:nvCxnSpPr>
         <p:spPr>
           <a:xfrm>
-            <a:off x="7239000" y="2638425"/>
+            <a:off x="7518008" y="2647950"/>
             <a:ext cx="609600" cy="0"/>
           </a:xfrm>
           <a:prstGeom prst="straightConnector1">
@@ -7959,7 +10700,7 @@
         </p:nvCxnSpPr>
         <p:spPr>
           <a:xfrm flipV="1">
-            <a:off x="6734175" y="1647826"/>
+            <a:off x="7318222" y="1391722"/>
             <a:ext cx="0" cy="304799"/>
           </a:xfrm>
           <a:prstGeom prst="straightConnector1">
@@ -8074,7 +10815,7 @@
         </p:nvSpPr>
         <p:spPr>
           <a:xfrm>
-            <a:off x="6797738" y="1566366"/>
+            <a:off x="7169075" y="1033503"/>
             <a:ext cx="288862" cy="369332"/>
           </a:xfrm>
           <a:prstGeom prst="rect">
@@ -8109,7 +10850,7 @@
         </p:nvSpPr>
         <p:spPr>
           <a:xfrm>
-            <a:off x="7848787" y="2453759"/>
+            <a:off x="8524875" y="2347396"/>
             <a:ext cx="284052" cy="369332"/>
           </a:xfrm>
           <a:prstGeom prst="rect">
@@ -8126,6 +10867,818 @@
             <a:r>
               <a:rPr lang="en-US" dirty="0"/>
               <a:t>x</a:t>
+            </a:r>
+          </a:p>
+        </p:txBody>
+      </p:sp>
+      <p:sp>
+        <p:nvSpPr>
+          <p:cNvPr id="12" name="Rectangle 11">
+            <a:extLst>
+              <a:ext uri="{FF2B5EF4-FFF2-40B4-BE49-F238E27FC236}">
+                <a16:creationId xmlns:a16="http://schemas.microsoft.com/office/drawing/2014/main" id="{83D69D2F-BCB6-4A46-8725-CBD82C45C05C}"/>
+              </a:ext>
+            </a:extLst>
+          </p:cNvPr>
+          <p:cNvSpPr/>
+          <p:nvPr/>
+        </p:nvSpPr>
+        <p:spPr>
+          <a:xfrm>
+            <a:off x="1304925" y="1722437"/>
+            <a:ext cx="4038600" cy="1828800"/>
+          </a:xfrm>
+          <a:prstGeom prst="rect">
+            <a:avLst/>
+          </a:prstGeom>
+        </p:spPr>
+        <p:style>
+          <a:lnRef idx="1">
+            <a:schemeClr val="dk1"/>
+          </a:lnRef>
+          <a:fillRef idx="2">
+            <a:schemeClr val="dk1"/>
+          </a:fillRef>
+          <a:effectRef idx="1">
+            <a:schemeClr val="dk1"/>
+          </a:effectRef>
+          <a:fontRef idx="minor">
+            <a:schemeClr val="dk1"/>
+          </a:fontRef>
+        </p:style>
+        <p:txBody>
+          <a:bodyPr rtlCol="0" anchor="ctr"/>
+          <a:lstStyle/>
+          <a:p>
+            <a:pPr algn="ctr"/>
+            <a:endParaRPr lang="en-US" dirty="0"/>
+          </a:p>
+        </p:txBody>
+      </p:sp>
+      <p:sp>
+        <p:nvSpPr>
+          <p:cNvPr id="16" name="Arc 15">
+            <a:extLst>
+              <a:ext uri="{FF2B5EF4-FFF2-40B4-BE49-F238E27FC236}">
+                <a16:creationId xmlns:a16="http://schemas.microsoft.com/office/drawing/2014/main" id="{2C73381F-961B-426C-A64C-03B9CB2070CC}"/>
+              </a:ext>
+            </a:extLst>
+          </p:cNvPr>
+          <p:cNvSpPr/>
+          <p:nvPr/>
+        </p:nvSpPr>
+        <p:spPr>
+          <a:xfrm>
+            <a:off x="581025" y="1951037"/>
+            <a:ext cx="1371600" cy="1371600"/>
+          </a:xfrm>
+          <a:prstGeom prst="arc">
+            <a:avLst>
+              <a:gd name="adj1" fmla="val 6793363"/>
+              <a:gd name="adj2" fmla="val 15141623"/>
+            </a:avLst>
+          </a:prstGeom>
+          <a:ln>
+            <a:solidFill>
+              <a:srgbClr val="FF0000"/>
+            </a:solidFill>
+            <a:prstDash val="sysDash"/>
+            <a:tailEnd type="arrow"/>
+          </a:ln>
+        </p:spPr>
+        <p:style>
+          <a:lnRef idx="3">
+            <a:schemeClr val="accent2"/>
+          </a:lnRef>
+          <a:fillRef idx="0">
+            <a:schemeClr val="accent2"/>
+          </a:fillRef>
+          <a:effectRef idx="2">
+            <a:schemeClr val="accent2"/>
+          </a:effectRef>
+          <a:fontRef idx="minor">
+            <a:schemeClr val="tx1"/>
+          </a:fontRef>
+        </p:style>
+        <p:txBody>
+          <a:bodyPr rtlCol="0" anchor="ctr"/>
+          <a:lstStyle/>
+          <a:p>
+            <a:pPr algn="ctr"/>
+            <a:endParaRPr lang="en-US"/>
+          </a:p>
+        </p:txBody>
+      </p:sp>
+      <p:cxnSp>
+        <p:nvCxnSpPr>
+          <p:cNvPr id="17" name="Straight Connector 16">
+            <a:extLst>
+              <a:ext uri="{FF2B5EF4-FFF2-40B4-BE49-F238E27FC236}">
+                <a16:creationId xmlns:a16="http://schemas.microsoft.com/office/drawing/2014/main" id="{A388034F-4D05-4D17-915C-38381B794B8B}"/>
+              </a:ext>
+            </a:extLst>
+          </p:cNvPr>
+          <p:cNvCxnSpPr/>
+          <p:nvPr/>
+        </p:nvCxnSpPr>
+        <p:spPr>
+          <a:xfrm>
+            <a:off x="4505325" y="1722437"/>
+            <a:ext cx="1676400" cy="1828800"/>
+          </a:xfrm>
+          <a:prstGeom prst="line">
+            <a:avLst/>
+          </a:prstGeom>
+          <a:ln>
+            <a:solidFill>
+              <a:srgbClr val="FF0000"/>
+            </a:solidFill>
+          </a:ln>
+        </p:spPr>
+        <p:style>
+          <a:lnRef idx="3">
+            <a:schemeClr val="accent2"/>
+          </a:lnRef>
+          <a:fillRef idx="0">
+            <a:schemeClr val="accent2"/>
+          </a:fillRef>
+          <a:effectRef idx="2">
+            <a:schemeClr val="accent2"/>
+          </a:effectRef>
+          <a:fontRef idx="minor">
+            <a:schemeClr val="tx1"/>
+          </a:fontRef>
+        </p:style>
+      </p:cxnSp>
+      <p:cxnSp>
+        <p:nvCxnSpPr>
+          <p:cNvPr id="18" name="Straight Arrow Connector 17">
+            <a:extLst>
+              <a:ext uri="{FF2B5EF4-FFF2-40B4-BE49-F238E27FC236}">
+                <a16:creationId xmlns:a16="http://schemas.microsoft.com/office/drawing/2014/main" id="{D85917A6-E011-4B0E-A5CD-B2544C27391E}"/>
+              </a:ext>
+            </a:extLst>
+          </p:cNvPr>
+          <p:cNvCxnSpPr/>
+          <p:nvPr/>
+        </p:nvCxnSpPr>
+        <p:spPr>
+          <a:xfrm flipH="1">
+            <a:off x="4505325" y="1722437"/>
+            <a:ext cx="838200" cy="0"/>
+          </a:xfrm>
+          <a:prstGeom prst="straightConnector1">
+            <a:avLst/>
+          </a:prstGeom>
+          <a:ln>
+            <a:solidFill>
+              <a:srgbClr val="FF0000"/>
+            </a:solidFill>
+            <a:tailEnd type="arrow"/>
+          </a:ln>
+        </p:spPr>
+        <p:style>
+          <a:lnRef idx="3">
+            <a:schemeClr val="accent2"/>
+          </a:lnRef>
+          <a:fillRef idx="0">
+            <a:schemeClr val="accent2"/>
+          </a:fillRef>
+          <a:effectRef idx="2">
+            <a:schemeClr val="accent2"/>
+          </a:effectRef>
+          <a:fontRef idx="minor">
+            <a:schemeClr val="tx1"/>
+          </a:fontRef>
+        </p:style>
+      </p:cxnSp>
+      <p:cxnSp>
+        <p:nvCxnSpPr>
+          <p:cNvPr id="19" name="Straight Arrow Connector 18">
+            <a:extLst>
+              <a:ext uri="{FF2B5EF4-FFF2-40B4-BE49-F238E27FC236}">
+                <a16:creationId xmlns:a16="http://schemas.microsoft.com/office/drawing/2014/main" id="{B9995F61-8E7F-47D7-BB16-FA448DBC2B56}"/>
+              </a:ext>
+            </a:extLst>
+          </p:cNvPr>
+          <p:cNvCxnSpPr/>
+          <p:nvPr/>
+        </p:nvCxnSpPr>
+        <p:spPr>
+          <a:xfrm>
+            <a:off x="5343525" y="3551237"/>
+            <a:ext cx="838200" cy="0"/>
+          </a:xfrm>
+          <a:prstGeom prst="straightConnector1">
+            <a:avLst/>
+          </a:prstGeom>
+          <a:ln>
+            <a:solidFill>
+              <a:srgbClr val="FF0000"/>
+            </a:solidFill>
+            <a:tailEnd type="arrow"/>
+          </a:ln>
+        </p:spPr>
+        <p:style>
+          <a:lnRef idx="3">
+            <a:schemeClr val="accent2"/>
+          </a:lnRef>
+          <a:fillRef idx="0">
+            <a:schemeClr val="accent2"/>
+          </a:fillRef>
+          <a:effectRef idx="2">
+            <a:schemeClr val="accent2"/>
+          </a:effectRef>
+          <a:fontRef idx="minor">
+            <a:schemeClr val="tx1"/>
+          </a:fontRef>
+        </p:style>
+      </p:cxnSp>
+      <p:cxnSp>
+        <p:nvCxnSpPr>
+          <p:cNvPr id="20" name="Straight Arrow Connector 19">
+            <a:extLst>
+              <a:ext uri="{FF2B5EF4-FFF2-40B4-BE49-F238E27FC236}">
+                <a16:creationId xmlns:a16="http://schemas.microsoft.com/office/drawing/2014/main" id="{FCA5566D-86FD-4F2A-AD11-DDDA9F70BAB9}"/>
+              </a:ext>
+            </a:extLst>
+          </p:cNvPr>
+          <p:cNvCxnSpPr/>
+          <p:nvPr/>
+        </p:nvCxnSpPr>
+        <p:spPr>
+          <a:xfrm>
+            <a:off x="5333134" y="3185477"/>
+            <a:ext cx="543791" cy="0"/>
+          </a:xfrm>
+          <a:prstGeom prst="straightConnector1">
+            <a:avLst/>
+          </a:prstGeom>
+          <a:ln>
+            <a:solidFill>
+              <a:srgbClr val="FF0000"/>
+            </a:solidFill>
+            <a:tailEnd type="arrow"/>
+          </a:ln>
+        </p:spPr>
+        <p:style>
+          <a:lnRef idx="3">
+            <a:schemeClr val="accent2"/>
+          </a:lnRef>
+          <a:fillRef idx="0">
+            <a:schemeClr val="accent2"/>
+          </a:fillRef>
+          <a:effectRef idx="2">
+            <a:schemeClr val="accent2"/>
+          </a:effectRef>
+          <a:fontRef idx="minor">
+            <a:schemeClr val="tx1"/>
+          </a:fontRef>
+        </p:style>
+      </p:cxnSp>
+      <p:cxnSp>
+        <p:nvCxnSpPr>
+          <p:cNvPr id="21" name="Straight Arrow Connector 20">
+            <a:extLst>
+              <a:ext uri="{FF2B5EF4-FFF2-40B4-BE49-F238E27FC236}">
+                <a16:creationId xmlns:a16="http://schemas.microsoft.com/office/drawing/2014/main" id="{BF4D43AE-B02C-4468-BCC6-D40AFD31925C}"/>
+              </a:ext>
+            </a:extLst>
+          </p:cNvPr>
+          <p:cNvCxnSpPr/>
+          <p:nvPr/>
+        </p:nvCxnSpPr>
+        <p:spPr>
+          <a:xfrm>
+            <a:off x="5353916" y="2819717"/>
+            <a:ext cx="142009" cy="0"/>
+          </a:xfrm>
+          <a:prstGeom prst="straightConnector1">
+            <a:avLst/>
+          </a:prstGeom>
+          <a:ln>
+            <a:solidFill>
+              <a:srgbClr val="FF0000"/>
+            </a:solidFill>
+            <a:tailEnd type="arrow"/>
+          </a:ln>
+        </p:spPr>
+        <p:style>
+          <a:lnRef idx="3">
+            <a:schemeClr val="accent2"/>
+          </a:lnRef>
+          <a:fillRef idx="0">
+            <a:schemeClr val="accent2"/>
+          </a:fillRef>
+          <a:effectRef idx="2">
+            <a:schemeClr val="accent2"/>
+          </a:effectRef>
+          <a:fontRef idx="minor">
+            <a:schemeClr val="tx1"/>
+          </a:fontRef>
+        </p:style>
+      </p:cxnSp>
+      <p:cxnSp>
+        <p:nvCxnSpPr>
+          <p:cNvPr id="22" name="Straight Arrow Connector 21">
+            <a:extLst>
+              <a:ext uri="{FF2B5EF4-FFF2-40B4-BE49-F238E27FC236}">
+                <a16:creationId xmlns:a16="http://schemas.microsoft.com/office/drawing/2014/main" id="{C60E52EC-19F6-487C-8753-B394AB291986}"/>
+              </a:ext>
+            </a:extLst>
+          </p:cNvPr>
+          <p:cNvCxnSpPr/>
+          <p:nvPr/>
+        </p:nvCxnSpPr>
+        <p:spPr>
+          <a:xfrm flipH="1">
+            <a:off x="5191125" y="2453957"/>
+            <a:ext cx="152400" cy="0"/>
+          </a:xfrm>
+          <a:prstGeom prst="straightConnector1">
+            <a:avLst/>
+          </a:prstGeom>
+          <a:ln>
+            <a:solidFill>
+              <a:srgbClr val="FF0000"/>
+            </a:solidFill>
+            <a:tailEnd type="arrow"/>
+          </a:ln>
+        </p:spPr>
+        <p:style>
+          <a:lnRef idx="3">
+            <a:schemeClr val="accent2"/>
+          </a:lnRef>
+          <a:fillRef idx="0">
+            <a:schemeClr val="accent2"/>
+          </a:fillRef>
+          <a:effectRef idx="2">
+            <a:schemeClr val="accent2"/>
+          </a:effectRef>
+          <a:fontRef idx="minor">
+            <a:schemeClr val="tx1"/>
+          </a:fontRef>
+        </p:style>
+      </p:cxnSp>
+      <p:cxnSp>
+        <p:nvCxnSpPr>
+          <p:cNvPr id="23" name="Straight Arrow Connector 22">
+            <a:extLst>
+              <a:ext uri="{FF2B5EF4-FFF2-40B4-BE49-F238E27FC236}">
+                <a16:creationId xmlns:a16="http://schemas.microsoft.com/office/drawing/2014/main" id="{75B3A506-588A-47F7-886B-89E771F014C5}"/>
+              </a:ext>
+            </a:extLst>
+          </p:cNvPr>
+          <p:cNvCxnSpPr/>
+          <p:nvPr/>
+        </p:nvCxnSpPr>
+        <p:spPr>
+          <a:xfrm flipH="1">
+            <a:off x="4810125" y="2088197"/>
+            <a:ext cx="533400" cy="0"/>
+          </a:xfrm>
+          <a:prstGeom prst="straightConnector1">
+            <a:avLst/>
+          </a:prstGeom>
+          <a:ln>
+            <a:solidFill>
+              <a:srgbClr val="FF0000"/>
+            </a:solidFill>
+            <a:tailEnd type="arrow"/>
+          </a:ln>
+        </p:spPr>
+        <p:style>
+          <a:lnRef idx="3">
+            <a:schemeClr val="accent2"/>
+          </a:lnRef>
+          <a:fillRef idx="0">
+            <a:schemeClr val="accent2"/>
+          </a:fillRef>
+          <a:effectRef idx="2">
+            <a:schemeClr val="accent2"/>
+          </a:effectRef>
+          <a:fontRef idx="minor">
+            <a:schemeClr val="tx1"/>
+          </a:fontRef>
+        </p:style>
+      </p:cxnSp>
+      <p:cxnSp>
+        <p:nvCxnSpPr>
+          <p:cNvPr id="24" name="Straight Connector 23">
+            <a:extLst>
+              <a:ext uri="{FF2B5EF4-FFF2-40B4-BE49-F238E27FC236}">
+                <a16:creationId xmlns:a16="http://schemas.microsoft.com/office/drawing/2014/main" id="{2DF6AA88-3BB2-42E8-A366-FF4E5AE5F7CE}"/>
+              </a:ext>
+            </a:extLst>
+          </p:cNvPr>
+          <p:cNvCxnSpPr>
+            <a:stCxn id="12" idx="3"/>
+            <a:endCxn id="12" idx="1"/>
+          </p:cNvCxnSpPr>
+          <p:nvPr/>
+        </p:nvCxnSpPr>
+        <p:spPr>
+          <a:xfrm flipH="1">
+            <a:off x="1304925" y="2636837"/>
+            <a:ext cx="4038600" cy="0"/>
+          </a:xfrm>
+          <a:prstGeom prst="line">
+            <a:avLst/>
+          </a:prstGeom>
+          <a:ln>
+            <a:solidFill>
+              <a:schemeClr val="tx1"/>
+            </a:solidFill>
+          </a:ln>
+        </p:spPr>
+        <p:style>
+          <a:lnRef idx="1">
+            <a:schemeClr val="accent1"/>
+          </a:lnRef>
+          <a:fillRef idx="0">
+            <a:schemeClr val="accent1"/>
+          </a:fillRef>
+          <a:effectRef idx="0">
+            <a:schemeClr val="accent1"/>
+          </a:effectRef>
+          <a:fontRef idx="minor">
+            <a:schemeClr val="tx1"/>
+          </a:fontRef>
+        </p:style>
+      </p:cxnSp>
+      <p:sp>
+        <p:nvSpPr>
+          <p:cNvPr id="25" name="TextBox 24">
+            <a:extLst>
+              <a:ext uri="{FF2B5EF4-FFF2-40B4-BE49-F238E27FC236}">
+                <a16:creationId xmlns:a16="http://schemas.microsoft.com/office/drawing/2014/main" id="{40702116-8A64-4388-B052-E97CAB7C5A10}"/>
+              </a:ext>
+            </a:extLst>
+          </p:cNvPr>
+          <p:cNvSpPr txBox="1"/>
+          <p:nvPr/>
+        </p:nvSpPr>
+        <p:spPr>
+          <a:xfrm>
+            <a:off x="1647825" y="2309069"/>
+            <a:ext cx="1646989" cy="369332"/>
+          </a:xfrm>
+          <a:prstGeom prst="rect">
+            <a:avLst/>
+          </a:prstGeom>
+          <a:noFill/>
+        </p:spPr>
+        <p:txBody>
+          <a:bodyPr wrap="none" rtlCol="0">
+            <a:spAutoFit/>
+          </a:bodyPr>
+          <a:lstStyle/>
+          <a:p>
+            <a:r>
+              <a:rPr lang="en-US" dirty="0"/>
+              <a:t>neutral surface</a:t>
+            </a:r>
+          </a:p>
+        </p:txBody>
+      </p:sp>
+      <p:cxnSp>
+        <p:nvCxnSpPr>
+          <p:cNvPr id="26" name="Straight Arrow Connector 25">
+            <a:extLst>
+              <a:ext uri="{FF2B5EF4-FFF2-40B4-BE49-F238E27FC236}">
+                <a16:creationId xmlns:a16="http://schemas.microsoft.com/office/drawing/2014/main" id="{82DAB51A-10D0-44F5-A66E-831232CAD3B7}"/>
+              </a:ext>
+            </a:extLst>
+          </p:cNvPr>
+          <p:cNvCxnSpPr/>
+          <p:nvPr/>
+        </p:nvCxnSpPr>
+        <p:spPr>
+          <a:xfrm flipV="1">
+            <a:off x="3857625" y="2255837"/>
+            <a:ext cx="0" cy="381000"/>
+          </a:xfrm>
+          <a:prstGeom prst="straightConnector1">
+            <a:avLst/>
+          </a:prstGeom>
+          <a:ln>
+            <a:tailEnd type="arrow"/>
+          </a:ln>
+        </p:spPr>
+        <p:style>
+          <a:lnRef idx="1">
+            <a:schemeClr val="dk1"/>
+          </a:lnRef>
+          <a:fillRef idx="0">
+            <a:schemeClr val="dk1"/>
+          </a:fillRef>
+          <a:effectRef idx="0">
+            <a:schemeClr val="dk1"/>
+          </a:effectRef>
+          <a:fontRef idx="minor">
+            <a:schemeClr val="tx1"/>
+          </a:fontRef>
+        </p:style>
+      </p:cxnSp>
+      <p:cxnSp>
+        <p:nvCxnSpPr>
+          <p:cNvPr id="27" name="Straight Connector 26">
+            <a:extLst>
+              <a:ext uri="{FF2B5EF4-FFF2-40B4-BE49-F238E27FC236}">
+                <a16:creationId xmlns:a16="http://schemas.microsoft.com/office/drawing/2014/main" id="{DDCD882C-5846-4C53-8C7E-62FD3E104046}"/>
+              </a:ext>
+            </a:extLst>
+          </p:cNvPr>
+          <p:cNvCxnSpPr/>
+          <p:nvPr/>
+        </p:nvCxnSpPr>
+        <p:spPr>
+          <a:xfrm>
+            <a:off x="3757180" y="2255837"/>
+            <a:ext cx="230294" cy="0"/>
+          </a:xfrm>
+          <a:prstGeom prst="line">
+            <a:avLst/>
+          </a:prstGeom>
+        </p:spPr>
+        <p:style>
+          <a:lnRef idx="1">
+            <a:schemeClr val="dk1"/>
+          </a:lnRef>
+          <a:fillRef idx="0">
+            <a:schemeClr val="dk1"/>
+          </a:fillRef>
+          <a:effectRef idx="0">
+            <a:schemeClr val="dk1"/>
+          </a:effectRef>
+          <a:fontRef idx="minor">
+            <a:schemeClr val="tx1"/>
+          </a:fontRef>
+        </p:style>
+      </p:cxnSp>
+      <p:sp>
+        <p:nvSpPr>
+          <p:cNvPr id="28" name="TextBox 27">
+            <a:extLst>
+              <a:ext uri="{FF2B5EF4-FFF2-40B4-BE49-F238E27FC236}">
+                <a16:creationId xmlns:a16="http://schemas.microsoft.com/office/drawing/2014/main" id="{D7616722-8E36-4DAA-8304-6FCE67549A7C}"/>
+              </a:ext>
+            </a:extLst>
+          </p:cNvPr>
+          <p:cNvSpPr txBox="1"/>
+          <p:nvPr/>
+        </p:nvSpPr>
+        <p:spPr>
+          <a:xfrm>
+            <a:off x="3705225" y="1886505"/>
+            <a:ext cx="306494" cy="369332"/>
+          </a:xfrm>
+          <a:prstGeom prst="rect">
+            <a:avLst/>
+          </a:prstGeom>
+          <a:noFill/>
+        </p:spPr>
+        <p:txBody>
+          <a:bodyPr wrap="none" rtlCol="0">
+            <a:spAutoFit/>
+          </a:bodyPr>
+          <a:lstStyle/>
+          <a:p>
+            <a:r>
+              <a:rPr lang="en-US" dirty="0"/>
+              <a:t>d</a:t>
+            </a:r>
+          </a:p>
+        </p:txBody>
+      </p:sp>
+      <p:cxnSp>
+        <p:nvCxnSpPr>
+          <p:cNvPr id="30" name="Straight Connector 29">
+            <a:extLst>
+              <a:ext uri="{FF2B5EF4-FFF2-40B4-BE49-F238E27FC236}">
+                <a16:creationId xmlns:a16="http://schemas.microsoft.com/office/drawing/2014/main" id="{B2E50E26-2B47-4A15-AC51-679C35B5A203}"/>
+              </a:ext>
+            </a:extLst>
+          </p:cNvPr>
+          <p:cNvCxnSpPr>
+            <a:cxnSpLocks/>
+          </p:cNvCxnSpPr>
+          <p:nvPr/>
+        </p:nvCxnSpPr>
+        <p:spPr>
+          <a:xfrm flipH="1">
+            <a:off x="6811886" y="2655887"/>
+            <a:ext cx="1028700" cy="0"/>
+          </a:xfrm>
+          <a:prstGeom prst="line">
+            <a:avLst/>
+          </a:prstGeom>
+          <a:ln>
+            <a:solidFill>
+              <a:schemeClr val="tx1"/>
+            </a:solidFill>
+          </a:ln>
+        </p:spPr>
+        <p:style>
+          <a:lnRef idx="1">
+            <a:schemeClr val="accent1"/>
+          </a:lnRef>
+          <a:fillRef idx="0">
+            <a:schemeClr val="accent1"/>
+          </a:fillRef>
+          <a:effectRef idx="0">
+            <a:schemeClr val="accent1"/>
+          </a:effectRef>
+          <a:fontRef idx="minor">
+            <a:schemeClr val="tx1"/>
+          </a:fontRef>
+        </p:style>
+      </p:cxnSp>
+      <p:cxnSp>
+        <p:nvCxnSpPr>
+          <p:cNvPr id="31" name="Straight Arrow Connector 30">
+            <a:extLst>
+              <a:ext uri="{FF2B5EF4-FFF2-40B4-BE49-F238E27FC236}">
+                <a16:creationId xmlns:a16="http://schemas.microsoft.com/office/drawing/2014/main" id="{4D86B7E0-1B64-4F73-8A18-FDB4A9F6DE36}"/>
+              </a:ext>
+            </a:extLst>
+          </p:cNvPr>
+          <p:cNvCxnSpPr/>
+          <p:nvPr/>
+        </p:nvCxnSpPr>
+        <p:spPr>
+          <a:xfrm flipV="1">
+            <a:off x="7083781" y="2276475"/>
+            <a:ext cx="0" cy="381000"/>
+          </a:xfrm>
+          <a:prstGeom prst="straightConnector1">
+            <a:avLst/>
+          </a:prstGeom>
+          <a:ln>
+            <a:tailEnd type="arrow"/>
+          </a:ln>
+        </p:spPr>
+        <p:style>
+          <a:lnRef idx="1">
+            <a:schemeClr val="dk1"/>
+          </a:lnRef>
+          <a:fillRef idx="0">
+            <a:schemeClr val="dk1"/>
+          </a:fillRef>
+          <a:effectRef idx="0">
+            <a:schemeClr val="dk1"/>
+          </a:effectRef>
+          <a:fontRef idx="minor">
+            <a:schemeClr val="tx1"/>
+          </a:fontRef>
+        </p:style>
+      </p:cxnSp>
+      <p:sp>
+        <p:nvSpPr>
+          <p:cNvPr id="32" name="TextBox 31">
+            <a:extLst>
+              <a:ext uri="{FF2B5EF4-FFF2-40B4-BE49-F238E27FC236}">
+                <a16:creationId xmlns:a16="http://schemas.microsoft.com/office/drawing/2014/main" id="{20E5150E-00A3-4F88-94DA-49C522D3A95B}"/>
+              </a:ext>
+            </a:extLst>
+          </p:cNvPr>
+          <p:cNvSpPr txBox="1"/>
+          <p:nvPr/>
+        </p:nvSpPr>
+        <p:spPr>
+          <a:xfrm>
+            <a:off x="7313506" y="2269093"/>
+            <a:ext cx="306494" cy="369332"/>
+          </a:xfrm>
+          <a:prstGeom prst="rect">
+            <a:avLst/>
+          </a:prstGeom>
+          <a:noFill/>
+        </p:spPr>
+        <p:txBody>
+          <a:bodyPr wrap="none" rtlCol="0">
+            <a:spAutoFit/>
+          </a:bodyPr>
+          <a:lstStyle/>
+          <a:p>
+            <a:r>
+              <a:rPr lang="en-US" dirty="0"/>
+              <a:t>d</a:t>
+            </a:r>
+          </a:p>
+        </p:txBody>
+      </p:sp>
+      <p:sp>
+        <p:nvSpPr>
+          <p:cNvPr id="33" name="Rectangle 32">
+            <a:extLst>
+              <a:ext uri="{FF2B5EF4-FFF2-40B4-BE49-F238E27FC236}">
+                <a16:creationId xmlns:a16="http://schemas.microsoft.com/office/drawing/2014/main" id="{A8923565-92FA-44BD-9479-4F0CEC15742D}"/>
+              </a:ext>
+            </a:extLst>
+          </p:cNvPr>
+          <p:cNvSpPr/>
+          <p:nvPr/>
+        </p:nvSpPr>
+        <p:spPr>
+          <a:xfrm>
+            <a:off x="7044517" y="2177653"/>
+            <a:ext cx="91440" cy="91440"/>
+          </a:xfrm>
+          <a:prstGeom prst="rect">
+            <a:avLst/>
+          </a:prstGeom>
+          <a:noFill/>
+        </p:spPr>
+        <p:style>
+          <a:lnRef idx="2">
+            <a:schemeClr val="dk1"/>
+          </a:lnRef>
+          <a:fillRef idx="1">
+            <a:schemeClr val="lt1"/>
+          </a:fillRef>
+          <a:effectRef idx="0">
+            <a:schemeClr val="dk1"/>
+          </a:effectRef>
+          <a:fontRef idx="minor">
+            <a:schemeClr val="dk1"/>
+          </a:fontRef>
+        </p:style>
+        <p:txBody>
+          <a:bodyPr rtlCol="0" anchor="ctr"/>
+          <a:lstStyle/>
+          <a:p>
+            <a:pPr algn="ctr"/>
+            <a:endParaRPr lang="en-US"/>
+          </a:p>
+        </p:txBody>
+      </p:sp>
+      <p:sp>
+        <p:nvSpPr>
+          <p:cNvPr id="34" name="TextBox 33">
+            <a:extLst>
+              <a:ext uri="{FF2B5EF4-FFF2-40B4-BE49-F238E27FC236}">
+                <a16:creationId xmlns:a16="http://schemas.microsoft.com/office/drawing/2014/main" id="{0E36747E-05F9-48FD-8122-81A9A23E132F}"/>
+              </a:ext>
+            </a:extLst>
+          </p:cNvPr>
+          <p:cNvSpPr txBox="1"/>
+          <p:nvPr/>
+        </p:nvSpPr>
+        <p:spPr>
+          <a:xfrm>
+            <a:off x="2302971" y="3618323"/>
+            <a:ext cx="1983685" cy="369332"/>
+          </a:xfrm>
+          <a:prstGeom prst="rect">
+            <a:avLst/>
+          </a:prstGeom>
+          <a:noFill/>
+        </p:spPr>
+        <p:txBody>
+          <a:bodyPr wrap="none" rtlCol="0">
+            <a:spAutoFit/>
+          </a:bodyPr>
+          <a:lstStyle/>
+          <a:p>
+            <a:r>
+              <a:rPr lang="en-US" dirty="0"/>
+              <a:t>Side View of Beam</a:t>
+            </a:r>
+          </a:p>
+        </p:txBody>
+      </p:sp>
+      <p:sp>
+        <p:nvSpPr>
+          <p:cNvPr id="35" name="TextBox 34">
+            <a:extLst>
+              <a:ext uri="{FF2B5EF4-FFF2-40B4-BE49-F238E27FC236}">
+                <a16:creationId xmlns:a16="http://schemas.microsoft.com/office/drawing/2014/main" id="{4D2859B4-938A-47EB-93E7-033F95CC1646}"/>
+              </a:ext>
+            </a:extLst>
+          </p:cNvPr>
+          <p:cNvSpPr txBox="1"/>
+          <p:nvPr/>
+        </p:nvSpPr>
+        <p:spPr>
+          <a:xfrm>
+            <a:off x="6231872" y="3560762"/>
+            <a:ext cx="2264851" cy="369332"/>
+          </a:xfrm>
+          <a:prstGeom prst="rect">
+            <a:avLst/>
+          </a:prstGeom>
+          <a:noFill/>
+        </p:spPr>
+        <p:txBody>
+          <a:bodyPr wrap="none" rtlCol="0">
+            <a:spAutoFit/>
+          </a:bodyPr>
+          <a:lstStyle/>
+          <a:p>
+            <a:r>
+              <a:rPr lang="en-US" dirty="0"/>
+              <a:t>Cross Section of Beam</a:t>
             </a:r>
           </a:p>
         </p:txBody>
@@ -8839,8 +12392,8 @@
           </a:p>
         </p:txBody>
       </p:sp>
-      <mc:AlternateContent xmlns:mc="http://schemas.openxmlformats.org/markup-compatibility/2006">
-        <mc:Choice xmlns:a14="http://schemas.microsoft.com/office/drawing/2010/main" Requires="a14">
+      <mc:AlternateContent xmlns:mc="http://schemas.openxmlformats.org/markup-compatibility/2006" xmlns:a14="http://schemas.microsoft.com/office/drawing/2010/main">
+        <mc:Choice Requires="a14">
           <p:sp>
             <p:nvSpPr>
               <p:cNvPr id="3" name="Content Placeholder 2"/>
@@ -9325,7 +12878,7 @@
             </p:txBody>
           </p:sp>
         </mc:Choice>
-        <mc:Fallback>
+        <mc:Fallback xmlns="">
           <p:sp>
             <p:nvSpPr>
               <p:cNvPr id="3" name="Content Placeholder 2"/>
@@ -9721,60 +13274,6 @@
           <a:chExt cx="0" cy="0"/>
         </a:xfrm>
       </p:grpSpPr>
-      <p:pic>
-        <p:nvPicPr>
-          <p:cNvPr id="1026" name="Picture 2"/>
-          <p:cNvPicPr>
-            <a:picLocks noChangeAspect="1" noChangeArrowheads="1"/>
-          </p:cNvPicPr>
-          <p:nvPr/>
-        </p:nvPicPr>
-        <p:blipFill>
-          <a:blip r:embed="rId2">
-            <a:extLst>
-              <a:ext uri="{28A0092B-C50C-407E-A947-70E740481C1C}">
-                <a14:useLocalDpi xmlns:a14="http://schemas.microsoft.com/office/drawing/2010/main" val="0"/>
-              </a:ext>
-            </a:extLst>
-          </a:blip>
-          <a:srcRect/>
-          <a:stretch>
-            <a:fillRect/>
-          </a:stretch>
-        </p:blipFill>
-        <p:spPr bwMode="auto">
-          <a:xfrm>
-            <a:off x="676275" y="1295400"/>
-            <a:ext cx="7934325" cy="5448300"/>
-          </a:xfrm>
-          <a:prstGeom prst="rect">
-            <a:avLst/>
-          </a:prstGeom>
-          <a:noFill/>
-          <a:ln>
-            <a:noFill/>
-          </a:ln>
-          <a:extLst>
-            <a:ext uri="{909E8E84-426E-40DD-AFC4-6F175D3DCCD1}">
-              <a14:hiddenFill xmlns:a14="http://schemas.microsoft.com/office/drawing/2010/main">
-                <a:solidFill>
-                  <a:schemeClr val="accent1"/>
-                </a:solidFill>
-              </a14:hiddenFill>
-            </a:ext>
-            <a:ext uri="{91240B29-F687-4F45-9708-019B960494DF}">
-              <a14:hiddenLine xmlns:a14="http://schemas.microsoft.com/office/drawing/2010/main" w="9525">
-                <a:solidFill>
-                  <a:schemeClr val="tx1"/>
-                </a:solidFill>
-                <a:miter lim="800000"/>
-                <a:headEnd/>
-                <a:tailEnd/>
-              </a14:hiddenLine>
-            </a:ext>
-          </a:extLst>
-        </p:spPr>
-      </p:pic>
       <p:sp>
         <p:nvSpPr>
           <p:cNvPr id="2" name="Title 1"/>
@@ -9822,6 +13321,1251 @@
           </a:p>
         </p:txBody>
       </p:sp>
+      <p:sp>
+        <p:nvSpPr>
+          <p:cNvPr id="5" name="Oval 4">
+            <a:extLst>
+              <a:ext uri="{FF2B5EF4-FFF2-40B4-BE49-F238E27FC236}">
+                <a16:creationId xmlns:a16="http://schemas.microsoft.com/office/drawing/2014/main" id="{B81AE5B1-DD50-426F-9EF8-C1340C6DD7DC}"/>
+              </a:ext>
+            </a:extLst>
+          </p:cNvPr>
+          <p:cNvSpPr/>
+          <p:nvPr/>
+        </p:nvSpPr>
+        <p:spPr>
+          <a:xfrm>
+            <a:off x="512618" y="2731777"/>
+            <a:ext cx="2693794" cy="3211823"/>
+          </a:xfrm>
+          <a:prstGeom prst="ellipse">
+            <a:avLst/>
+          </a:prstGeom>
+          <a:solidFill>
+            <a:schemeClr val="accent1">
+              <a:lumMod val="60000"/>
+              <a:lumOff val="40000"/>
+            </a:schemeClr>
+          </a:solidFill>
+        </p:spPr>
+        <p:style>
+          <a:lnRef idx="2">
+            <a:schemeClr val="accent1">
+              <a:shade val="50000"/>
+            </a:schemeClr>
+          </a:lnRef>
+          <a:fillRef idx="1">
+            <a:schemeClr val="accent1"/>
+          </a:fillRef>
+          <a:effectRef idx="0">
+            <a:schemeClr val="accent1"/>
+          </a:effectRef>
+          <a:fontRef idx="minor">
+            <a:schemeClr val="lt1"/>
+          </a:fontRef>
+        </p:style>
+        <p:txBody>
+          <a:bodyPr rtlCol="0" anchor="ctr"/>
+          <a:lstStyle/>
+          <a:p>
+            <a:pPr algn="ctr"/>
+            <a:endParaRPr lang="en-US"/>
+          </a:p>
+        </p:txBody>
+      </p:sp>
+      <p:sp>
+        <p:nvSpPr>
+          <p:cNvPr id="6" name="TextBox 5">
+            <a:extLst>
+              <a:ext uri="{FF2B5EF4-FFF2-40B4-BE49-F238E27FC236}">
+                <a16:creationId xmlns:a16="http://schemas.microsoft.com/office/drawing/2014/main" id="{9107877E-9263-43CB-8A2C-A47816E95526}"/>
+              </a:ext>
+            </a:extLst>
+          </p:cNvPr>
+          <p:cNvSpPr txBox="1"/>
+          <p:nvPr/>
+        </p:nvSpPr>
+        <p:spPr>
+          <a:xfrm>
+            <a:off x="3581400" y="4146243"/>
+            <a:ext cx="284052" cy="369332"/>
+          </a:xfrm>
+          <a:prstGeom prst="rect">
+            <a:avLst/>
+          </a:prstGeom>
+          <a:noFill/>
+        </p:spPr>
+        <p:txBody>
+          <a:bodyPr wrap="none" rtlCol="0">
+            <a:spAutoFit/>
+          </a:bodyPr>
+          <a:lstStyle/>
+          <a:p>
+            <a:r>
+              <a:rPr lang="en-US" dirty="0"/>
+              <a:t>x</a:t>
+            </a:r>
+          </a:p>
+        </p:txBody>
+      </p:sp>
+      <p:sp>
+        <p:nvSpPr>
+          <p:cNvPr id="7" name="TextBox 6">
+            <a:extLst>
+              <a:ext uri="{FF2B5EF4-FFF2-40B4-BE49-F238E27FC236}">
+                <a16:creationId xmlns:a16="http://schemas.microsoft.com/office/drawing/2014/main" id="{D510C672-FF96-44B8-81A8-692F4CFA4630}"/>
+              </a:ext>
+            </a:extLst>
+          </p:cNvPr>
+          <p:cNvSpPr txBox="1"/>
+          <p:nvPr/>
+        </p:nvSpPr>
+        <p:spPr>
+          <a:xfrm>
+            <a:off x="1705151" y="1584116"/>
+            <a:ext cx="288862" cy="369332"/>
+          </a:xfrm>
+          <a:prstGeom prst="rect">
+            <a:avLst/>
+          </a:prstGeom>
+          <a:noFill/>
+        </p:spPr>
+        <p:txBody>
+          <a:bodyPr wrap="none" rtlCol="0">
+            <a:spAutoFit/>
+          </a:bodyPr>
+          <a:lstStyle/>
+          <a:p>
+            <a:r>
+              <a:rPr lang="en-US" dirty="0"/>
+              <a:t>y</a:t>
+            </a:r>
+          </a:p>
+        </p:txBody>
+      </p:sp>
+      <p:cxnSp>
+        <p:nvCxnSpPr>
+          <p:cNvPr id="8" name="Straight Arrow Connector 7">
+            <a:extLst>
+              <a:ext uri="{FF2B5EF4-FFF2-40B4-BE49-F238E27FC236}">
+                <a16:creationId xmlns:a16="http://schemas.microsoft.com/office/drawing/2014/main" id="{00B35587-E904-4F0F-91B1-960717182211}"/>
+              </a:ext>
+            </a:extLst>
+          </p:cNvPr>
+          <p:cNvCxnSpPr/>
+          <p:nvPr/>
+        </p:nvCxnSpPr>
+        <p:spPr>
+          <a:xfrm flipV="1">
+            <a:off x="1849582" y="4330909"/>
+            <a:ext cx="1713973" cy="6224"/>
+          </a:xfrm>
+          <a:prstGeom prst="straightConnector1">
+            <a:avLst/>
+          </a:prstGeom>
+          <a:ln>
+            <a:tailEnd type="arrow"/>
+          </a:ln>
+        </p:spPr>
+        <p:style>
+          <a:lnRef idx="2">
+            <a:schemeClr val="dk1"/>
+          </a:lnRef>
+          <a:fillRef idx="0">
+            <a:schemeClr val="dk1"/>
+          </a:fillRef>
+          <a:effectRef idx="1">
+            <a:schemeClr val="dk1"/>
+          </a:effectRef>
+          <a:fontRef idx="minor">
+            <a:schemeClr val="tx1"/>
+          </a:fontRef>
+        </p:style>
+      </p:cxnSp>
+      <p:cxnSp>
+        <p:nvCxnSpPr>
+          <p:cNvPr id="9" name="Straight Arrow Connector 8">
+            <a:extLst>
+              <a:ext uri="{FF2B5EF4-FFF2-40B4-BE49-F238E27FC236}">
+                <a16:creationId xmlns:a16="http://schemas.microsoft.com/office/drawing/2014/main" id="{7F51C435-8B71-4724-B557-87BF9F937F60}"/>
+              </a:ext>
+            </a:extLst>
+          </p:cNvPr>
+          <p:cNvCxnSpPr/>
+          <p:nvPr/>
+        </p:nvCxnSpPr>
+        <p:spPr>
+          <a:xfrm flipV="1">
+            <a:off x="1859973" y="1980766"/>
+            <a:ext cx="0" cy="2361811"/>
+          </a:xfrm>
+          <a:prstGeom prst="straightConnector1">
+            <a:avLst/>
+          </a:prstGeom>
+          <a:ln>
+            <a:tailEnd type="arrow"/>
+          </a:ln>
+        </p:spPr>
+        <p:style>
+          <a:lnRef idx="2">
+            <a:schemeClr val="dk1"/>
+          </a:lnRef>
+          <a:fillRef idx="0">
+            <a:schemeClr val="dk1"/>
+          </a:fillRef>
+          <a:effectRef idx="1">
+            <a:schemeClr val="dk1"/>
+          </a:effectRef>
+          <a:fontRef idx="minor">
+            <a:schemeClr val="tx1"/>
+          </a:fontRef>
+        </p:style>
+      </p:cxnSp>
+      <p:sp>
+        <p:nvSpPr>
+          <p:cNvPr id="10" name="Rectangle 9">
+            <a:extLst>
+              <a:ext uri="{FF2B5EF4-FFF2-40B4-BE49-F238E27FC236}">
+                <a16:creationId xmlns:a16="http://schemas.microsoft.com/office/drawing/2014/main" id="{25996E79-2AC7-4C57-B342-97D295C7F991}"/>
+              </a:ext>
+            </a:extLst>
+          </p:cNvPr>
+          <p:cNvSpPr/>
+          <p:nvPr/>
+        </p:nvSpPr>
+        <p:spPr>
+          <a:xfrm>
+            <a:off x="640773" y="3630225"/>
+            <a:ext cx="2438399" cy="45719"/>
+          </a:xfrm>
+          <a:prstGeom prst="rect">
+            <a:avLst/>
+          </a:prstGeom>
+        </p:spPr>
+        <p:style>
+          <a:lnRef idx="2">
+            <a:schemeClr val="accent1">
+              <a:shade val="50000"/>
+            </a:schemeClr>
+          </a:lnRef>
+          <a:fillRef idx="1">
+            <a:schemeClr val="accent1"/>
+          </a:fillRef>
+          <a:effectRef idx="0">
+            <a:schemeClr val="accent1"/>
+          </a:effectRef>
+          <a:fontRef idx="minor">
+            <a:schemeClr val="lt1"/>
+          </a:fontRef>
+        </p:style>
+        <p:txBody>
+          <a:bodyPr rtlCol="0" anchor="ctr"/>
+          <a:lstStyle/>
+          <a:p>
+            <a:pPr algn="ctr"/>
+            <a:endParaRPr lang="en-US"/>
+          </a:p>
+        </p:txBody>
+      </p:sp>
+      <mc:AlternateContent xmlns:mc="http://schemas.openxmlformats.org/markup-compatibility/2006">
+        <mc:Choice xmlns:a14="http://schemas.microsoft.com/office/drawing/2010/main" Requires="a14">
+          <p:sp>
+            <p:nvSpPr>
+              <p:cNvPr id="11" name="Rectangle 10">
+                <a:extLst>
+                  <a:ext uri="{FF2B5EF4-FFF2-40B4-BE49-F238E27FC236}">
+                    <a16:creationId xmlns:a16="http://schemas.microsoft.com/office/drawing/2014/main" id="{2E4A2404-F7F8-4CC5-B9A3-31108D0DB91A}"/>
+                  </a:ext>
+                </a:extLst>
+              </p:cNvPr>
+              <p:cNvSpPr/>
+              <p:nvPr/>
+            </p:nvSpPr>
+            <p:spPr>
+              <a:xfrm>
+                <a:off x="3468388" y="3371741"/>
+                <a:ext cx="510076" cy="369332"/>
+              </a:xfrm>
+              <a:prstGeom prst="rect">
+                <a:avLst/>
+              </a:prstGeom>
+            </p:spPr>
+            <p:txBody>
+              <a:bodyPr wrap="none">
+                <a:spAutoFit/>
+              </a:bodyPr>
+              <a:lstStyle/>
+              <a:p>
+                <a:pPr/>
+                <a14:m>
+                  <m:oMathPara xmlns:m="http://schemas.openxmlformats.org/officeDocument/2006/math">
+                    <m:oMathParaPr>
+                      <m:jc m:val="centerGroup"/>
+                    </m:oMathParaPr>
+                    <m:oMath xmlns:m="http://schemas.openxmlformats.org/officeDocument/2006/math">
+                      <m:r>
+                        <m:rPr>
+                          <m:sty m:val="p"/>
+                        </m:rPr>
+                        <a:rPr lang="en-US" smtClean="0">
+                          <a:latin typeface="Cambria Math"/>
+                        </a:rPr>
+                        <m:t>d</m:t>
+                      </m:r>
+                      <m:r>
+                        <m:rPr>
+                          <m:sty m:val="p"/>
+                        </m:rPr>
+                        <a:rPr lang="en-US" b="0" i="0" smtClean="0">
+                          <a:latin typeface="Cambria Math"/>
+                        </a:rPr>
+                        <m:t>A</m:t>
+                      </m:r>
+                    </m:oMath>
+                  </m:oMathPara>
+                </a14:m>
+                <a:endParaRPr lang="en-US" dirty="0"/>
+              </a:p>
+            </p:txBody>
+          </p:sp>
+        </mc:Choice>
+        <mc:Fallback>
+          <p:sp>
+            <p:nvSpPr>
+              <p:cNvPr id="11" name="Rectangle 10">
+                <a:extLst>
+                  <a:ext uri="{FF2B5EF4-FFF2-40B4-BE49-F238E27FC236}">
+                    <a16:creationId xmlns:a16="http://schemas.microsoft.com/office/drawing/2014/main" id="{2E4A2404-F7F8-4CC5-B9A3-31108D0DB91A}"/>
+                  </a:ext>
+                </a:extLst>
+              </p:cNvPr>
+              <p:cNvSpPr>
+                <a:spLocks noRot="1" noChangeAspect="1" noMove="1" noResize="1" noEditPoints="1" noAdjustHandles="1" noChangeArrowheads="1" noChangeShapeType="1" noTextEdit="1"/>
+              </p:cNvSpPr>
+              <p:nvPr/>
+            </p:nvSpPr>
+            <p:spPr>
+              <a:xfrm>
+                <a:off x="3468388" y="3371741"/>
+                <a:ext cx="510076" cy="369332"/>
+              </a:xfrm>
+              <a:prstGeom prst="rect">
+                <a:avLst/>
+              </a:prstGeom>
+              <a:blipFill>
+                <a:blip r:embed="rId2"/>
+                <a:stretch>
+                  <a:fillRect/>
+                </a:stretch>
+              </a:blipFill>
+            </p:spPr>
+            <p:txBody>
+              <a:bodyPr/>
+              <a:lstStyle/>
+              <a:p>
+                <a:r>
+                  <a:rPr lang="en-US">
+                    <a:noFill/>
+                  </a:rPr>
+                  <a:t> </a:t>
+                </a:r>
+              </a:p>
+            </p:txBody>
+          </p:sp>
+        </mc:Fallback>
+      </mc:AlternateContent>
+      <p:cxnSp>
+        <p:nvCxnSpPr>
+          <p:cNvPr id="12" name="Straight Arrow Connector 11">
+            <a:extLst>
+              <a:ext uri="{FF2B5EF4-FFF2-40B4-BE49-F238E27FC236}">
+                <a16:creationId xmlns:a16="http://schemas.microsoft.com/office/drawing/2014/main" id="{1B56F881-E54B-43C0-82DF-25C333E764BD}"/>
+              </a:ext>
+            </a:extLst>
+          </p:cNvPr>
+          <p:cNvCxnSpPr/>
+          <p:nvPr/>
+        </p:nvCxnSpPr>
+        <p:spPr>
+          <a:xfrm flipH="1">
+            <a:off x="7391400" y="3061303"/>
+            <a:ext cx="162774" cy="620877"/>
+          </a:xfrm>
+          <a:prstGeom prst="straightConnector1">
+            <a:avLst/>
+          </a:prstGeom>
+          <a:ln>
+            <a:tailEnd type="arrow"/>
+          </a:ln>
+        </p:spPr>
+        <p:style>
+          <a:lnRef idx="1">
+            <a:schemeClr val="dk1"/>
+          </a:lnRef>
+          <a:fillRef idx="0">
+            <a:schemeClr val="dk1"/>
+          </a:fillRef>
+          <a:effectRef idx="0">
+            <a:schemeClr val="dk1"/>
+          </a:effectRef>
+          <a:fontRef idx="minor">
+            <a:schemeClr val="tx1"/>
+          </a:fontRef>
+        </p:style>
+      </p:cxnSp>
+      <mc:AlternateContent xmlns:mc="http://schemas.openxmlformats.org/markup-compatibility/2006">
+        <mc:Choice xmlns:a14="http://schemas.microsoft.com/office/drawing/2010/main" Requires="a14">
+          <p:sp>
+            <p:nvSpPr>
+              <p:cNvPr id="13" name="Rectangle 12">
+                <a:extLst>
+                  <a:ext uri="{FF2B5EF4-FFF2-40B4-BE49-F238E27FC236}">
+                    <a16:creationId xmlns:a16="http://schemas.microsoft.com/office/drawing/2014/main" id="{5F66FE2E-4776-4C58-8271-52DD19F583CE}"/>
+                  </a:ext>
+                </a:extLst>
+              </p:cNvPr>
+              <p:cNvSpPr/>
+              <p:nvPr/>
+            </p:nvSpPr>
+            <p:spPr>
+              <a:xfrm>
+                <a:off x="4719673" y="3427826"/>
+                <a:ext cx="3867213" cy="1220462"/>
+              </a:xfrm>
+              <a:prstGeom prst="rect">
+                <a:avLst/>
+              </a:prstGeom>
+            </p:spPr>
+            <p:txBody>
+              <a:bodyPr wrap="none">
+                <a:spAutoFit/>
+              </a:bodyPr>
+              <a:lstStyle/>
+              <a:p>
+                <a:pPr/>
+                <a14:m>
+                  <m:oMathPara xmlns:m="http://schemas.openxmlformats.org/officeDocument/2006/math">
+                    <m:oMathParaPr>
+                      <m:jc m:val="centerGroup"/>
+                    </m:oMathParaPr>
+                    <m:oMath xmlns:m="http://schemas.openxmlformats.org/officeDocument/2006/math">
+                      <m:sSub>
+                        <m:sSubPr>
+                          <m:ctrlPr>
+                            <a:rPr lang="en-US" sz="3200" i="1" smtClean="0">
+                              <a:latin typeface="Cambria Math" panose="02040503050406030204" pitchFamily="18" charset="0"/>
+                            </a:rPr>
+                          </m:ctrlPr>
+                        </m:sSubPr>
+                        <m:e>
+                          <m:r>
+                            <a:rPr lang="en-US" sz="3200" b="0" i="1" smtClean="0">
+                              <a:latin typeface="Cambria Math"/>
+                            </a:rPr>
+                            <m:t>𝐼</m:t>
+                          </m:r>
+                        </m:e>
+                        <m:sub>
+                          <m:r>
+                            <a:rPr lang="en-US" sz="3200" b="0" i="1" smtClean="0">
+                              <a:latin typeface="Cambria Math"/>
+                            </a:rPr>
+                            <m:t>𝑥𝑥</m:t>
+                          </m:r>
+                        </m:sub>
+                      </m:sSub>
+                      <m:r>
+                        <a:rPr lang="en-US" sz="3200" i="0">
+                          <a:latin typeface="Cambria Math"/>
+                        </a:rPr>
+                        <m:t>=</m:t>
+                      </m:r>
+                      <m:nary>
+                        <m:naryPr>
+                          <m:ctrlPr>
+                            <a:rPr lang="en-US" sz="3200" i="1">
+                              <a:latin typeface="Cambria Math" panose="02040503050406030204" pitchFamily="18" charset="0"/>
+                            </a:rPr>
+                          </m:ctrlPr>
+                        </m:naryPr>
+                        <m:sub>
+                          <m:r>
+                            <m:rPr>
+                              <m:sty m:val="p"/>
+                            </m:rPr>
+                            <a:rPr lang="en-US" sz="3200" b="0" i="0" smtClean="0">
+                              <a:latin typeface="Cambria Math"/>
+                            </a:rPr>
+                            <m:t>y</m:t>
+                          </m:r>
+                          <m:r>
+                            <a:rPr lang="en-US" sz="3200">
+                              <a:latin typeface="Cambria Math"/>
+                            </a:rPr>
+                            <m:t> </m:t>
+                          </m:r>
+                          <m:r>
+                            <m:rPr>
+                              <m:sty m:val="p"/>
+                            </m:rPr>
+                            <a:rPr lang="en-US" sz="3200">
+                              <a:latin typeface="Cambria Math"/>
+                            </a:rPr>
+                            <m:t>min</m:t>
+                          </m:r>
+                        </m:sub>
+                        <m:sup>
+                          <m:r>
+                            <m:rPr>
+                              <m:sty m:val="p"/>
+                            </m:rPr>
+                            <a:rPr lang="en-US" sz="3200" b="0" i="0" smtClean="0">
+                              <a:latin typeface="Cambria Math"/>
+                            </a:rPr>
+                            <m:t>y</m:t>
+                          </m:r>
+                          <m:r>
+                            <a:rPr lang="en-US" sz="3200">
+                              <a:latin typeface="Cambria Math"/>
+                            </a:rPr>
+                            <m:t> </m:t>
+                          </m:r>
+                          <m:r>
+                            <m:rPr>
+                              <m:sty m:val="p"/>
+                            </m:rPr>
+                            <a:rPr lang="en-US" sz="3200">
+                              <a:latin typeface="Cambria Math"/>
+                            </a:rPr>
+                            <m:t>max</m:t>
+                          </m:r>
+                          <m:r>
+                            <a:rPr lang="en-US" sz="3200">
+                              <a:latin typeface="Cambria Math"/>
+                            </a:rPr>
+                            <m:t> </m:t>
+                          </m:r>
+                        </m:sup>
+                        <m:e>
+                          <m:r>
+                            <m:rPr>
+                              <m:sty m:val="p"/>
+                            </m:rPr>
+                            <a:rPr lang="en-US" sz="3200">
+                              <a:latin typeface="Cambria Math"/>
+                            </a:rPr>
+                            <m:t>dA</m:t>
+                          </m:r>
+                          <m:r>
+                            <a:rPr lang="en-US" sz="3200">
+                              <a:latin typeface="Cambria Math"/>
+                            </a:rPr>
+                            <m:t>∗</m:t>
+                          </m:r>
+                          <m:sSup>
+                            <m:sSupPr>
+                              <m:ctrlPr>
+                                <a:rPr lang="en-US" sz="3200" i="1" smtClean="0">
+                                  <a:latin typeface="Cambria Math" panose="02040503050406030204" pitchFamily="18" charset="0"/>
+                                </a:rPr>
+                              </m:ctrlPr>
+                            </m:sSupPr>
+                            <m:e>
+                              <m:r>
+                                <a:rPr lang="en-US" sz="3200" b="0" i="1" smtClean="0">
+                                  <a:latin typeface="Cambria Math"/>
+                                </a:rPr>
+                                <m:t>𝑦</m:t>
+                              </m:r>
+                            </m:e>
+                            <m:sup>
+                              <m:r>
+                                <a:rPr lang="en-US" sz="3200" b="0" i="1" smtClean="0">
+                                  <a:latin typeface="Cambria Math"/>
+                                </a:rPr>
+                                <m:t>2</m:t>
+                              </m:r>
+                            </m:sup>
+                          </m:sSup>
+                        </m:e>
+                      </m:nary>
+                    </m:oMath>
+                  </m:oMathPara>
+                </a14:m>
+                <a:endParaRPr lang="en-US" sz="3200" dirty="0"/>
+              </a:p>
+            </p:txBody>
+          </p:sp>
+        </mc:Choice>
+        <mc:Fallback>
+          <p:sp>
+            <p:nvSpPr>
+              <p:cNvPr id="13" name="Rectangle 12">
+                <a:extLst>
+                  <a:ext uri="{FF2B5EF4-FFF2-40B4-BE49-F238E27FC236}">
+                    <a16:creationId xmlns:a16="http://schemas.microsoft.com/office/drawing/2014/main" id="{5F66FE2E-4776-4C58-8271-52DD19F583CE}"/>
+                  </a:ext>
+                </a:extLst>
+              </p:cNvPr>
+              <p:cNvSpPr>
+                <a:spLocks noRot="1" noChangeAspect="1" noMove="1" noResize="1" noEditPoints="1" noAdjustHandles="1" noChangeArrowheads="1" noChangeShapeType="1" noTextEdit="1"/>
+              </p:cNvSpPr>
+              <p:nvPr/>
+            </p:nvSpPr>
+            <p:spPr>
+              <a:xfrm>
+                <a:off x="4719673" y="3427826"/>
+                <a:ext cx="3867213" cy="1220462"/>
+              </a:xfrm>
+              <a:prstGeom prst="rect">
+                <a:avLst/>
+              </a:prstGeom>
+              <a:blipFill>
+                <a:blip r:embed="rId3"/>
+                <a:stretch>
+                  <a:fillRect/>
+                </a:stretch>
+              </a:blipFill>
+            </p:spPr>
+            <p:txBody>
+              <a:bodyPr/>
+              <a:lstStyle/>
+              <a:p>
+                <a:r>
+                  <a:rPr lang="en-US">
+                    <a:noFill/>
+                  </a:rPr>
+                  <a:t> </a:t>
+                </a:r>
+              </a:p>
+            </p:txBody>
+          </p:sp>
+        </mc:Fallback>
+      </mc:AlternateContent>
+      <p:cxnSp>
+        <p:nvCxnSpPr>
+          <p:cNvPr id="14" name="Straight Arrow Connector 13">
+            <a:extLst>
+              <a:ext uri="{FF2B5EF4-FFF2-40B4-BE49-F238E27FC236}">
+                <a16:creationId xmlns:a16="http://schemas.microsoft.com/office/drawing/2014/main" id="{6AD6D5F8-55A1-4850-BC53-180E08D99FF7}"/>
+              </a:ext>
+            </a:extLst>
+          </p:cNvPr>
+          <p:cNvCxnSpPr>
+            <a:stCxn id="17" idx="0"/>
+          </p:cNvCxnSpPr>
+          <p:nvPr/>
+        </p:nvCxnSpPr>
+        <p:spPr>
+          <a:xfrm flipV="1">
+            <a:off x="4764864" y="4491895"/>
+            <a:ext cx="264336" cy="642126"/>
+          </a:xfrm>
+          <a:prstGeom prst="straightConnector1">
+            <a:avLst/>
+          </a:prstGeom>
+          <a:ln>
+            <a:tailEnd type="arrow"/>
+          </a:ln>
+        </p:spPr>
+        <p:style>
+          <a:lnRef idx="1">
+            <a:schemeClr val="dk1"/>
+          </a:lnRef>
+          <a:fillRef idx="0">
+            <a:schemeClr val="dk1"/>
+          </a:fillRef>
+          <a:effectRef idx="0">
+            <a:schemeClr val="dk1"/>
+          </a:effectRef>
+          <a:fontRef idx="minor">
+            <a:schemeClr val="tx1"/>
+          </a:fontRef>
+        </p:style>
+      </p:cxnSp>
+      <p:cxnSp>
+        <p:nvCxnSpPr>
+          <p:cNvPr id="15" name="Straight Arrow Connector 14">
+            <a:extLst>
+              <a:ext uri="{FF2B5EF4-FFF2-40B4-BE49-F238E27FC236}">
+                <a16:creationId xmlns:a16="http://schemas.microsoft.com/office/drawing/2014/main" id="{5EEC968B-5C58-48AE-9A74-E7FBDBE211A9}"/>
+              </a:ext>
+            </a:extLst>
+          </p:cNvPr>
+          <p:cNvCxnSpPr/>
+          <p:nvPr/>
+        </p:nvCxnSpPr>
+        <p:spPr>
+          <a:xfrm flipV="1">
+            <a:off x="6324600" y="4732365"/>
+            <a:ext cx="0" cy="567024"/>
+          </a:xfrm>
+          <a:prstGeom prst="straightConnector1">
+            <a:avLst/>
+          </a:prstGeom>
+          <a:ln>
+            <a:tailEnd type="arrow"/>
+          </a:ln>
+        </p:spPr>
+        <p:style>
+          <a:lnRef idx="1">
+            <a:schemeClr val="dk1"/>
+          </a:lnRef>
+          <a:fillRef idx="0">
+            <a:schemeClr val="dk1"/>
+          </a:fillRef>
+          <a:effectRef idx="0">
+            <a:schemeClr val="dk1"/>
+          </a:effectRef>
+          <a:fontRef idx="minor">
+            <a:schemeClr val="tx1"/>
+          </a:fontRef>
+        </p:style>
+      </p:cxnSp>
+      <p:cxnSp>
+        <p:nvCxnSpPr>
+          <p:cNvPr id="16" name="Straight Arrow Connector 15">
+            <a:extLst>
+              <a:ext uri="{FF2B5EF4-FFF2-40B4-BE49-F238E27FC236}">
+                <a16:creationId xmlns:a16="http://schemas.microsoft.com/office/drawing/2014/main" id="{5B896700-F5C2-4E4F-8842-C125B0E13F77}"/>
+              </a:ext>
+            </a:extLst>
+          </p:cNvPr>
+          <p:cNvCxnSpPr/>
+          <p:nvPr/>
+        </p:nvCxnSpPr>
+        <p:spPr>
+          <a:xfrm>
+            <a:off x="6040033" y="2949246"/>
+            <a:ext cx="436967" cy="435820"/>
+          </a:xfrm>
+          <a:prstGeom prst="straightConnector1">
+            <a:avLst/>
+          </a:prstGeom>
+          <a:ln>
+            <a:tailEnd type="arrow"/>
+          </a:ln>
+        </p:spPr>
+        <p:style>
+          <a:lnRef idx="1">
+            <a:schemeClr val="dk1"/>
+          </a:lnRef>
+          <a:fillRef idx="0">
+            <a:schemeClr val="dk1"/>
+          </a:fillRef>
+          <a:effectRef idx="0">
+            <a:schemeClr val="dk1"/>
+          </a:effectRef>
+          <a:fontRef idx="minor">
+            <a:schemeClr val="tx1"/>
+          </a:fontRef>
+        </p:style>
+      </p:cxnSp>
+      <p:sp>
+        <p:nvSpPr>
+          <p:cNvPr id="17" name="TextBox 16">
+            <a:extLst>
+              <a:ext uri="{FF2B5EF4-FFF2-40B4-BE49-F238E27FC236}">
+                <a16:creationId xmlns:a16="http://schemas.microsoft.com/office/drawing/2014/main" id="{6DCA7F54-06AC-41F5-A0D5-61391A47F5C1}"/>
+              </a:ext>
+            </a:extLst>
+          </p:cNvPr>
+          <p:cNvSpPr txBox="1"/>
+          <p:nvPr/>
+        </p:nvSpPr>
+        <p:spPr>
+          <a:xfrm>
+            <a:off x="3962400" y="5134021"/>
+            <a:ext cx="1604927" cy="923330"/>
+          </a:xfrm>
+          <a:prstGeom prst="rect">
+            <a:avLst/>
+          </a:prstGeom>
+          <a:noFill/>
+        </p:spPr>
+        <p:txBody>
+          <a:bodyPr wrap="square" rtlCol="0">
+            <a:spAutoFit/>
+          </a:bodyPr>
+          <a:lstStyle/>
+          <a:p>
+            <a:pPr algn="ctr"/>
+            <a:r>
+              <a:rPr lang="en-US" dirty="0"/>
+              <a:t>Moment of Inertia about X axis</a:t>
+            </a:r>
+          </a:p>
+        </p:txBody>
+      </p:sp>
+      <p:sp>
+        <p:nvSpPr>
+          <p:cNvPr id="18" name="TextBox 17">
+            <a:extLst>
+              <a:ext uri="{FF2B5EF4-FFF2-40B4-BE49-F238E27FC236}">
+                <a16:creationId xmlns:a16="http://schemas.microsoft.com/office/drawing/2014/main" id="{A23D69BC-98E6-4933-ABAA-1096FC0EB7E5}"/>
+              </a:ext>
+            </a:extLst>
+          </p:cNvPr>
+          <p:cNvSpPr txBox="1"/>
+          <p:nvPr/>
+        </p:nvSpPr>
+        <p:spPr>
+          <a:xfrm>
+            <a:off x="5522136" y="5374079"/>
+            <a:ext cx="1604927" cy="1477328"/>
+          </a:xfrm>
+          <a:prstGeom prst="rect">
+            <a:avLst/>
+          </a:prstGeom>
+          <a:noFill/>
+        </p:spPr>
+        <p:txBody>
+          <a:bodyPr wrap="square" rtlCol="0">
+            <a:spAutoFit/>
+          </a:bodyPr>
+          <a:lstStyle/>
+          <a:p>
+            <a:pPr algn="ctr"/>
+            <a:r>
+              <a:rPr lang="en-US" dirty="0"/>
+              <a:t>The y position of the bottommost point on your shape</a:t>
+            </a:r>
+          </a:p>
+        </p:txBody>
+      </p:sp>
+      <p:sp>
+        <p:nvSpPr>
+          <p:cNvPr id="19" name="TextBox 18">
+            <a:extLst>
+              <a:ext uri="{FF2B5EF4-FFF2-40B4-BE49-F238E27FC236}">
+                <a16:creationId xmlns:a16="http://schemas.microsoft.com/office/drawing/2014/main" id="{D4B0FA3B-9758-4829-8D1B-A94AA7A36F5E}"/>
+              </a:ext>
+            </a:extLst>
+          </p:cNvPr>
+          <p:cNvSpPr txBox="1"/>
+          <p:nvPr/>
+        </p:nvSpPr>
+        <p:spPr>
+          <a:xfrm>
+            <a:off x="4648200" y="2048470"/>
+            <a:ext cx="2097865" cy="923330"/>
+          </a:xfrm>
+          <a:prstGeom prst="rect">
+            <a:avLst/>
+          </a:prstGeom>
+          <a:noFill/>
+        </p:spPr>
+        <p:txBody>
+          <a:bodyPr wrap="square" rtlCol="0">
+            <a:spAutoFit/>
+          </a:bodyPr>
+          <a:lstStyle/>
+          <a:p>
+            <a:pPr algn="ctr"/>
+            <a:r>
+              <a:rPr lang="en-US" dirty="0"/>
+              <a:t>The y position of the topmost point on your shape</a:t>
+            </a:r>
+          </a:p>
+        </p:txBody>
+      </p:sp>
+      <p:sp>
+        <p:nvSpPr>
+          <p:cNvPr id="20" name="TextBox 19">
+            <a:extLst>
+              <a:ext uri="{FF2B5EF4-FFF2-40B4-BE49-F238E27FC236}">
+                <a16:creationId xmlns:a16="http://schemas.microsoft.com/office/drawing/2014/main" id="{E11819B6-7B1F-4CFD-9E3D-B1D28643E8D1}"/>
+              </a:ext>
+            </a:extLst>
+          </p:cNvPr>
+          <p:cNvSpPr txBox="1"/>
+          <p:nvPr/>
+        </p:nvSpPr>
+        <p:spPr>
+          <a:xfrm>
+            <a:off x="7162800" y="1066800"/>
+            <a:ext cx="1716864" cy="2308324"/>
+          </a:xfrm>
+          <a:prstGeom prst="rect">
+            <a:avLst/>
+          </a:prstGeom>
+          <a:noFill/>
+        </p:spPr>
+        <p:txBody>
+          <a:bodyPr wrap="square" rtlCol="0">
+            <a:spAutoFit/>
+          </a:bodyPr>
+          <a:lstStyle/>
+          <a:p>
+            <a:pPr algn="ctr"/>
+            <a:r>
+              <a:rPr lang="en-US" dirty="0"/>
+              <a:t>The equation describing the width of the shape at any given value of y times the rate at which y is changing</a:t>
+            </a:r>
+          </a:p>
+        </p:txBody>
+      </p:sp>
+      <p:grpSp>
+        <p:nvGrpSpPr>
+          <p:cNvPr id="21" name="Group 20">
+            <a:extLst>
+              <a:ext uri="{FF2B5EF4-FFF2-40B4-BE49-F238E27FC236}">
+                <a16:creationId xmlns:a16="http://schemas.microsoft.com/office/drawing/2014/main" id="{0F54C790-47D2-4093-9BAC-879852D2EF6B}"/>
+              </a:ext>
+            </a:extLst>
+          </p:cNvPr>
+          <p:cNvGrpSpPr/>
+          <p:nvPr/>
+        </p:nvGrpSpPr>
+        <p:grpSpPr>
+          <a:xfrm rot="16200000">
+            <a:off x="1019072" y="3597955"/>
+            <a:ext cx="1676400" cy="1082180"/>
+            <a:chOff x="1073206" y="3100097"/>
+            <a:chExt cx="1676400" cy="1082180"/>
+          </a:xfrm>
+        </p:grpSpPr>
+        <p:cxnSp>
+          <p:nvCxnSpPr>
+            <p:cNvPr id="22" name="Straight Arrow Connector 21">
+              <a:extLst>
+                <a:ext uri="{FF2B5EF4-FFF2-40B4-BE49-F238E27FC236}">
+                  <a16:creationId xmlns:a16="http://schemas.microsoft.com/office/drawing/2014/main" id="{006DFAED-D1AF-42A2-8ECB-6BEF59694410}"/>
+                </a:ext>
+              </a:extLst>
+            </p:cNvPr>
+            <p:cNvCxnSpPr/>
+            <p:nvPr/>
+          </p:nvCxnSpPr>
+          <p:spPr>
+            <a:xfrm>
+              <a:off x="1073206" y="3100097"/>
+              <a:ext cx="1676400" cy="0"/>
+            </a:xfrm>
+            <a:prstGeom prst="straightConnector1">
+              <a:avLst/>
+            </a:prstGeom>
+            <a:ln>
+              <a:tailEnd type="arrow"/>
+            </a:ln>
+          </p:spPr>
+          <p:style>
+            <a:lnRef idx="2">
+              <a:schemeClr val="accent1"/>
+            </a:lnRef>
+            <a:fillRef idx="0">
+              <a:schemeClr val="accent1"/>
+            </a:fillRef>
+            <a:effectRef idx="1">
+              <a:schemeClr val="accent1"/>
+            </a:effectRef>
+            <a:fontRef idx="minor">
+              <a:schemeClr val="tx1"/>
+            </a:fontRef>
+          </p:style>
+        </p:cxnSp>
+        <p:cxnSp>
+          <p:nvCxnSpPr>
+            <p:cNvPr id="23" name="Straight Arrow Connector 22">
+              <a:extLst>
+                <a:ext uri="{FF2B5EF4-FFF2-40B4-BE49-F238E27FC236}">
+                  <a16:creationId xmlns:a16="http://schemas.microsoft.com/office/drawing/2014/main" id="{D7BF15F8-A80B-457E-BC66-EF3202E02B79}"/>
+                </a:ext>
+              </a:extLst>
+            </p:cNvPr>
+            <p:cNvCxnSpPr/>
+            <p:nvPr/>
+          </p:nvCxnSpPr>
+          <p:spPr>
+            <a:xfrm>
+              <a:off x="1073206" y="3641187"/>
+              <a:ext cx="1676400" cy="0"/>
+            </a:xfrm>
+            <a:prstGeom prst="straightConnector1">
+              <a:avLst/>
+            </a:prstGeom>
+            <a:ln>
+              <a:tailEnd type="arrow"/>
+            </a:ln>
+          </p:spPr>
+          <p:style>
+            <a:lnRef idx="2">
+              <a:schemeClr val="accent1"/>
+            </a:lnRef>
+            <a:fillRef idx="0">
+              <a:schemeClr val="accent1"/>
+            </a:fillRef>
+            <a:effectRef idx="1">
+              <a:schemeClr val="accent1"/>
+            </a:effectRef>
+            <a:fontRef idx="minor">
+              <a:schemeClr val="tx1"/>
+            </a:fontRef>
+          </p:style>
+        </p:cxnSp>
+        <p:cxnSp>
+          <p:nvCxnSpPr>
+            <p:cNvPr id="24" name="Straight Arrow Connector 23">
+              <a:extLst>
+                <a:ext uri="{FF2B5EF4-FFF2-40B4-BE49-F238E27FC236}">
+                  <a16:creationId xmlns:a16="http://schemas.microsoft.com/office/drawing/2014/main" id="{7283FB28-66FA-42F6-9AA3-0F7582D886B8}"/>
+                </a:ext>
+              </a:extLst>
+            </p:cNvPr>
+            <p:cNvCxnSpPr/>
+            <p:nvPr/>
+          </p:nvCxnSpPr>
+          <p:spPr>
+            <a:xfrm>
+              <a:off x="1073206" y="4182277"/>
+              <a:ext cx="1676400" cy="0"/>
+            </a:xfrm>
+            <a:prstGeom prst="straightConnector1">
+              <a:avLst/>
+            </a:prstGeom>
+            <a:ln>
+              <a:tailEnd type="arrow"/>
+            </a:ln>
+          </p:spPr>
+          <p:style>
+            <a:lnRef idx="2">
+              <a:schemeClr val="accent1"/>
+            </a:lnRef>
+            <a:fillRef idx="0">
+              <a:schemeClr val="accent1"/>
+            </a:fillRef>
+            <a:effectRef idx="1">
+              <a:schemeClr val="accent1"/>
+            </a:effectRef>
+            <a:fontRef idx="minor">
+              <a:schemeClr val="tx1"/>
+            </a:fontRef>
+          </p:style>
+        </p:cxnSp>
+      </p:grpSp>
+      <p:sp>
+        <p:nvSpPr>
+          <p:cNvPr id="25" name="TextBox 24">
+            <a:extLst>
+              <a:ext uri="{FF2B5EF4-FFF2-40B4-BE49-F238E27FC236}">
+                <a16:creationId xmlns:a16="http://schemas.microsoft.com/office/drawing/2014/main" id="{8FD15010-35B0-4E11-B275-2AEEDC180E92}"/>
+              </a:ext>
+            </a:extLst>
+          </p:cNvPr>
+          <p:cNvSpPr txBox="1"/>
+          <p:nvPr/>
+        </p:nvSpPr>
+        <p:spPr>
+          <a:xfrm>
+            <a:off x="2719024" y="2570018"/>
+            <a:ext cx="893549" cy="369332"/>
+          </a:xfrm>
+          <a:prstGeom prst="rect">
+            <a:avLst/>
+          </a:prstGeom>
+          <a:noFill/>
+        </p:spPr>
+        <p:txBody>
+          <a:bodyPr wrap="square" rtlCol="0">
+            <a:spAutoFit/>
+          </a:bodyPr>
+          <a:lstStyle/>
+          <a:p>
+            <a:pPr algn="ctr"/>
+            <a:r>
+              <a:rPr lang="en-US" dirty="0"/>
+              <a:t>y max</a:t>
+            </a:r>
+          </a:p>
+        </p:txBody>
+      </p:sp>
+      <p:cxnSp>
+        <p:nvCxnSpPr>
+          <p:cNvPr id="26" name="Straight Connector 25">
+            <a:extLst>
+              <a:ext uri="{FF2B5EF4-FFF2-40B4-BE49-F238E27FC236}">
+                <a16:creationId xmlns:a16="http://schemas.microsoft.com/office/drawing/2014/main" id="{CA9820DC-7B57-469C-B445-111BEC028CBC}"/>
+              </a:ext>
+            </a:extLst>
+          </p:cNvPr>
+          <p:cNvCxnSpPr>
+            <a:endCxn id="5" idx="0"/>
+          </p:cNvCxnSpPr>
+          <p:nvPr/>
+        </p:nvCxnSpPr>
+        <p:spPr>
+          <a:xfrm flipH="1">
+            <a:off x="1859515" y="2731777"/>
+            <a:ext cx="859509" cy="0"/>
+          </a:xfrm>
+          <a:prstGeom prst="line">
+            <a:avLst/>
+          </a:prstGeom>
+        </p:spPr>
+        <p:style>
+          <a:lnRef idx="1">
+            <a:schemeClr val="dk1"/>
+          </a:lnRef>
+          <a:fillRef idx="0">
+            <a:schemeClr val="dk1"/>
+          </a:fillRef>
+          <a:effectRef idx="0">
+            <a:schemeClr val="dk1"/>
+          </a:effectRef>
+          <a:fontRef idx="minor">
+            <a:schemeClr val="tx1"/>
+          </a:fontRef>
+        </p:style>
+      </p:cxnSp>
+      <p:cxnSp>
+        <p:nvCxnSpPr>
+          <p:cNvPr id="27" name="Straight Arrow Connector 26">
+            <a:extLst>
+              <a:ext uri="{FF2B5EF4-FFF2-40B4-BE49-F238E27FC236}">
+                <a16:creationId xmlns:a16="http://schemas.microsoft.com/office/drawing/2014/main" id="{B85FFB44-DE3D-44C1-8F08-9EF05340D249}"/>
+              </a:ext>
+            </a:extLst>
+          </p:cNvPr>
+          <p:cNvCxnSpPr>
+            <a:stCxn id="28" idx="0"/>
+          </p:cNvCxnSpPr>
+          <p:nvPr/>
+        </p:nvCxnSpPr>
+        <p:spPr>
+          <a:xfrm flipV="1">
+            <a:off x="8077200" y="4255342"/>
+            <a:ext cx="0" cy="798086"/>
+          </a:xfrm>
+          <a:prstGeom prst="straightConnector1">
+            <a:avLst/>
+          </a:prstGeom>
+          <a:ln>
+            <a:tailEnd type="arrow"/>
+          </a:ln>
+        </p:spPr>
+        <p:style>
+          <a:lnRef idx="1">
+            <a:schemeClr val="dk1"/>
+          </a:lnRef>
+          <a:fillRef idx="0">
+            <a:schemeClr val="dk1"/>
+          </a:fillRef>
+          <a:effectRef idx="0">
+            <a:schemeClr val="dk1"/>
+          </a:effectRef>
+          <a:fontRef idx="minor">
+            <a:schemeClr val="tx1"/>
+          </a:fontRef>
+        </p:style>
+      </p:cxnSp>
+      <p:sp>
+        <p:nvSpPr>
+          <p:cNvPr id="28" name="TextBox 27">
+            <a:extLst>
+              <a:ext uri="{FF2B5EF4-FFF2-40B4-BE49-F238E27FC236}">
+                <a16:creationId xmlns:a16="http://schemas.microsoft.com/office/drawing/2014/main" id="{2BEF5094-819C-454C-A311-470ADDD4D387}"/>
+              </a:ext>
+            </a:extLst>
+          </p:cNvPr>
+          <p:cNvSpPr txBox="1"/>
+          <p:nvPr/>
+        </p:nvSpPr>
+        <p:spPr>
+          <a:xfrm>
+            <a:off x="7274736" y="5053428"/>
+            <a:ext cx="1604927" cy="1200329"/>
+          </a:xfrm>
+          <a:prstGeom prst="rect">
+            <a:avLst/>
+          </a:prstGeom>
+          <a:noFill/>
+        </p:spPr>
+        <p:txBody>
+          <a:bodyPr wrap="square" rtlCol="0">
+            <a:spAutoFit/>
+          </a:bodyPr>
+          <a:lstStyle/>
+          <a:p>
+            <a:pPr algn="ctr"/>
+            <a:r>
+              <a:rPr lang="en-US" dirty="0"/>
+              <a:t>distance from x axis at any point (y coordinate)</a:t>
+            </a:r>
+          </a:p>
+        </p:txBody>
+      </p:sp>
+      <p:sp>
+        <p:nvSpPr>
+          <p:cNvPr id="29" name="TextBox 28">
+            <a:extLst>
+              <a:ext uri="{FF2B5EF4-FFF2-40B4-BE49-F238E27FC236}">
+                <a16:creationId xmlns:a16="http://schemas.microsoft.com/office/drawing/2014/main" id="{8A4968F2-ECE5-4826-9125-0FABDFE4554E}"/>
+              </a:ext>
+            </a:extLst>
+          </p:cNvPr>
+          <p:cNvSpPr txBox="1"/>
+          <p:nvPr/>
+        </p:nvSpPr>
+        <p:spPr>
+          <a:xfrm>
+            <a:off x="2743727" y="5778623"/>
+            <a:ext cx="893549" cy="369332"/>
+          </a:xfrm>
+          <a:prstGeom prst="rect">
+            <a:avLst/>
+          </a:prstGeom>
+          <a:noFill/>
+        </p:spPr>
+        <p:txBody>
+          <a:bodyPr wrap="square" rtlCol="0">
+            <a:spAutoFit/>
+          </a:bodyPr>
+          <a:lstStyle/>
+          <a:p>
+            <a:pPr algn="ctr"/>
+            <a:r>
+              <a:rPr lang="en-US" dirty="0"/>
+              <a:t>y min</a:t>
+            </a:r>
+          </a:p>
+        </p:txBody>
+      </p:sp>
+      <p:cxnSp>
+        <p:nvCxnSpPr>
+          <p:cNvPr id="30" name="Straight Connector 29">
+            <a:extLst>
+              <a:ext uri="{FF2B5EF4-FFF2-40B4-BE49-F238E27FC236}">
+                <a16:creationId xmlns:a16="http://schemas.microsoft.com/office/drawing/2014/main" id="{241A68A2-5EBA-4D5C-9376-390B1E142005}"/>
+              </a:ext>
+            </a:extLst>
+          </p:cNvPr>
+          <p:cNvCxnSpPr/>
+          <p:nvPr/>
+        </p:nvCxnSpPr>
+        <p:spPr>
+          <a:xfrm flipH="1">
+            <a:off x="1884218" y="5940382"/>
+            <a:ext cx="859509" cy="0"/>
+          </a:xfrm>
+          <a:prstGeom prst="line">
+            <a:avLst/>
+          </a:prstGeom>
+        </p:spPr>
+        <p:style>
+          <a:lnRef idx="1">
+            <a:schemeClr val="dk1"/>
+          </a:lnRef>
+          <a:fillRef idx="0">
+            <a:schemeClr val="dk1"/>
+          </a:fillRef>
+          <a:effectRef idx="0">
+            <a:schemeClr val="dk1"/>
+          </a:effectRef>
+          <a:fontRef idx="minor">
+            <a:schemeClr val="tx1"/>
+          </a:fontRef>
+        </p:style>
+      </p:cxnSp>
     </p:spTree>
     <p:extLst>
       <p:ext uri="{BB962C8B-B14F-4D97-AF65-F5344CB8AC3E}">
@@ -9852,60 +14596,6 @@
           <a:chExt cx="0" cy="0"/>
         </a:xfrm>
       </p:grpSpPr>
-      <p:pic>
-        <p:nvPicPr>
-          <p:cNvPr id="2050" name="Picture 2"/>
-          <p:cNvPicPr>
-            <a:picLocks noChangeAspect="1" noChangeArrowheads="1"/>
-          </p:cNvPicPr>
-          <p:nvPr/>
-        </p:nvPicPr>
-        <p:blipFill>
-          <a:blip r:embed="rId2">
-            <a:extLst>
-              <a:ext uri="{28A0092B-C50C-407E-A947-70E740481C1C}">
-                <a14:useLocalDpi xmlns:a14="http://schemas.microsoft.com/office/drawing/2010/main" val="0"/>
-              </a:ext>
-            </a:extLst>
-          </a:blip>
-          <a:srcRect/>
-          <a:stretch>
-            <a:fillRect/>
-          </a:stretch>
-        </p:blipFill>
-        <p:spPr bwMode="auto">
-          <a:xfrm>
-            <a:off x="561975" y="1190625"/>
-            <a:ext cx="8124825" cy="5438775"/>
-          </a:xfrm>
-          <a:prstGeom prst="rect">
-            <a:avLst/>
-          </a:prstGeom>
-          <a:noFill/>
-          <a:ln>
-            <a:noFill/>
-          </a:ln>
-          <a:extLst>
-            <a:ext uri="{909E8E84-426E-40DD-AFC4-6F175D3DCCD1}">
-              <a14:hiddenFill xmlns:a14="http://schemas.microsoft.com/office/drawing/2010/main">
-                <a:solidFill>
-                  <a:schemeClr val="accent1"/>
-                </a:solidFill>
-              </a14:hiddenFill>
-            </a:ext>
-            <a:ext uri="{91240B29-F687-4F45-9708-019B960494DF}">
-              <a14:hiddenLine xmlns:a14="http://schemas.microsoft.com/office/drawing/2010/main" w="9525">
-                <a:solidFill>
-                  <a:schemeClr val="tx1"/>
-                </a:solidFill>
-                <a:miter lim="800000"/>
-                <a:headEnd/>
-                <a:tailEnd/>
-              </a14:hiddenLine>
-            </a:ext>
-          </a:extLst>
-        </p:spPr>
-      </p:pic>
       <p:sp>
         <p:nvSpPr>
           <p:cNvPr id="2" name="Title 1"/>
@@ -9950,6 +14640,1307 @@
               <a:t>8</a:t>
             </a:fld>
             <a:endParaRPr lang="en-US"/>
+          </a:p>
+        </p:txBody>
+      </p:sp>
+      <p:sp>
+        <p:nvSpPr>
+          <p:cNvPr id="5" name="Oval 4">
+            <a:extLst>
+              <a:ext uri="{FF2B5EF4-FFF2-40B4-BE49-F238E27FC236}">
+                <a16:creationId xmlns:a16="http://schemas.microsoft.com/office/drawing/2014/main" id="{18F64B92-F735-4C3F-9846-8CDDF9BED246}"/>
+              </a:ext>
+            </a:extLst>
+          </p:cNvPr>
+          <p:cNvSpPr/>
+          <p:nvPr/>
+        </p:nvSpPr>
+        <p:spPr>
+          <a:xfrm>
+            <a:off x="512618" y="2939169"/>
+            <a:ext cx="2693794" cy="3211823"/>
+          </a:xfrm>
+          <a:prstGeom prst="ellipse">
+            <a:avLst/>
+          </a:prstGeom>
+          <a:solidFill>
+            <a:schemeClr val="accent1">
+              <a:lumMod val="60000"/>
+              <a:lumOff val="40000"/>
+            </a:schemeClr>
+          </a:solidFill>
+        </p:spPr>
+        <p:style>
+          <a:lnRef idx="2">
+            <a:schemeClr val="accent1">
+              <a:shade val="50000"/>
+            </a:schemeClr>
+          </a:lnRef>
+          <a:fillRef idx="1">
+            <a:schemeClr val="accent1"/>
+          </a:fillRef>
+          <a:effectRef idx="0">
+            <a:schemeClr val="accent1"/>
+          </a:effectRef>
+          <a:fontRef idx="minor">
+            <a:schemeClr val="lt1"/>
+          </a:fontRef>
+        </p:style>
+        <p:txBody>
+          <a:bodyPr rtlCol="0" anchor="ctr"/>
+          <a:lstStyle/>
+          <a:p>
+            <a:pPr algn="ctr"/>
+            <a:endParaRPr lang="en-US"/>
+          </a:p>
+        </p:txBody>
+      </p:sp>
+      <p:sp>
+        <p:nvSpPr>
+          <p:cNvPr id="6" name="TextBox 5">
+            <a:extLst>
+              <a:ext uri="{FF2B5EF4-FFF2-40B4-BE49-F238E27FC236}">
+                <a16:creationId xmlns:a16="http://schemas.microsoft.com/office/drawing/2014/main" id="{B2C851BA-B2EF-4DFA-9807-FE9B61444DBB}"/>
+              </a:ext>
+            </a:extLst>
+          </p:cNvPr>
+          <p:cNvSpPr txBox="1"/>
+          <p:nvPr/>
+        </p:nvSpPr>
+        <p:spPr>
+          <a:xfrm>
+            <a:off x="3581400" y="4353635"/>
+            <a:ext cx="284052" cy="369332"/>
+          </a:xfrm>
+          <a:prstGeom prst="rect">
+            <a:avLst/>
+          </a:prstGeom>
+          <a:noFill/>
+        </p:spPr>
+        <p:txBody>
+          <a:bodyPr wrap="none" rtlCol="0">
+            <a:spAutoFit/>
+          </a:bodyPr>
+          <a:lstStyle/>
+          <a:p>
+            <a:r>
+              <a:rPr lang="en-US" dirty="0"/>
+              <a:t>x</a:t>
+            </a:r>
+          </a:p>
+        </p:txBody>
+      </p:sp>
+      <p:sp>
+        <p:nvSpPr>
+          <p:cNvPr id="7" name="TextBox 6">
+            <a:extLst>
+              <a:ext uri="{FF2B5EF4-FFF2-40B4-BE49-F238E27FC236}">
+                <a16:creationId xmlns:a16="http://schemas.microsoft.com/office/drawing/2014/main" id="{B472960F-2D93-43DC-9241-3AE115B761A5}"/>
+              </a:ext>
+            </a:extLst>
+          </p:cNvPr>
+          <p:cNvSpPr txBox="1"/>
+          <p:nvPr/>
+        </p:nvSpPr>
+        <p:spPr>
+          <a:xfrm>
+            <a:off x="1705151" y="1791508"/>
+            <a:ext cx="288862" cy="369332"/>
+          </a:xfrm>
+          <a:prstGeom prst="rect">
+            <a:avLst/>
+          </a:prstGeom>
+          <a:noFill/>
+        </p:spPr>
+        <p:txBody>
+          <a:bodyPr wrap="none" rtlCol="0">
+            <a:spAutoFit/>
+          </a:bodyPr>
+          <a:lstStyle/>
+          <a:p>
+            <a:r>
+              <a:rPr lang="en-US" dirty="0"/>
+              <a:t>y</a:t>
+            </a:r>
+          </a:p>
+        </p:txBody>
+      </p:sp>
+      <p:cxnSp>
+        <p:nvCxnSpPr>
+          <p:cNvPr id="8" name="Straight Arrow Connector 7">
+            <a:extLst>
+              <a:ext uri="{FF2B5EF4-FFF2-40B4-BE49-F238E27FC236}">
+                <a16:creationId xmlns:a16="http://schemas.microsoft.com/office/drawing/2014/main" id="{8AF05CA1-1D68-423E-B3ED-830D623FDD16}"/>
+              </a:ext>
+            </a:extLst>
+          </p:cNvPr>
+          <p:cNvCxnSpPr/>
+          <p:nvPr/>
+        </p:nvCxnSpPr>
+        <p:spPr>
+          <a:xfrm flipV="1">
+            <a:off x="1849582" y="4538301"/>
+            <a:ext cx="1713973" cy="6224"/>
+          </a:xfrm>
+          <a:prstGeom prst="straightConnector1">
+            <a:avLst/>
+          </a:prstGeom>
+          <a:ln>
+            <a:tailEnd type="arrow"/>
+          </a:ln>
+        </p:spPr>
+        <p:style>
+          <a:lnRef idx="2">
+            <a:schemeClr val="dk1"/>
+          </a:lnRef>
+          <a:fillRef idx="0">
+            <a:schemeClr val="dk1"/>
+          </a:fillRef>
+          <a:effectRef idx="1">
+            <a:schemeClr val="dk1"/>
+          </a:effectRef>
+          <a:fontRef idx="minor">
+            <a:schemeClr val="tx1"/>
+          </a:fontRef>
+        </p:style>
+      </p:cxnSp>
+      <p:cxnSp>
+        <p:nvCxnSpPr>
+          <p:cNvPr id="9" name="Straight Arrow Connector 8">
+            <a:extLst>
+              <a:ext uri="{FF2B5EF4-FFF2-40B4-BE49-F238E27FC236}">
+                <a16:creationId xmlns:a16="http://schemas.microsoft.com/office/drawing/2014/main" id="{42B9B7A5-6590-41DD-8746-5569C2557DA9}"/>
+              </a:ext>
+            </a:extLst>
+          </p:cNvPr>
+          <p:cNvCxnSpPr/>
+          <p:nvPr/>
+        </p:nvCxnSpPr>
+        <p:spPr>
+          <a:xfrm flipV="1">
+            <a:off x="1859973" y="2188158"/>
+            <a:ext cx="0" cy="2361811"/>
+          </a:xfrm>
+          <a:prstGeom prst="straightConnector1">
+            <a:avLst/>
+          </a:prstGeom>
+          <a:ln>
+            <a:tailEnd type="arrow"/>
+          </a:ln>
+        </p:spPr>
+        <p:style>
+          <a:lnRef idx="2">
+            <a:schemeClr val="dk1"/>
+          </a:lnRef>
+          <a:fillRef idx="0">
+            <a:schemeClr val="dk1"/>
+          </a:fillRef>
+          <a:effectRef idx="1">
+            <a:schemeClr val="dk1"/>
+          </a:effectRef>
+          <a:fontRef idx="minor">
+            <a:schemeClr val="tx1"/>
+          </a:fontRef>
+        </p:style>
+      </p:cxnSp>
+      <p:sp>
+        <p:nvSpPr>
+          <p:cNvPr id="10" name="Rectangle 9">
+            <a:extLst>
+              <a:ext uri="{FF2B5EF4-FFF2-40B4-BE49-F238E27FC236}">
+                <a16:creationId xmlns:a16="http://schemas.microsoft.com/office/drawing/2014/main" id="{80F16309-0751-441C-BED7-1703745321A8}"/>
+              </a:ext>
+            </a:extLst>
+          </p:cNvPr>
+          <p:cNvSpPr/>
+          <p:nvPr/>
+        </p:nvSpPr>
+        <p:spPr>
+          <a:xfrm>
+            <a:off x="2240281" y="3004091"/>
+            <a:ext cx="45719" cy="3059277"/>
+          </a:xfrm>
+          <a:prstGeom prst="rect">
+            <a:avLst/>
+          </a:prstGeom>
+        </p:spPr>
+        <p:style>
+          <a:lnRef idx="2">
+            <a:schemeClr val="accent1">
+              <a:shade val="50000"/>
+            </a:schemeClr>
+          </a:lnRef>
+          <a:fillRef idx="1">
+            <a:schemeClr val="accent1"/>
+          </a:fillRef>
+          <a:effectRef idx="0">
+            <a:schemeClr val="accent1"/>
+          </a:effectRef>
+          <a:fontRef idx="minor">
+            <a:schemeClr val="lt1"/>
+          </a:fontRef>
+        </p:style>
+        <p:txBody>
+          <a:bodyPr rtlCol="0" anchor="ctr"/>
+          <a:lstStyle/>
+          <a:p>
+            <a:pPr algn="ctr"/>
+            <a:endParaRPr lang="en-US"/>
+          </a:p>
+        </p:txBody>
+      </p:sp>
+      <mc:AlternateContent xmlns:mc="http://schemas.openxmlformats.org/markup-compatibility/2006">
+        <mc:Choice xmlns:a14="http://schemas.microsoft.com/office/drawing/2010/main" Requires="a14">
+          <p:sp>
+            <p:nvSpPr>
+              <p:cNvPr id="11" name="Rectangle 10">
+                <a:extLst>
+                  <a:ext uri="{FF2B5EF4-FFF2-40B4-BE49-F238E27FC236}">
+                    <a16:creationId xmlns:a16="http://schemas.microsoft.com/office/drawing/2014/main" id="{EE5F6BA2-4AD4-4462-9B77-743E2FAC90D3}"/>
+                  </a:ext>
+                </a:extLst>
+              </p:cNvPr>
+              <p:cNvSpPr/>
+              <p:nvPr/>
+            </p:nvSpPr>
+            <p:spPr>
+              <a:xfrm>
+                <a:off x="1981200" y="2623978"/>
+                <a:ext cx="510076" cy="369332"/>
+              </a:xfrm>
+              <a:prstGeom prst="rect">
+                <a:avLst/>
+              </a:prstGeom>
+            </p:spPr>
+            <p:txBody>
+              <a:bodyPr wrap="none">
+                <a:spAutoFit/>
+              </a:bodyPr>
+              <a:lstStyle/>
+              <a:p>
+                <a:pPr/>
+                <a14:m>
+                  <m:oMathPara xmlns:m="http://schemas.openxmlformats.org/officeDocument/2006/math">
+                    <m:oMathParaPr>
+                      <m:jc m:val="centerGroup"/>
+                    </m:oMathParaPr>
+                    <m:oMath xmlns:m="http://schemas.openxmlformats.org/officeDocument/2006/math">
+                      <m:r>
+                        <m:rPr>
+                          <m:sty m:val="p"/>
+                        </m:rPr>
+                        <a:rPr lang="en-US" smtClean="0">
+                          <a:latin typeface="Cambria Math"/>
+                        </a:rPr>
+                        <m:t>d</m:t>
+                      </m:r>
+                      <m:r>
+                        <m:rPr>
+                          <m:sty m:val="p"/>
+                        </m:rPr>
+                        <a:rPr lang="en-US" b="0" i="0" smtClean="0">
+                          <a:latin typeface="Cambria Math"/>
+                        </a:rPr>
+                        <m:t>A</m:t>
+                      </m:r>
+                    </m:oMath>
+                  </m:oMathPara>
+                </a14:m>
+                <a:endParaRPr lang="en-US" dirty="0"/>
+              </a:p>
+            </p:txBody>
+          </p:sp>
+        </mc:Choice>
+        <mc:Fallback>
+          <p:sp>
+            <p:nvSpPr>
+              <p:cNvPr id="11" name="Rectangle 10">
+                <a:extLst>
+                  <a:ext uri="{FF2B5EF4-FFF2-40B4-BE49-F238E27FC236}">
+                    <a16:creationId xmlns:a16="http://schemas.microsoft.com/office/drawing/2014/main" id="{EE5F6BA2-4AD4-4462-9B77-743E2FAC90D3}"/>
+                  </a:ext>
+                </a:extLst>
+              </p:cNvPr>
+              <p:cNvSpPr>
+                <a:spLocks noRot="1" noChangeAspect="1" noMove="1" noResize="1" noEditPoints="1" noAdjustHandles="1" noChangeArrowheads="1" noChangeShapeType="1" noTextEdit="1"/>
+              </p:cNvSpPr>
+              <p:nvPr/>
+            </p:nvSpPr>
+            <p:spPr>
+              <a:xfrm>
+                <a:off x="1981200" y="2623978"/>
+                <a:ext cx="510076" cy="369332"/>
+              </a:xfrm>
+              <a:prstGeom prst="rect">
+                <a:avLst/>
+              </a:prstGeom>
+              <a:blipFill>
+                <a:blip r:embed="rId2"/>
+                <a:stretch>
+                  <a:fillRect/>
+                </a:stretch>
+              </a:blipFill>
+            </p:spPr>
+            <p:txBody>
+              <a:bodyPr/>
+              <a:lstStyle/>
+              <a:p>
+                <a:r>
+                  <a:rPr lang="en-US">
+                    <a:noFill/>
+                  </a:rPr>
+                  <a:t> </a:t>
+                </a:r>
+              </a:p>
+            </p:txBody>
+          </p:sp>
+        </mc:Fallback>
+      </mc:AlternateContent>
+      <p:cxnSp>
+        <p:nvCxnSpPr>
+          <p:cNvPr id="12" name="Straight Arrow Connector 11">
+            <a:extLst>
+              <a:ext uri="{FF2B5EF4-FFF2-40B4-BE49-F238E27FC236}">
+                <a16:creationId xmlns:a16="http://schemas.microsoft.com/office/drawing/2014/main" id="{148AE3DA-4839-4AFF-9733-D18349CCAEDE}"/>
+              </a:ext>
+            </a:extLst>
+          </p:cNvPr>
+          <p:cNvCxnSpPr/>
+          <p:nvPr/>
+        </p:nvCxnSpPr>
+        <p:spPr>
+          <a:xfrm>
+            <a:off x="1073206" y="3452199"/>
+            <a:ext cx="1676400" cy="0"/>
+          </a:xfrm>
+          <a:prstGeom prst="straightConnector1">
+            <a:avLst/>
+          </a:prstGeom>
+          <a:ln>
+            <a:tailEnd type="arrow"/>
+          </a:ln>
+        </p:spPr>
+        <p:style>
+          <a:lnRef idx="2">
+            <a:schemeClr val="accent1"/>
+          </a:lnRef>
+          <a:fillRef idx="0">
+            <a:schemeClr val="accent1"/>
+          </a:fillRef>
+          <a:effectRef idx="1">
+            <a:schemeClr val="accent1"/>
+          </a:effectRef>
+          <a:fontRef idx="minor">
+            <a:schemeClr val="tx1"/>
+          </a:fontRef>
+        </p:style>
+      </p:cxnSp>
+      <p:cxnSp>
+        <p:nvCxnSpPr>
+          <p:cNvPr id="13" name="Straight Arrow Connector 12">
+            <a:extLst>
+              <a:ext uri="{FF2B5EF4-FFF2-40B4-BE49-F238E27FC236}">
+                <a16:creationId xmlns:a16="http://schemas.microsoft.com/office/drawing/2014/main" id="{899F9365-EBFD-4A62-9E5B-935BFCA6985B}"/>
+              </a:ext>
+            </a:extLst>
+          </p:cNvPr>
+          <p:cNvCxnSpPr/>
+          <p:nvPr/>
+        </p:nvCxnSpPr>
+        <p:spPr>
+          <a:xfrm>
+            <a:off x="1073206" y="3993289"/>
+            <a:ext cx="1676400" cy="0"/>
+          </a:xfrm>
+          <a:prstGeom prst="straightConnector1">
+            <a:avLst/>
+          </a:prstGeom>
+          <a:ln>
+            <a:tailEnd type="arrow"/>
+          </a:ln>
+        </p:spPr>
+        <p:style>
+          <a:lnRef idx="2">
+            <a:schemeClr val="accent1"/>
+          </a:lnRef>
+          <a:fillRef idx="0">
+            <a:schemeClr val="accent1"/>
+          </a:fillRef>
+          <a:effectRef idx="1">
+            <a:schemeClr val="accent1"/>
+          </a:effectRef>
+          <a:fontRef idx="minor">
+            <a:schemeClr val="tx1"/>
+          </a:fontRef>
+        </p:style>
+      </p:cxnSp>
+      <p:cxnSp>
+        <p:nvCxnSpPr>
+          <p:cNvPr id="14" name="Straight Arrow Connector 13">
+            <a:extLst>
+              <a:ext uri="{FF2B5EF4-FFF2-40B4-BE49-F238E27FC236}">
+                <a16:creationId xmlns:a16="http://schemas.microsoft.com/office/drawing/2014/main" id="{C839FCB1-628D-418E-B0CB-F476030FA034}"/>
+              </a:ext>
+            </a:extLst>
+          </p:cNvPr>
+          <p:cNvCxnSpPr/>
+          <p:nvPr/>
+        </p:nvCxnSpPr>
+        <p:spPr>
+          <a:xfrm>
+            <a:off x="1073206" y="4534379"/>
+            <a:ext cx="1676400" cy="0"/>
+          </a:xfrm>
+          <a:prstGeom prst="straightConnector1">
+            <a:avLst/>
+          </a:prstGeom>
+          <a:ln>
+            <a:tailEnd type="arrow"/>
+          </a:ln>
+        </p:spPr>
+        <p:style>
+          <a:lnRef idx="2">
+            <a:schemeClr val="accent1"/>
+          </a:lnRef>
+          <a:fillRef idx="0">
+            <a:schemeClr val="accent1"/>
+          </a:fillRef>
+          <a:effectRef idx="1">
+            <a:schemeClr val="accent1"/>
+          </a:effectRef>
+          <a:fontRef idx="minor">
+            <a:schemeClr val="tx1"/>
+          </a:fontRef>
+        </p:style>
+      </p:cxnSp>
+      <p:cxnSp>
+        <p:nvCxnSpPr>
+          <p:cNvPr id="15" name="Straight Arrow Connector 14">
+            <a:extLst>
+              <a:ext uri="{FF2B5EF4-FFF2-40B4-BE49-F238E27FC236}">
+                <a16:creationId xmlns:a16="http://schemas.microsoft.com/office/drawing/2014/main" id="{4A0ED2D3-E393-47F5-B992-B5AF82D873BB}"/>
+              </a:ext>
+            </a:extLst>
+          </p:cNvPr>
+          <p:cNvCxnSpPr/>
+          <p:nvPr/>
+        </p:nvCxnSpPr>
+        <p:spPr>
+          <a:xfrm flipH="1">
+            <a:off x="7391400" y="3268695"/>
+            <a:ext cx="162774" cy="620877"/>
+          </a:xfrm>
+          <a:prstGeom prst="straightConnector1">
+            <a:avLst/>
+          </a:prstGeom>
+          <a:ln>
+            <a:tailEnd type="arrow"/>
+          </a:ln>
+        </p:spPr>
+        <p:style>
+          <a:lnRef idx="1">
+            <a:schemeClr val="dk1"/>
+          </a:lnRef>
+          <a:fillRef idx="0">
+            <a:schemeClr val="dk1"/>
+          </a:fillRef>
+          <a:effectRef idx="0">
+            <a:schemeClr val="dk1"/>
+          </a:effectRef>
+          <a:fontRef idx="minor">
+            <a:schemeClr val="tx1"/>
+          </a:fontRef>
+        </p:style>
+      </p:cxnSp>
+      <mc:AlternateContent xmlns:mc="http://schemas.openxmlformats.org/markup-compatibility/2006">
+        <mc:Choice xmlns:a14="http://schemas.microsoft.com/office/drawing/2010/main" Requires="a14">
+          <p:sp>
+            <p:nvSpPr>
+              <p:cNvPr id="16" name="Rectangle 15">
+                <a:extLst>
+                  <a:ext uri="{FF2B5EF4-FFF2-40B4-BE49-F238E27FC236}">
+                    <a16:creationId xmlns:a16="http://schemas.microsoft.com/office/drawing/2014/main" id="{748263A6-3804-4CC8-83E9-736C92730D14}"/>
+                  </a:ext>
+                </a:extLst>
+              </p:cNvPr>
+              <p:cNvSpPr/>
+              <p:nvPr/>
+            </p:nvSpPr>
+            <p:spPr>
+              <a:xfrm>
+                <a:off x="4719673" y="3635218"/>
+                <a:ext cx="3873753" cy="1156535"/>
+              </a:xfrm>
+              <a:prstGeom prst="rect">
+                <a:avLst/>
+              </a:prstGeom>
+            </p:spPr>
+            <p:txBody>
+              <a:bodyPr wrap="none">
+                <a:spAutoFit/>
+              </a:bodyPr>
+              <a:lstStyle/>
+              <a:p>
+                <a:pPr/>
+                <a14:m>
+                  <m:oMathPara xmlns:m="http://schemas.openxmlformats.org/officeDocument/2006/math">
+                    <m:oMathParaPr>
+                      <m:jc m:val="centerGroup"/>
+                    </m:oMathParaPr>
+                    <m:oMath xmlns:m="http://schemas.openxmlformats.org/officeDocument/2006/math">
+                      <m:sSub>
+                        <m:sSubPr>
+                          <m:ctrlPr>
+                            <a:rPr lang="en-US" sz="3200" i="1" smtClean="0">
+                              <a:latin typeface="Cambria Math" panose="02040503050406030204" pitchFamily="18" charset="0"/>
+                            </a:rPr>
+                          </m:ctrlPr>
+                        </m:sSubPr>
+                        <m:e>
+                          <m:r>
+                            <a:rPr lang="en-US" sz="3200" b="0" i="1" smtClean="0">
+                              <a:latin typeface="Cambria Math"/>
+                            </a:rPr>
+                            <m:t>𝐼</m:t>
+                          </m:r>
+                        </m:e>
+                        <m:sub>
+                          <m:r>
+                            <a:rPr lang="en-US" sz="3200" b="0" i="1" smtClean="0">
+                              <a:latin typeface="Cambria Math"/>
+                            </a:rPr>
+                            <m:t>𝑦𝑦</m:t>
+                          </m:r>
+                        </m:sub>
+                      </m:sSub>
+                      <m:r>
+                        <a:rPr lang="en-US" sz="3200" i="0">
+                          <a:latin typeface="Cambria Math"/>
+                        </a:rPr>
+                        <m:t>=</m:t>
+                      </m:r>
+                      <m:nary>
+                        <m:naryPr>
+                          <m:ctrlPr>
+                            <a:rPr lang="en-US" sz="3200" i="1">
+                              <a:latin typeface="Cambria Math" panose="02040503050406030204" pitchFamily="18" charset="0"/>
+                            </a:rPr>
+                          </m:ctrlPr>
+                        </m:naryPr>
+                        <m:sub>
+                          <m:r>
+                            <m:rPr>
+                              <m:sty m:val="p"/>
+                              <m:brk m:alnAt="23"/>
+                            </m:rPr>
+                            <a:rPr lang="en-US" sz="3200">
+                              <a:latin typeface="Cambria Math"/>
+                            </a:rPr>
+                            <m:t>x</m:t>
+                          </m:r>
+                          <m:r>
+                            <a:rPr lang="en-US" sz="3200">
+                              <a:latin typeface="Cambria Math"/>
+                            </a:rPr>
+                            <m:t> </m:t>
+                          </m:r>
+                          <m:r>
+                            <m:rPr>
+                              <m:sty m:val="p"/>
+                            </m:rPr>
+                            <a:rPr lang="en-US" sz="3200">
+                              <a:latin typeface="Cambria Math"/>
+                            </a:rPr>
+                            <m:t>min</m:t>
+                          </m:r>
+                        </m:sub>
+                        <m:sup>
+                          <m:r>
+                            <m:rPr>
+                              <m:sty m:val="p"/>
+                            </m:rPr>
+                            <a:rPr lang="en-US" sz="3200">
+                              <a:latin typeface="Cambria Math"/>
+                            </a:rPr>
+                            <m:t>x</m:t>
+                          </m:r>
+                          <m:r>
+                            <a:rPr lang="en-US" sz="3200">
+                              <a:latin typeface="Cambria Math"/>
+                            </a:rPr>
+                            <m:t> </m:t>
+                          </m:r>
+                          <m:r>
+                            <m:rPr>
+                              <m:sty m:val="p"/>
+                            </m:rPr>
+                            <a:rPr lang="en-US" sz="3200">
+                              <a:latin typeface="Cambria Math"/>
+                            </a:rPr>
+                            <m:t>max</m:t>
+                          </m:r>
+                          <m:r>
+                            <a:rPr lang="en-US" sz="3200">
+                              <a:latin typeface="Cambria Math"/>
+                            </a:rPr>
+                            <m:t> </m:t>
+                          </m:r>
+                        </m:sup>
+                        <m:e>
+                          <m:r>
+                            <m:rPr>
+                              <m:sty m:val="p"/>
+                            </m:rPr>
+                            <a:rPr lang="en-US" sz="3200">
+                              <a:latin typeface="Cambria Math"/>
+                            </a:rPr>
+                            <m:t>dA</m:t>
+                          </m:r>
+                          <m:r>
+                            <a:rPr lang="en-US" sz="3200">
+                              <a:latin typeface="Cambria Math"/>
+                            </a:rPr>
+                            <m:t>∗</m:t>
+                          </m:r>
+                          <m:sSup>
+                            <m:sSupPr>
+                              <m:ctrlPr>
+                                <a:rPr lang="en-US" sz="3200" i="1" smtClean="0">
+                                  <a:latin typeface="Cambria Math" panose="02040503050406030204" pitchFamily="18" charset="0"/>
+                                </a:rPr>
+                              </m:ctrlPr>
+                            </m:sSupPr>
+                            <m:e>
+                              <m:r>
+                                <a:rPr lang="en-US" sz="3200" b="0" i="1" smtClean="0">
+                                  <a:latin typeface="Cambria Math"/>
+                                </a:rPr>
+                                <m:t>𝑥</m:t>
+                              </m:r>
+                            </m:e>
+                            <m:sup>
+                              <m:r>
+                                <a:rPr lang="en-US" sz="3200" b="0" i="1" smtClean="0">
+                                  <a:latin typeface="Cambria Math"/>
+                                </a:rPr>
+                                <m:t>2</m:t>
+                              </m:r>
+                            </m:sup>
+                          </m:sSup>
+                        </m:e>
+                      </m:nary>
+                    </m:oMath>
+                  </m:oMathPara>
+                </a14:m>
+                <a:endParaRPr lang="en-US" sz="3200" dirty="0"/>
+              </a:p>
+            </p:txBody>
+          </p:sp>
+        </mc:Choice>
+        <mc:Fallback>
+          <p:sp>
+            <p:nvSpPr>
+              <p:cNvPr id="16" name="Rectangle 15">
+                <a:extLst>
+                  <a:ext uri="{FF2B5EF4-FFF2-40B4-BE49-F238E27FC236}">
+                    <a16:creationId xmlns:a16="http://schemas.microsoft.com/office/drawing/2014/main" id="{748263A6-3804-4CC8-83E9-736C92730D14}"/>
+                  </a:ext>
+                </a:extLst>
+              </p:cNvPr>
+              <p:cNvSpPr>
+                <a:spLocks noRot="1" noChangeAspect="1" noMove="1" noResize="1" noEditPoints="1" noAdjustHandles="1" noChangeArrowheads="1" noChangeShapeType="1" noTextEdit="1"/>
+              </p:cNvSpPr>
+              <p:nvPr/>
+            </p:nvSpPr>
+            <p:spPr>
+              <a:xfrm>
+                <a:off x="4719673" y="3635218"/>
+                <a:ext cx="3873753" cy="1156535"/>
+              </a:xfrm>
+              <a:prstGeom prst="rect">
+                <a:avLst/>
+              </a:prstGeom>
+              <a:blipFill>
+                <a:blip r:embed="rId3"/>
+                <a:stretch>
+                  <a:fillRect/>
+                </a:stretch>
+              </a:blipFill>
+            </p:spPr>
+            <p:txBody>
+              <a:bodyPr/>
+              <a:lstStyle/>
+              <a:p>
+                <a:r>
+                  <a:rPr lang="en-US">
+                    <a:noFill/>
+                  </a:rPr>
+                  <a:t> </a:t>
+                </a:r>
+              </a:p>
+            </p:txBody>
+          </p:sp>
+        </mc:Fallback>
+      </mc:AlternateContent>
+      <p:cxnSp>
+        <p:nvCxnSpPr>
+          <p:cNvPr id="17" name="Straight Arrow Connector 16">
+            <a:extLst>
+              <a:ext uri="{FF2B5EF4-FFF2-40B4-BE49-F238E27FC236}">
+                <a16:creationId xmlns:a16="http://schemas.microsoft.com/office/drawing/2014/main" id="{C2EBFD72-3823-455E-981B-8378213585E3}"/>
+              </a:ext>
+            </a:extLst>
+          </p:cNvPr>
+          <p:cNvCxnSpPr>
+            <a:stCxn id="20" idx="0"/>
+          </p:cNvCxnSpPr>
+          <p:nvPr/>
+        </p:nvCxnSpPr>
+        <p:spPr>
+          <a:xfrm flipV="1">
+            <a:off x="4764864" y="4699287"/>
+            <a:ext cx="264336" cy="642126"/>
+          </a:xfrm>
+          <a:prstGeom prst="straightConnector1">
+            <a:avLst/>
+          </a:prstGeom>
+          <a:ln>
+            <a:tailEnd type="arrow"/>
+          </a:ln>
+        </p:spPr>
+        <p:style>
+          <a:lnRef idx="1">
+            <a:schemeClr val="dk1"/>
+          </a:lnRef>
+          <a:fillRef idx="0">
+            <a:schemeClr val="dk1"/>
+          </a:fillRef>
+          <a:effectRef idx="0">
+            <a:schemeClr val="dk1"/>
+          </a:effectRef>
+          <a:fontRef idx="minor">
+            <a:schemeClr val="tx1"/>
+          </a:fontRef>
+        </p:style>
+      </p:cxnSp>
+      <p:cxnSp>
+        <p:nvCxnSpPr>
+          <p:cNvPr id="18" name="Straight Arrow Connector 17">
+            <a:extLst>
+              <a:ext uri="{FF2B5EF4-FFF2-40B4-BE49-F238E27FC236}">
+                <a16:creationId xmlns:a16="http://schemas.microsoft.com/office/drawing/2014/main" id="{C44924AA-1485-4BF8-8450-08B56A1E891B}"/>
+              </a:ext>
+            </a:extLst>
+          </p:cNvPr>
+          <p:cNvCxnSpPr/>
+          <p:nvPr/>
+        </p:nvCxnSpPr>
+        <p:spPr>
+          <a:xfrm flipV="1">
+            <a:off x="6324600" y="4939757"/>
+            <a:ext cx="0" cy="567024"/>
+          </a:xfrm>
+          <a:prstGeom prst="straightConnector1">
+            <a:avLst/>
+          </a:prstGeom>
+          <a:ln>
+            <a:tailEnd type="arrow"/>
+          </a:ln>
+        </p:spPr>
+        <p:style>
+          <a:lnRef idx="1">
+            <a:schemeClr val="dk1"/>
+          </a:lnRef>
+          <a:fillRef idx="0">
+            <a:schemeClr val="dk1"/>
+          </a:fillRef>
+          <a:effectRef idx="0">
+            <a:schemeClr val="dk1"/>
+          </a:effectRef>
+          <a:fontRef idx="minor">
+            <a:schemeClr val="tx1"/>
+          </a:fontRef>
+        </p:style>
+      </p:cxnSp>
+      <p:cxnSp>
+        <p:nvCxnSpPr>
+          <p:cNvPr id="19" name="Straight Arrow Connector 18">
+            <a:extLst>
+              <a:ext uri="{FF2B5EF4-FFF2-40B4-BE49-F238E27FC236}">
+                <a16:creationId xmlns:a16="http://schemas.microsoft.com/office/drawing/2014/main" id="{5E7BD59E-B193-4AB3-804B-ED5BA1A62BF2}"/>
+              </a:ext>
+            </a:extLst>
+          </p:cNvPr>
+          <p:cNvCxnSpPr/>
+          <p:nvPr/>
+        </p:nvCxnSpPr>
+        <p:spPr>
+          <a:xfrm>
+            <a:off x="6040033" y="3156638"/>
+            <a:ext cx="436967" cy="435820"/>
+          </a:xfrm>
+          <a:prstGeom prst="straightConnector1">
+            <a:avLst/>
+          </a:prstGeom>
+          <a:ln>
+            <a:tailEnd type="arrow"/>
+          </a:ln>
+        </p:spPr>
+        <p:style>
+          <a:lnRef idx="1">
+            <a:schemeClr val="dk1"/>
+          </a:lnRef>
+          <a:fillRef idx="0">
+            <a:schemeClr val="dk1"/>
+          </a:fillRef>
+          <a:effectRef idx="0">
+            <a:schemeClr val="dk1"/>
+          </a:effectRef>
+          <a:fontRef idx="minor">
+            <a:schemeClr val="tx1"/>
+          </a:fontRef>
+        </p:style>
+      </p:cxnSp>
+      <p:sp>
+        <p:nvSpPr>
+          <p:cNvPr id="20" name="TextBox 19">
+            <a:extLst>
+              <a:ext uri="{FF2B5EF4-FFF2-40B4-BE49-F238E27FC236}">
+                <a16:creationId xmlns:a16="http://schemas.microsoft.com/office/drawing/2014/main" id="{6CE87686-63D4-45AE-A512-AFCF0348D40E}"/>
+              </a:ext>
+            </a:extLst>
+          </p:cNvPr>
+          <p:cNvSpPr txBox="1"/>
+          <p:nvPr/>
+        </p:nvSpPr>
+        <p:spPr>
+          <a:xfrm>
+            <a:off x="3962400" y="5341413"/>
+            <a:ext cx="1604927" cy="923330"/>
+          </a:xfrm>
+          <a:prstGeom prst="rect">
+            <a:avLst/>
+          </a:prstGeom>
+          <a:noFill/>
+        </p:spPr>
+        <p:txBody>
+          <a:bodyPr wrap="square" rtlCol="0">
+            <a:spAutoFit/>
+          </a:bodyPr>
+          <a:lstStyle/>
+          <a:p>
+            <a:pPr algn="ctr"/>
+            <a:r>
+              <a:rPr lang="en-US" dirty="0"/>
+              <a:t>Moment of Inertia about Y axis</a:t>
+            </a:r>
+          </a:p>
+        </p:txBody>
+      </p:sp>
+      <p:sp>
+        <p:nvSpPr>
+          <p:cNvPr id="21" name="TextBox 20">
+            <a:extLst>
+              <a:ext uri="{FF2B5EF4-FFF2-40B4-BE49-F238E27FC236}">
+                <a16:creationId xmlns:a16="http://schemas.microsoft.com/office/drawing/2014/main" id="{C18D99C7-098E-41C4-B92C-825414420873}"/>
+              </a:ext>
+            </a:extLst>
+          </p:cNvPr>
+          <p:cNvSpPr txBox="1"/>
+          <p:nvPr/>
+        </p:nvSpPr>
+        <p:spPr>
+          <a:xfrm>
+            <a:off x="5522136" y="5581471"/>
+            <a:ext cx="1604927" cy="1200329"/>
+          </a:xfrm>
+          <a:prstGeom prst="rect">
+            <a:avLst/>
+          </a:prstGeom>
+          <a:noFill/>
+        </p:spPr>
+        <p:txBody>
+          <a:bodyPr wrap="square" rtlCol="0">
+            <a:spAutoFit/>
+          </a:bodyPr>
+          <a:lstStyle/>
+          <a:p>
+            <a:pPr algn="ctr"/>
+            <a:r>
+              <a:rPr lang="en-US" dirty="0"/>
+              <a:t>The x position of the leftmost point on your shape</a:t>
+            </a:r>
+          </a:p>
+        </p:txBody>
+      </p:sp>
+      <p:sp>
+        <p:nvSpPr>
+          <p:cNvPr id="22" name="TextBox 21">
+            <a:extLst>
+              <a:ext uri="{FF2B5EF4-FFF2-40B4-BE49-F238E27FC236}">
+                <a16:creationId xmlns:a16="http://schemas.microsoft.com/office/drawing/2014/main" id="{49ECA06E-0B99-486D-818B-D327880E5CFD}"/>
+              </a:ext>
+            </a:extLst>
+          </p:cNvPr>
+          <p:cNvSpPr txBox="1"/>
+          <p:nvPr/>
+        </p:nvSpPr>
+        <p:spPr>
+          <a:xfrm>
+            <a:off x="4648200" y="2255862"/>
+            <a:ext cx="2097865" cy="923330"/>
+          </a:xfrm>
+          <a:prstGeom prst="rect">
+            <a:avLst/>
+          </a:prstGeom>
+          <a:noFill/>
+        </p:spPr>
+        <p:txBody>
+          <a:bodyPr wrap="square" rtlCol="0">
+            <a:spAutoFit/>
+          </a:bodyPr>
+          <a:lstStyle/>
+          <a:p>
+            <a:pPr algn="ctr"/>
+            <a:r>
+              <a:rPr lang="en-US" dirty="0"/>
+              <a:t>The x position of the rightmost point on your shape</a:t>
+            </a:r>
+          </a:p>
+        </p:txBody>
+      </p:sp>
+      <p:sp>
+        <p:nvSpPr>
+          <p:cNvPr id="23" name="TextBox 22">
+            <a:extLst>
+              <a:ext uri="{FF2B5EF4-FFF2-40B4-BE49-F238E27FC236}">
+                <a16:creationId xmlns:a16="http://schemas.microsoft.com/office/drawing/2014/main" id="{35419679-2575-4E4A-A4C6-69FDED1C00A5}"/>
+              </a:ext>
+            </a:extLst>
+          </p:cNvPr>
+          <p:cNvSpPr txBox="1"/>
+          <p:nvPr/>
+        </p:nvSpPr>
+        <p:spPr>
+          <a:xfrm>
+            <a:off x="17369" y="3184397"/>
+            <a:ext cx="893549" cy="369332"/>
+          </a:xfrm>
+          <a:prstGeom prst="rect">
+            <a:avLst/>
+          </a:prstGeom>
+          <a:noFill/>
+        </p:spPr>
+        <p:txBody>
+          <a:bodyPr wrap="square" rtlCol="0">
+            <a:spAutoFit/>
+          </a:bodyPr>
+          <a:lstStyle/>
+          <a:p>
+            <a:pPr algn="ctr"/>
+            <a:r>
+              <a:rPr lang="en-US" dirty="0"/>
+              <a:t>x min</a:t>
+            </a:r>
+          </a:p>
+        </p:txBody>
+      </p:sp>
+      <p:cxnSp>
+        <p:nvCxnSpPr>
+          <p:cNvPr id="24" name="Straight Arrow Connector 23">
+            <a:extLst>
+              <a:ext uri="{FF2B5EF4-FFF2-40B4-BE49-F238E27FC236}">
+                <a16:creationId xmlns:a16="http://schemas.microsoft.com/office/drawing/2014/main" id="{3383CA19-54E8-40E4-AD6E-0723B7513C8C}"/>
+              </a:ext>
+            </a:extLst>
+          </p:cNvPr>
+          <p:cNvCxnSpPr/>
+          <p:nvPr/>
+        </p:nvCxnSpPr>
+        <p:spPr>
+          <a:xfrm>
+            <a:off x="1073206" y="5075469"/>
+            <a:ext cx="1676400" cy="0"/>
+          </a:xfrm>
+          <a:prstGeom prst="straightConnector1">
+            <a:avLst/>
+          </a:prstGeom>
+          <a:ln>
+            <a:tailEnd type="arrow"/>
+          </a:ln>
+        </p:spPr>
+        <p:style>
+          <a:lnRef idx="2">
+            <a:schemeClr val="accent1"/>
+          </a:lnRef>
+          <a:fillRef idx="0">
+            <a:schemeClr val="accent1"/>
+          </a:fillRef>
+          <a:effectRef idx="1">
+            <a:schemeClr val="accent1"/>
+          </a:effectRef>
+          <a:fontRef idx="minor">
+            <a:schemeClr val="tx1"/>
+          </a:fontRef>
+        </p:style>
+      </p:cxnSp>
+      <p:cxnSp>
+        <p:nvCxnSpPr>
+          <p:cNvPr id="25" name="Straight Arrow Connector 24">
+            <a:extLst>
+              <a:ext uri="{FF2B5EF4-FFF2-40B4-BE49-F238E27FC236}">
+                <a16:creationId xmlns:a16="http://schemas.microsoft.com/office/drawing/2014/main" id="{C408E1D4-9298-410A-A3C2-E75E00E15695}"/>
+              </a:ext>
+            </a:extLst>
+          </p:cNvPr>
+          <p:cNvCxnSpPr/>
+          <p:nvPr/>
+        </p:nvCxnSpPr>
+        <p:spPr>
+          <a:xfrm>
+            <a:off x="1073206" y="5616560"/>
+            <a:ext cx="1676400" cy="0"/>
+          </a:xfrm>
+          <a:prstGeom prst="straightConnector1">
+            <a:avLst/>
+          </a:prstGeom>
+          <a:ln>
+            <a:tailEnd type="arrow"/>
+          </a:ln>
+        </p:spPr>
+        <p:style>
+          <a:lnRef idx="2">
+            <a:schemeClr val="accent1"/>
+          </a:lnRef>
+          <a:fillRef idx="0">
+            <a:schemeClr val="accent1"/>
+          </a:fillRef>
+          <a:effectRef idx="1">
+            <a:schemeClr val="accent1"/>
+          </a:effectRef>
+          <a:fontRef idx="minor">
+            <a:schemeClr val="tx1"/>
+          </a:fontRef>
+        </p:style>
+      </p:cxnSp>
+      <p:cxnSp>
+        <p:nvCxnSpPr>
+          <p:cNvPr id="26" name="Straight Connector 25">
+            <a:extLst>
+              <a:ext uri="{FF2B5EF4-FFF2-40B4-BE49-F238E27FC236}">
+                <a16:creationId xmlns:a16="http://schemas.microsoft.com/office/drawing/2014/main" id="{28E924A8-F9C4-42A6-9F34-983ECA44BC35}"/>
+              </a:ext>
+            </a:extLst>
+          </p:cNvPr>
+          <p:cNvCxnSpPr/>
+          <p:nvPr/>
+        </p:nvCxnSpPr>
+        <p:spPr>
+          <a:xfrm>
+            <a:off x="512618" y="3678919"/>
+            <a:ext cx="0" cy="839707"/>
+          </a:xfrm>
+          <a:prstGeom prst="line">
+            <a:avLst/>
+          </a:prstGeom>
+        </p:spPr>
+        <p:style>
+          <a:lnRef idx="1">
+            <a:schemeClr val="dk1"/>
+          </a:lnRef>
+          <a:fillRef idx="0">
+            <a:schemeClr val="dk1"/>
+          </a:fillRef>
+          <a:effectRef idx="0">
+            <a:schemeClr val="dk1"/>
+          </a:effectRef>
+          <a:fontRef idx="minor">
+            <a:schemeClr val="tx1"/>
+          </a:fontRef>
+        </p:style>
+      </p:cxnSp>
+      <p:sp>
+        <p:nvSpPr>
+          <p:cNvPr id="27" name="TextBox 26">
+            <a:extLst>
+              <a:ext uri="{FF2B5EF4-FFF2-40B4-BE49-F238E27FC236}">
+                <a16:creationId xmlns:a16="http://schemas.microsoft.com/office/drawing/2014/main" id="{73EA01C7-1679-4A99-84ED-9A52B7A242A8}"/>
+              </a:ext>
+            </a:extLst>
+          </p:cNvPr>
+          <p:cNvSpPr txBox="1"/>
+          <p:nvPr/>
+        </p:nvSpPr>
+        <p:spPr>
+          <a:xfrm>
+            <a:off x="2719024" y="3178160"/>
+            <a:ext cx="893549" cy="369332"/>
+          </a:xfrm>
+          <a:prstGeom prst="rect">
+            <a:avLst/>
+          </a:prstGeom>
+          <a:noFill/>
+        </p:spPr>
+        <p:txBody>
+          <a:bodyPr wrap="square" rtlCol="0">
+            <a:spAutoFit/>
+          </a:bodyPr>
+          <a:lstStyle/>
+          <a:p>
+            <a:pPr algn="ctr"/>
+            <a:r>
+              <a:rPr lang="en-US" dirty="0"/>
+              <a:t>x max</a:t>
+            </a:r>
+          </a:p>
+        </p:txBody>
+      </p:sp>
+      <p:cxnSp>
+        <p:nvCxnSpPr>
+          <p:cNvPr id="28" name="Straight Connector 27">
+            <a:extLst>
+              <a:ext uri="{FF2B5EF4-FFF2-40B4-BE49-F238E27FC236}">
+                <a16:creationId xmlns:a16="http://schemas.microsoft.com/office/drawing/2014/main" id="{FEABB0B9-9388-4545-B830-5ADBB8574389}"/>
+              </a:ext>
+            </a:extLst>
+          </p:cNvPr>
+          <p:cNvCxnSpPr/>
+          <p:nvPr/>
+        </p:nvCxnSpPr>
+        <p:spPr>
+          <a:xfrm>
+            <a:off x="3214273" y="3672682"/>
+            <a:ext cx="0" cy="839707"/>
+          </a:xfrm>
+          <a:prstGeom prst="line">
+            <a:avLst/>
+          </a:prstGeom>
+        </p:spPr>
+        <p:style>
+          <a:lnRef idx="1">
+            <a:schemeClr val="dk1"/>
+          </a:lnRef>
+          <a:fillRef idx="0">
+            <a:schemeClr val="dk1"/>
+          </a:fillRef>
+          <a:effectRef idx="0">
+            <a:schemeClr val="dk1"/>
+          </a:effectRef>
+          <a:fontRef idx="minor">
+            <a:schemeClr val="tx1"/>
+          </a:fontRef>
+        </p:style>
+      </p:cxnSp>
+      <p:cxnSp>
+        <p:nvCxnSpPr>
+          <p:cNvPr id="29" name="Straight Arrow Connector 28">
+            <a:extLst>
+              <a:ext uri="{FF2B5EF4-FFF2-40B4-BE49-F238E27FC236}">
+                <a16:creationId xmlns:a16="http://schemas.microsoft.com/office/drawing/2014/main" id="{1C7C5130-7B90-4AC8-B350-EDF2D71C898A}"/>
+              </a:ext>
+            </a:extLst>
+          </p:cNvPr>
+          <p:cNvCxnSpPr>
+            <a:stCxn id="30" idx="0"/>
+          </p:cNvCxnSpPr>
+          <p:nvPr/>
+        </p:nvCxnSpPr>
+        <p:spPr>
+          <a:xfrm flipV="1">
+            <a:off x="8077200" y="4462734"/>
+            <a:ext cx="0" cy="798086"/>
+          </a:xfrm>
+          <a:prstGeom prst="straightConnector1">
+            <a:avLst/>
+          </a:prstGeom>
+          <a:ln>
+            <a:tailEnd type="arrow"/>
+          </a:ln>
+        </p:spPr>
+        <p:style>
+          <a:lnRef idx="1">
+            <a:schemeClr val="dk1"/>
+          </a:lnRef>
+          <a:fillRef idx="0">
+            <a:schemeClr val="dk1"/>
+          </a:fillRef>
+          <a:effectRef idx="0">
+            <a:schemeClr val="dk1"/>
+          </a:effectRef>
+          <a:fontRef idx="minor">
+            <a:schemeClr val="tx1"/>
+          </a:fontRef>
+        </p:style>
+      </p:cxnSp>
+      <p:sp>
+        <p:nvSpPr>
+          <p:cNvPr id="30" name="TextBox 29">
+            <a:extLst>
+              <a:ext uri="{FF2B5EF4-FFF2-40B4-BE49-F238E27FC236}">
+                <a16:creationId xmlns:a16="http://schemas.microsoft.com/office/drawing/2014/main" id="{67CE1E18-E65F-415B-B919-4F8AC960BB09}"/>
+              </a:ext>
+            </a:extLst>
+          </p:cNvPr>
+          <p:cNvSpPr txBox="1"/>
+          <p:nvPr/>
+        </p:nvSpPr>
+        <p:spPr>
+          <a:xfrm>
+            <a:off x="7274736" y="5260820"/>
+            <a:ext cx="1604927" cy="1200329"/>
+          </a:xfrm>
+          <a:prstGeom prst="rect">
+            <a:avLst/>
+          </a:prstGeom>
+          <a:noFill/>
+        </p:spPr>
+        <p:txBody>
+          <a:bodyPr wrap="square" rtlCol="0">
+            <a:spAutoFit/>
+          </a:bodyPr>
+          <a:lstStyle/>
+          <a:p>
+            <a:pPr algn="ctr"/>
+            <a:r>
+              <a:rPr lang="en-US" dirty="0"/>
+              <a:t>distance from y axis at any point (x coordinate)</a:t>
+            </a:r>
+          </a:p>
+        </p:txBody>
+      </p:sp>
+      <p:sp>
+        <p:nvSpPr>
+          <p:cNvPr id="31" name="TextBox 30">
+            <a:extLst>
+              <a:ext uri="{FF2B5EF4-FFF2-40B4-BE49-F238E27FC236}">
+                <a16:creationId xmlns:a16="http://schemas.microsoft.com/office/drawing/2014/main" id="{74D2A851-6D60-498A-8AE9-0AF8B09394B7}"/>
+              </a:ext>
+            </a:extLst>
+          </p:cNvPr>
+          <p:cNvSpPr txBox="1"/>
+          <p:nvPr/>
+        </p:nvSpPr>
+        <p:spPr>
+          <a:xfrm>
+            <a:off x="7162800" y="1274192"/>
+            <a:ext cx="1716864" cy="2308324"/>
+          </a:xfrm>
+          <a:prstGeom prst="rect">
+            <a:avLst/>
+          </a:prstGeom>
+          <a:noFill/>
+        </p:spPr>
+        <p:txBody>
+          <a:bodyPr wrap="square" rtlCol="0">
+            <a:spAutoFit/>
+          </a:bodyPr>
+          <a:lstStyle/>
+          <a:p>
+            <a:pPr algn="ctr"/>
+            <a:r>
+              <a:rPr lang="en-US" dirty="0"/>
+              <a:t>The equation describing the height of the shape at any given value of x times the rate at which x is changing</a:t>
+            </a:r>
           </a:p>
         </p:txBody>
       </p:sp>
@@ -10781,6 +16772,15 @@
 </file>
 
 <file path=customXml/item1.xml><?xml version="1.0" encoding="utf-8"?>
+<?mso-contentType ?>
+<FormTemplates xmlns="http://schemas.microsoft.com/sharepoint/v3/contenttype/forms">
+  <Display>DocumentLibraryForm</Display>
+  <Edit>DocumentLibraryForm</Edit>
+  <New>DocumentLibraryForm</New>
+</FormTemplates>
+</file>
+
+<file path=customXml/item2.xml><?xml version="1.0" encoding="utf-8"?>
 <ct:contentTypeSchema xmlns:ct="http://schemas.microsoft.com/office/2006/metadata/contentType" xmlns:ma="http://schemas.microsoft.com/office/2006/metadata/properties/metaAttributes" ct:_="" ma:_="" ma:contentTypeName="Document" ma:contentTypeID="0x010100A06DF21F5BB2734A800ED30F3F452129" ma:contentTypeVersion="12" ma:contentTypeDescription="Create a new document." ma:contentTypeScope="" ma:versionID="544d96a5fbac5de9d5d902b535c73fb2">
   <xsd:schema xmlns:xsd="http://www.w3.org/2001/XMLSchema" xmlns:xs="http://www.w3.org/2001/XMLSchema" xmlns:p="http://schemas.microsoft.com/office/2006/metadata/properties" xmlns:ns3="90d05cb5-950f-4f68-bc2c-e17794455b92" xmlns:ns4="b4eab9fa-dbb0-4082-8491-8bd54207a265" targetNamespace="http://schemas.microsoft.com/office/2006/metadata/properties" ma:root="true" ma:fieldsID="7a710efc71c2169bf9c05e5a40dddf12" ns3:_="" ns4:_="">
     <xsd:import namespace="90d05cb5-950f-4f68-bc2c-e17794455b92"/>
@@ -10997,15 +16997,6 @@
 </ct:contentTypeSchema>
 </file>
 
-<file path=customXml/item2.xml><?xml version="1.0" encoding="utf-8"?>
-<?mso-contentType ?>
-<FormTemplates xmlns="http://schemas.microsoft.com/sharepoint/v3/contenttype/forms">
-  <Display>DocumentLibraryForm</Display>
-  <Edit>DocumentLibraryForm</Edit>
-  <New>DocumentLibraryForm</New>
-</FormTemplates>
-</file>
-
 <file path=customXml/item3.xml><?xml version="1.0" encoding="utf-8"?>
 <p:properties xmlns:p="http://schemas.microsoft.com/office/2006/metadata/properties" xmlns:xsi="http://www.w3.org/2001/XMLSchema-instance" xmlns:pc="http://schemas.microsoft.com/office/infopath/2007/PartnerControls">
   <documentManagement/>
@@ -11013,6 +17004,14 @@
 </file>
 
 <file path=customXml/itemProps1.xml><?xml version="1.0" encoding="utf-8"?>
+<ds:datastoreItem xmlns:ds="http://schemas.openxmlformats.org/officeDocument/2006/customXml" ds:itemID="{F5CF5F32-56DC-4068-8B04-457CF34A96F3}">
+  <ds:schemaRefs>
+    <ds:schemaRef ds:uri="http://schemas.microsoft.com/sharepoint/v3/contenttype/forms"/>
+  </ds:schemaRefs>
+</ds:datastoreItem>
+</file>
+
+<file path=customXml/itemProps2.xml><?xml version="1.0" encoding="utf-8"?>
 <ds:datastoreItem xmlns:ds="http://schemas.openxmlformats.org/officeDocument/2006/customXml" ds:itemID="{A43B8A4B-79FE-4529-931C-D64224FA70E3}">
   <ds:schemaRefs>
     <ds:schemaRef ds:uri="http://schemas.microsoft.com/office/2006/metadata/contentType"/>
@@ -11031,14 +17030,6 @@
 </ds:datastoreItem>
 </file>
 
-<file path=customXml/itemProps2.xml><?xml version="1.0" encoding="utf-8"?>
-<ds:datastoreItem xmlns:ds="http://schemas.openxmlformats.org/officeDocument/2006/customXml" ds:itemID="{F5CF5F32-56DC-4068-8B04-457CF34A96F3}">
-  <ds:schemaRefs>
-    <ds:schemaRef ds:uri="http://schemas.microsoft.com/sharepoint/v3/contenttype/forms"/>
-  </ds:schemaRefs>
-</ds:datastoreItem>
-</file>
-
 <file path=customXml/itemProps3.xml><?xml version="1.0" encoding="utf-8"?>
 <ds:datastoreItem xmlns:ds="http://schemas.openxmlformats.org/officeDocument/2006/customXml" ds:itemID="{52EB1464-66D1-425A-BBB5-7A9312BBE9C4}">
   <ds:schemaRefs>

--- a/Lecture Slides/VideoLectureSlides/A_2.5.pptx
+++ b/Lecture Slides/VideoLectureSlides/A_2.5.pptx
@@ -188,144 +188,6 @@
             <ac:spMk id="3" creationId="{00000000-0000-0000-0000-000000000000}"/>
           </ac:spMkLst>
         </pc:spChg>
-      </pc:sldChg>
-    </pc:docChg>
-  </pc:docChgLst>
-  <pc:docChgLst>
-    <pc:chgData name="Moore, Jacob Preston" userId="fdd3fd0f-c483-48c9-988d-7deb216763fd" providerId="ADAL" clId="{CC962662-F079-4162-8E29-DEFFCB9A4670}"/>
-    <pc:docChg chg="undo custSel addSld delSld modSld">
-      <pc:chgData name="Moore, Jacob Preston" userId="fdd3fd0f-c483-48c9-988d-7deb216763fd" providerId="ADAL" clId="{CC962662-F079-4162-8E29-DEFFCB9A4670}" dt="2020-06-24T14:40:18.871" v="40"/>
-      <pc:docMkLst>
-        <pc:docMk/>
-      </pc:docMkLst>
-      <pc:sldChg chg="modSp add">
-        <pc:chgData name="Moore, Jacob Preston" userId="fdd3fd0f-c483-48c9-988d-7deb216763fd" providerId="ADAL" clId="{CC962662-F079-4162-8E29-DEFFCB9A4670}" dt="2020-06-24T14:37:39.615" v="38" actId="1076"/>
-        <pc:sldMkLst>
-          <pc:docMk/>
-          <pc:sldMk cId="436388632" sldId="265"/>
-        </pc:sldMkLst>
-        <pc:spChg chg="mod">
-          <ac:chgData name="Moore, Jacob Preston" userId="fdd3fd0f-c483-48c9-988d-7deb216763fd" providerId="ADAL" clId="{CC962662-F079-4162-8E29-DEFFCB9A4670}" dt="2020-06-24T14:37:33.557" v="37" actId="20577"/>
-          <ac:spMkLst>
-            <pc:docMk/>
-            <pc:sldMk cId="436388632" sldId="265"/>
-            <ac:spMk id="3" creationId="{00000000-0000-0000-0000-000000000000}"/>
-          </ac:spMkLst>
-        </pc:spChg>
-        <pc:picChg chg="mod">
-          <ac:chgData name="Moore, Jacob Preston" userId="fdd3fd0f-c483-48c9-988d-7deb216763fd" providerId="ADAL" clId="{CC962662-F079-4162-8E29-DEFFCB9A4670}" dt="2020-06-24T14:37:39.615" v="38" actId="1076"/>
-          <ac:picMkLst>
-            <pc:docMk/>
-            <pc:sldMk cId="436388632" sldId="265"/>
-            <ac:picMk id="1026" creationId="{F20133BE-B2AA-4E57-B8E7-7247A229A309}"/>
-          </ac:picMkLst>
-        </pc:picChg>
-      </pc:sldChg>
-      <pc:sldChg chg="modSp add">
-        <pc:chgData name="Moore, Jacob Preston" userId="fdd3fd0f-c483-48c9-988d-7deb216763fd" providerId="ADAL" clId="{CC962662-F079-4162-8E29-DEFFCB9A4670}" dt="2020-06-24T14:36:27.224" v="18" actId="20577"/>
-        <pc:sldMkLst>
-          <pc:docMk/>
-          <pc:sldMk cId="4245639764" sldId="266"/>
-        </pc:sldMkLst>
-        <pc:spChg chg="mod">
-          <ac:chgData name="Moore, Jacob Preston" userId="fdd3fd0f-c483-48c9-988d-7deb216763fd" providerId="ADAL" clId="{CC962662-F079-4162-8E29-DEFFCB9A4670}" dt="2020-06-24T14:36:27.224" v="18" actId="20577"/>
-          <ac:spMkLst>
-            <pc:docMk/>
-            <pc:sldMk cId="4245639764" sldId="266"/>
-            <ac:spMk id="3" creationId="{00000000-0000-0000-0000-000000000000}"/>
-          </ac:spMkLst>
-        </pc:spChg>
-      </pc:sldChg>
-      <pc:sldChg chg="add">
-        <pc:chgData name="Moore, Jacob Preston" userId="fdd3fd0f-c483-48c9-988d-7deb216763fd" providerId="ADAL" clId="{CC962662-F079-4162-8E29-DEFFCB9A4670}" dt="2020-06-24T14:33:03.116" v="14"/>
-        <pc:sldMkLst>
-          <pc:docMk/>
-          <pc:sldMk cId="2922969274" sldId="268"/>
-        </pc:sldMkLst>
-      </pc:sldChg>
-      <pc:sldChg chg="add">
-        <pc:chgData name="Moore, Jacob Preston" userId="fdd3fd0f-c483-48c9-988d-7deb216763fd" providerId="ADAL" clId="{CC962662-F079-4162-8E29-DEFFCB9A4670}" dt="2020-06-24T14:36:08.995" v="16"/>
-        <pc:sldMkLst>
-          <pc:docMk/>
-          <pc:sldMk cId="2607163968" sldId="271"/>
-        </pc:sldMkLst>
-      </pc:sldChg>
-      <pc:sldChg chg="del">
-        <pc:chgData name="Moore, Jacob Preston" userId="fdd3fd0f-c483-48c9-988d-7deb216763fd" providerId="ADAL" clId="{CC962662-F079-4162-8E29-DEFFCB9A4670}" dt="2020-06-24T14:30:11.929" v="9" actId="2696"/>
-        <pc:sldMkLst>
-          <pc:docMk/>
-          <pc:sldMk cId="714259310" sldId="295"/>
-        </pc:sldMkLst>
-      </pc:sldChg>
-      <pc:sldChg chg="del">
-        <pc:chgData name="Moore, Jacob Preston" userId="fdd3fd0f-c483-48c9-988d-7deb216763fd" providerId="ADAL" clId="{CC962662-F079-4162-8E29-DEFFCB9A4670}" dt="2020-06-24T14:30:11.946" v="11" actId="2696"/>
-        <pc:sldMkLst>
-          <pc:docMk/>
-          <pc:sldMk cId="2957801084" sldId="298"/>
-        </pc:sldMkLst>
-      </pc:sldChg>
-      <pc:sldChg chg="del">
-        <pc:chgData name="Moore, Jacob Preston" userId="fdd3fd0f-c483-48c9-988d-7deb216763fd" providerId="ADAL" clId="{CC962662-F079-4162-8E29-DEFFCB9A4670}" dt="2020-06-24T14:30:11.954" v="12" actId="2696"/>
-        <pc:sldMkLst>
-          <pc:docMk/>
-          <pc:sldMk cId="1486813351" sldId="300"/>
-        </pc:sldMkLst>
-      </pc:sldChg>
-      <pc:sldChg chg="modAnim">
-        <pc:chgData name="Moore, Jacob Preston" userId="fdd3fd0f-c483-48c9-988d-7deb216763fd" providerId="ADAL" clId="{CC962662-F079-4162-8E29-DEFFCB9A4670}" dt="2020-06-24T14:40:18.871" v="40"/>
-        <pc:sldMkLst>
-          <pc:docMk/>
-          <pc:sldMk cId="1529878365" sldId="306"/>
-        </pc:sldMkLst>
-      </pc:sldChg>
-      <pc:sldChg chg="modAnim">
-        <pc:chgData name="Moore, Jacob Preston" userId="fdd3fd0f-c483-48c9-988d-7deb216763fd" providerId="ADAL" clId="{CC962662-F079-4162-8E29-DEFFCB9A4670}" dt="2020-06-24T14:27:15.774" v="4"/>
-        <pc:sldMkLst>
-          <pc:docMk/>
-          <pc:sldMk cId="1454070180" sldId="312"/>
-        </pc:sldMkLst>
-      </pc:sldChg>
-      <pc:sldChg chg="modAnim">
-        <pc:chgData name="Moore, Jacob Preston" userId="fdd3fd0f-c483-48c9-988d-7deb216763fd" providerId="ADAL" clId="{CC962662-F079-4162-8E29-DEFFCB9A4670}" dt="2020-06-24T14:28:05.314" v="7"/>
-        <pc:sldMkLst>
-          <pc:docMk/>
-          <pc:sldMk cId="65346684" sldId="313"/>
-        </pc:sldMkLst>
-      </pc:sldChg>
-      <pc:sldChg chg="del">
-        <pc:chgData name="Moore, Jacob Preston" userId="fdd3fd0f-c483-48c9-988d-7deb216763fd" providerId="ADAL" clId="{CC962662-F079-4162-8E29-DEFFCB9A4670}" dt="2020-06-24T14:30:11.921" v="8" actId="2696"/>
-        <pc:sldMkLst>
-          <pc:docMk/>
-          <pc:sldMk cId="4054802990" sldId="319"/>
-        </pc:sldMkLst>
-      </pc:sldChg>
-      <pc:sldChg chg="del">
-        <pc:chgData name="Moore, Jacob Preston" userId="fdd3fd0f-c483-48c9-988d-7deb216763fd" providerId="ADAL" clId="{CC962662-F079-4162-8E29-DEFFCB9A4670}" dt="2020-06-24T14:30:11.937" v="10" actId="2696"/>
-        <pc:sldMkLst>
-          <pc:docMk/>
-          <pc:sldMk cId="1311655685" sldId="321"/>
-        </pc:sldMkLst>
-      </pc:sldChg>
-      <pc:sldChg chg="modAnim">
-        <pc:chgData name="Moore, Jacob Preston" userId="fdd3fd0f-c483-48c9-988d-7deb216763fd" providerId="ADAL" clId="{CC962662-F079-4162-8E29-DEFFCB9A4670}" dt="2020-06-24T14:18:38.568" v="1"/>
-        <pc:sldMkLst>
-          <pc:docMk/>
-          <pc:sldMk cId="842194440" sldId="322"/>
-        </pc:sldMkLst>
-      </pc:sldChg>
-      <pc:sldChg chg="modAnim">
-        <pc:chgData name="Moore, Jacob Preston" userId="fdd3fd0f-c483-48c9-988d-7deb216763fd" providerId="ADAL" clId="{CC962662-F079-4162-8E29-DEFFCB9A4670}" dt="2020-06-24T14:19:22.580" v="3"/>
-        <pc:sldMkLst>
-          <pc:docMk/>
-          <pc:sldMk cId="3832600308" sldId="323"/>
-        </pc:sldMkLst>
-      </pc:sldChg>
-      <pc:sldChg chg="add del">
-        <pc:chgData name="Moore, Jacob Preston" userId="fdd3fd0f-c483-48c9-988d-7deb216763fd" providerId="ADAL" clId="{CC962662-F079-4162-8E29-DEFFCB9A4670}" dt="2020-06-24T14:33:05.293" v="15" actId="2696"/>
-        <pc:sldMkLst>
-          <pc:docMk/>
-          <pc:sldMk cId="2649397452" sldId="326"/>
-        </pc:sldMkLst>
       </pc:sldChg>
     </pc:docChg>
   </pc:docChgLst>
@@ -631,6 +493,144 @@
       </pc:sldChg>
     </pc:docChg>
   </pc:docChgLst>
+  <pc:docChgLst>
+    <pc:chgData name="Moore, Jacob Preston" userId="fdd3fd0f-c483-48c9-988d-7deb216763fd" providerId="ADAL" clId="{CC962662-F079-4162-8E29-DEFFCB9A4670}"/>
+    <pc:docChg chg="undo custSel addSld delSld modSld">
+      <pc:chgData name="Moore, Jacob Preston" userId="fdd3fd0f-c483-48c9-988d-7deb216763fd" providerId="ADAL" clId="{CC962662-F079-4162-8E29-DEFFCB9A4670}" dt="2020-06-24T14:40:18.871" v="40"/>
+      <pc:docMkLst>
+        <pc:docMk/>
+      </pc:docMkLst>
+      <pc:sldChg chg="modSp add">
+        <pc:chgData name="Moore, Jacob Preston" userId="fdd3fd0f-c483-48c9-988d-7deb216763fd" providerId="ADAL" clId="{CC962662-F079-4162-8E29-DEFFCB9A4670}" dt="2020-06-24T14:37:39.615" v="38" actId="1076"/>
+        <pc:sldMkLst>
+          <pc:docMk/>
+          <pc:sldMk cId="436388632" sldId="265"/>
+        </pc:sldMkLst>
+        <pc:spChg chg="mod">
+          <ac:chgData name="Moore, Jacob Preston" userId="fdd3fd0f-c483-48c9-988d-7deb216763fd" providerId="ADAL" clId="{CC962662-F079-4162-8E29-DEFFCB9A4670}" dt="2020-06-24T14:37:33.557" v="37" actId="20577"/>
+          <ac:spMkLst>
+            <pc:docMk/>
+            <pc:sldMk cId="436388632" sldId="265"/>
+            <ac:spMk id="3" creationId="{00000000-0000-0000-0000-000000000000}"/>
+          </ac:spMkLst>
+        </pc:spChg>
+        <pc:picChg chg="mod">
+          <ac:chgData name="Moore, Jacob Preston" userId="fdd3fd0f-c483-48c9-988d-7deb216763fd" providerId="ADAL" clId="{CC962662-F079-4162-8E29-DEFFCB9A4670}" dt="2020-06-24T14:37:39.615" v="38" actId="1076"/>
+          <ac:picMkLst>
+            <pc:docMk/>
+            <pc:sldMk cId="436388632" sldId="265"/>
+            <ac:picMk id="1026" creationId="{F20133BE-B2AA-4E57-B8E7-7247A229A309}"/>
+          </ac:picMkLst>
+        </pc:picChg>
+      </pc:sldChg>
+      <pc:sldChg chg="modSp add">
+        <pc:chgData name="Moore, Jacob Preston" userId="fdd3fd0f-c483-48c9-988d-7deb216763fd" providerId="ADAL" clId="{CC962662-F079-4162-8E29-DEFFCB9A4670}" dt="2020-06-24T14:36:27.224" v="18" actId="20577"/>
+        <pc:sldMkLst>
+          <pc:docMk/>
+          <pc:sldMk cId="4245639764" sldId="266"/>
+        </pc:sldMkLst>
+        <pc:spChg chg="mod">
+          <ac:chgData name="Moore, Jacob Preston" userId="fdd3fd0f-c483-48c9-988d-7deb216763fd" providerId="ADAL" clId="{CC962662-F079-4162-8E29-DEFFCB9A4670}" dt="2020-06-24T14:36:27.224" v="18" actId="20577"/>
+          <ac:spMkLst>
+            <pc:docMk/>
+            <pc:sldMk cId="4245639764" sldId="266"/>
+            <ac:spMk id="3" creationId="{00000000-0000-0000-0000-000000000000}"/>
+          </ac:spMkLst>
+        </pc:spChg>
+      </pc:sldChg>
+      <pc:sldChg chg="add">
+        <pc:chgData name="Moore, Jacob Preston" userId="fdd3fd0f-c483-48c9-988d-7deb216763fd" providerId="ADAL" clId="{CC962662-F079-4162-8E29-DEFFCB9A4670}" dt="2020-06-24T14:33:03.116" v="14"/>
+        <pc:sldMkLst>
+          <pc:docMk/>
+          <pc:sldMk cId="2922969274" sldId="268"/>
+        </pc:sldMkLst>
+      </pc:sldChg>
+      <pc:sldChg chg="add">
+        <pc:chgData name="Moore, Jacob Preston" userId="fdd3fd0f-c483-48c9-988d-7deb216763fd" providerId="ADAL" clId="{CC962662-F079-4162-8E29-DEFFCB9A4670}" dt="2020-06-24T14:36:08.995" v="16"/>
+        <pc:sldMkLst>
+          <pc:docMk/>
+          <pc:sldMk cId="2607163968" sldId="271"/>
+        </pc:sldMkLst>
+      </pc:sldChg>
+      <pc:sldChg chg="del">
+        <pc:chgData name="Moore, Jacob Preston" userId="fdd3fd0f-c483-48c9-988d-7deb216763fd" providerId="ADAL" clId="{CC962662-F079-4162-8E29-DEFFCB9A4670}" dt="2020-06-24T14:30:11.929" v="9" actId="2696"/>
+        <pc:sldMkLst>
+          <pc:docMk/>
+          <pc:sldMk cId="714259310" sldId="295"/>
+        </pc:sldMkLst>
+      </pc:sldChg>
+      <pc:sldChg chg="del">
+        <pc:chgData name="Moore, Jacob Preston" userId="fdd3fd0f-c483-48c9-988d-7deb216763fd" providerId="ADAL" clId="{CC962662-F079-4162-8E29-DEFFCB9A4670}" dt="2020-06-24T14:30:11.946" v="11" actId="2696"/>
+        <pc:sldMkLst>
+          <pc:docMk/>
+          <pc:sldMk cId="2957801084" sldId="298"/>
+        </pc:sldMkLst>
+      </pc:sldChg>
+      <pc:sldChg chg="del">
+        <pc:chgData name="Moore, Jacob Preston" userId="fdd3fd0f-c483-48c9-988d-7deb216763fd" providerId="ADAL" clId="{CC962662-F079-4162-8E29-DEFFCB9A4670}" dt="2020-06-24T14:30:11.954" v="12" actId="2696"/>
+        <pc:sldMkLst>
+          <pc:docMk/>
+          <pc:sldMk cId="1486813351" sldId="300"/>
+        </pc:sldMkLst>
+      </pc:sldChg>
+      <pc:sldChg chg="modAnim">
+        <pc:chgData name="Moore, Jacob Preston" userId="fdd3fd0f-c483-48c9-988d-7deb216763fd" providerId="ADAL" clId="{CC962662-F079-4162-8E29-DEFFCB9A4670}" dt="2020-06-24T14:40:18.871" v="40"/>
+        <pc:sldMkLst>
+          <pc:docMk/>
+          <pc:sldMk cId="1529878365" sldId="306"/>
+        </pc:sldMkLst>
+      </pc:sldChg>
+      <pc:sldChg chg="modAnim">
+        <pc:chgData name="Moore, Jacob Preston" userId="fdd3fd0f-c483-48c9-988d-7deb216763fd" providerId="ADAL" clId="{CC962662-F079-4162-8E29-DEFFCB9A4670}" dt="2020-06-24T14:27:15.774" v="4"/>
+        <pc:sldMkLst>
+          <pc:docMk/>
+          <pc:sldMk cId="1454070180" sldId="312"/>
+        </pc:sldMkLst>
+      </pc:sldChg>
+      <pc:sldChg chg="modAnim">
+        <pc:chgData name="Moore, Jacob Preston" userId="fdd3fd0f-c483-48c9-988d-7deb216763fd" providerId="ADAL" clId="{CC962662-F079-4162-8E29-DEFFCB9A4670}" dt="2020-06-24T14:28:05.314" v="7"/>
+        <pc:sldMkLst>
+          <pc:docMk/>
+          <pc:sldMk cId="65346684" sldId="313"/>
+        </pc:sldMkLst>
+      </pc:sldChg>
+      <pc:sldChg chg="del">
+        <pc:chgData name="Moore, Jacob Preston" userId="fdd3fd0f-c483-48c9-988d-7deb216763fd" providerId="ADAL" clId="{CC962662-F079-4162-8E29-DEFFCB9A4670}" dt="2020-06-24T14:30:11.921" v="8" actId="2696"/>
+        <pc:sldMkLst>
+          <pc:docMk/>
+          <pc:sldMk cId="4054802990" sldId="319"/>
+        </pc:sldMkLst>
+      </pc:sldChg>
+      <pc:sldChg chg="del">
+        <pc:chgData name="Moore, Jacob Preston" userId="fdd3fd0f-c483-48c9-988d-7deb216763fd" providerId="ADAL" clId="{CC962662-F079-4162-8E29-DEFFCB9A4670}" dt="2020-06-24T14:30:11.937" v="10" actId="2696"/>
+        <pc:sldMkLst>
+          <pc:docMk/>
+          <pc:sldMk cId="1311655685" sldId="321"/>
+        </pc:sldMkLst>
+      </pc:sldChg>
+      <pc:sldChg chg="modAnim">
+        <pc:chgData name="Moore, Jacob Preston" userId="fdd3fd0f-c483-48c9-988d-7deb216763fd" providerId="ADAL" clId="{CC962662-F079-4162-8E29-DEFFCB9A4670}" dt="2020-06-24T14:18:38.568" v="1"/>
+        <pc:sldMkLst>
+          <pc:docMk/>
+          <pc:sldMk cId="842194440" sldId="322"/>
+        </pc:sldMkLst>
+      </pc:sldChg>
+      <pc:sldChg chg="modAnim">
+        <pc:chgData name="Moore, Jacob Preston" userId="fdd3fd0f-c483-48c9-988d-7deb216763fd" providerId="ADAL" clId="{CC962662-F079-4162-8E29-DEFFCB9A4670}" dt="2020-06-24T14:19:22.580" v="3"/>
+        <pc:sldMkLst>
+          <pc:docMk/>
+          <pc:sldMk cId="3832600308" sldId="323"/>
+        </pc:sldMkLst>
+      </pc:sldChg>
+      <pc:sldChg chg="add del">
+        <pc:chgData name="Moore, Jacob Preston" userId="fdd3fd0f-c483-48c9-988d-7deb216763fd" providerId="ADAL" clId="{CC962662-F079-4162-8E29-DEFFCB9A4670}" dt="2020-06-24T14:33:05.293" v="15" actId="2696"/>
+        <pc:sldMkLst>
+          <pc:docMk/>
+          <pc:sldMk cId="2649397452" sldId="326"/>
+        </pc:sldMkLst>
+      </pc:sldChg>
+    </pc:docChg>
+  </pc:docChgLst>
 </pc:chgInfo>
 </file>
 
@@ -716,7 +716,7 @@
           <a:p>
             <a:fld id="{1AA1AB63-216F-4D5B-8811-CCB935E98D4A}" type="datetimeFigureOut">
               <a:rPr lang="en-US" smtClean="0"/>
-              <a:t>10/4/2021</a:t>
+              <a:t>10/20/2024</a:t>
             </a:fld>
             <a:endParaRPr lang="en-US"/>
           </a:p>
@@ -5434,8 +5434,8 @@
           </a:p>
         </p:txBody>
       </p:sp>
-      <mc:AlternateContent xmlns:mc="http://schemas.openxmlformats.org/markup-compatibility/2006" xmlns:a14="http://schemas.microsoft.com/office/drawing/2010/main">
-        <mc:Choice Requires="a14">
+      <mc:AlternateContent xmlns:mc="http://schemas.openxmlformats.org/markup-compatibility/2006">
+        <mc:Choice xmlns:a14="http://schemas.microsoft.com/office/drawing/2010/main" Requires="a14">
           <p:sp>
             <p:nvSpPr>
               <p:cNvPr id="3" name="Content Placeholder 2"/>
@@ -5557,7 +5557,7 @@
               <a:p>
                 <a:r>
                   <a:rPr lang="en-US" dirty="0"/>
-                  <a:t>Generally we set up mechanics problems so that the neutral axis is the centroid of the shaft in torsion.</a:t>
+                  <a:t>Generally, we set up mechanics problems so that the neutral axis is the centroid of the shaft in torsion.</a:t>
                 </a:r>
               </a:p>
               <a:p>
@@ -5569,7 +5569,7 @@
             </p:txBody>
           </p:sp>
         </mc:Choice>
-        <mc:Fallback xmlns="">
+        <mc:Fallback>
           <p:sp>
             <p:nvSpPr>
               <p:cNvPr id="3" name="Content Placeholder 2"/>
@@ -5581,10 +5581,10 @@
               </p:nvPr>
             </p:nvSpPr>
             <p:spPr>
-              <a:blipFill rotWithShape="1">
+              <a:blipFill>
                 <a:blip r:embed="rId2"/>
                 <a:stretch>
-                  <a:fillRect l="-1185" t="-2022" r="-815"/>
+                  <a:fillRect l="-1259" t="-2156" r="-815"/>
                 </a:stretch>
               </a:blipFill>
             </p:spPr>
@@ -5909,8 +5909,8 @@
           </a:p>
         </p:txBody>
       </p:sp>
-      <mc:AlternateContent xmlns:mc="http://schemas.openxmlformats.org/markup-compatibility/2006" xmlns:a14="http://schemas.microsoft.com/office/drawing/2010/main">
-        <mc:Choice Requires="a14">
+      <mc:AlternateContent xmlns:mc="http://schemas.openxmlformats.org/markup-compatibility/2006">
+        <mc:Choice xmlns:a14="http://schemas.microsoft.com/office/drawing/2010/main" Requires="a14">
           <p:sp>
             <p:nvSpPr>
               <p:cNvPr id="3" name="Content Placeholder 2"/>
@@ -5930,7 +5930,7 @@
               <a:p>
                 <a:r>
                   <a:rPr lang="en-US" dirty="0"/>
-                  <a:t>Because the neutral axis is the z axis, will abbreviate this moment of inertia as </a:t>
+                  <a:t>Because the neutral axis is the z axis, we will abbreviate this moment of inertia as </a:t>
                 </a:r>
                 <a14:m>
                   <m:oMath xmlns:m="http://schemas.openxmlformats.org/officeDocument/2006/math">
@@ -6137,7 +6137,7 @@
             </p:txBody>
           </p:sp>
         </mc:Choice>
-        <mc:Fallback xmlns="">
+        <mc:Fallback>
           <p:sp>
             <p:nvSpPr>
               <p:cNvPr id="3" name="Content Placeholder 2"/>
@@ -6149,10 +6149,10 @@
               </p:nvPr>
             </p:nvSpPr>
             <p:spPr>
-              <a:blipFill rotWithShape="1">
+              <a:blipFill>
                 <a:blip r:embed="rId2"/>
                 <a:stretch>
-                  <a:fillRect l="-1630" t="-2830" r="-741"/>
+                  <a:fillRect l="-1704" t="-2830" r="-741"/>
                 </a:stretch>
               </a:blipFill>
             </p:spPr>
@@ -6731,8 +6731,8 @@
           </a:fontRef>
         </p:style>
       </p:cxnSp>
-      <mc:AlternateContent xmlns:mc="http://schemas.openxmlformats.org/markup-compatibility/2006">
-        <mc:Choice xmlns:a14="http://schemas.microsoft.com/office/drawing/2010/main" Requires="a14">
+      <mc:AlternateContent xmlns:mc="http://schemas.openxmlformats.org/markup-compatibility/2006" xmlns:a14="http://schemas.microsoft.com/office/drawing/2010/main">
+        <mc:Choice Requires="a14">
           <p:sp>
             <p:nvSpPr>
               <p:cNvPr id="10" name="Rectangle 9">
@@ -6793,7 +6793,7 @@
             </p:txBody>
           </p:sp>
         </mc:Choice>
-        <mc:Fallback>
+        <mc:Fallback xmlns="">
           <p:sp>
             <p:nvSpPr>
               <p:cNvPr id="10" name="Rectangle 9">
@@ -6877,8 +6877,8 @@
           </a:fontRef>
         </p:style>
       </p:cxnSp>
-      <mc:AlternateContent xmlns:mc="http://schemas.openxmlformats.org/markup-compatibility/2006">
-        <mc:Choice xmlns:a14="http://schemas.microsoft.com/office/drawing/2010/main" Requires="a14">
+      <mc:AlternateContent xmlns:mc="http://schemas.openxmlformats.org/markup-compatibility/2006" xmlns:a14="http://schemas.microsoft.com/office/drawing/2010/main">
+        <mc:Choice Requires="a14">
           <p:sp>
             <p:nvSpPr>
               <p:cNvPr id="12" name="Rectangle 11">
@@ -7061,7 +7061,7 @@
             </p:txBody>
           </p:sp>
         </mc:Choice>
-        <mc:Fallback>
+        <mc:Fallback xmlns="">
           <p:sp>
             <p:nvSpPr>
               <p:cNvPr id="12" name="Rectangle 11">
@@ -13567,8 +13567,8 @@
           </a:p>
         </p:txBody>
       </p:sp>
-      <mc:AlternateContent xmlns:mc="http://schemas.openxmlformats.org/markup-compatibility/2006">
-        <mc:Choice xmlns:a14="http://schemas.microsoft.com/office/drawing/2010/main" Requires="a14">
+      <mc:AlternateContent xmlns:mc="http://schemas.openxmlformats.org/markup-compatibility/2006" xmlns:a14="http://schemas.microsoft.com/office/drawing/2010/main">
+        <mc:Choice Requires="a14">
           <p:sp>
             <p:nvSpPr>
               <p:cNvPr id="11" name="Rectangle 10">
@@ -13629,7 +13629,7 @@
             </p:txBody>
           </p:sp>
         </mc:Choice>
-        <mc:Fallback>
+        <mc:Fallback xmlns="">
           <p:sp>
             <p:nvSpPr>
               <p:cNvPr id="11" name="Rectangle 10">
@@ -13713,8 +13713,8 @@
           </a:fontRef>
         </p:style>
       </p:cxnSp>
-      <mc:AlternateContent xmlns:mc="http://schemas.openxmlformats.org/markup-compatibility/2006">
-        <mc:Choice xmlns:a14="http://schemas.microsoft.com/office/drawing/2010/main" Requires="a14">
+      <mc:AlternateContent xmlns:mc="http://schemas.openxmlformats.org/markup-compatibility/2006" xmlns:a14="http://schemas.microsoft.com/office/drawing/2010/main">
+        <mc:Choice Requires="a14">
           <p:sp>
             <p:nvSpPr>
               <p:cNvPr id="13" name="Rectangle 12">
@@ -13897,7 +13897,7 @@
             </p:txBody>
           </p:sp>
         </mc:Choice>
-        <mc:Fallback>
+        <mc:Fallback xmlns="">
           <p:sp>
             <p:nvSpPr>
               <p:cNvPr id="13" name="Rectangle 12">
@@ -14889,8 +14889,8 @@
           </a:p>
         </p:txBody>
       </p:sp>
-      <mc:AlternateContent xmlns:mc="http://schemas.openxmlformats.org/markup-compatibility/2006">
-        <mc:Choice xmlns:a14="http://schemas.microsoft.com/office/drawing/2010/main" Requires="a14">
+      <mc:AlternateContent xmlns:mc="http://schemas.openxmlformats.org/markup-compatibility/2006" xmlns:a14="http://schemas.microsoft.com/office/drawing/2010/main">
+        <mc:Choice Requires="a14">
           <p:sp>
             <p:nvSpPr>
               <p:cNvPr id="11" name="Rectangle 10">
@@ -14951,7 +14951,7 @@
             </p:txBody>
           </p:sp>
         </mc:Choice>
-        <mc:Fallback>
+        <mc:Fallback xmlns="">
           <p:sp>
             <p:nvSpPr>
               <p:cNvPr id="11" name="Rectangle 10">
@@ -15152,8 +15152,8 @@
           </a:fontRef>
         </p:style>
       </p:cxnSp>
-      <mc:AlternateContent xmlns:mc="http://schemas.openxmlformats.org/markup-compatibility/2006">
-        <mc:Choice xmlns:a14="http://schemas.microsoft.com/office/drawing/2010/main" Requires="a14">
+      <mc:AlternateContent xmlns:mc="http://schemas.openxmlformats.org/markup-compatibility/2006" xmlns:a14="http://schemas.microsoft.com/office/drawing/2010/main">
+        <mc:Choice Requires="a14">
           <p:sp>
             <p:nvSpPr>
               <p:cNvPr id="16" name="Rectangle 15">
@@ -15337,7 +15337,7 @@
             </p:txBody>
           </p:sp>
         </mc:Choice>
-        <mc:Fallback>
+        <mc:Fallback xmlns="">
           <p:sp>
             <p:nvSpPr>
               <p:cNvPr id="16" name="Rectangle 15">
@@ -16781,6 +16781,12 @@
 </file>
 
 <file path=customXml/item2.xml><?xml version="1.0" encoding="utf-8"?>
+<p:properties xmlns:p="http://schemas.microsoft.com/office/2006/metadata/properties" xmlns:xsi="http://www.w3.org/2001/XMLSchema-instance" xmlns:pc="http://schemas.microsoft.com/office/infopath/2007/PartnerControls">
+  <documentManagement/>
+</p:properties>
+</file>
+
+<file path=customXml/item3.xml><?xml version="1.0" encoding="utf-8"?>
 <ct:contentTypeSchema xmlns:ct="http://schemas.microsoft.com/office/2006/metadata/contentType" xmlns:ma="http://schemas.microsoft.com/office/2006/metadata/properties/metaAttributes" ct:_="" ma:_="" ma:contentTypeName="Document" ma:contentTypeID="0x010100A06DF21F5BB2734A800ED30F3F452129" ma:contentTypeVersion="12" ma:contentTypeDescription="Create a new document." ma:contentTypeScope="" ma:versionID="544d96a5fbac5de9d5d902b535c73fb2">
   <xsd:schema xmlns:xsd="http://www.w3.org/2001/XMLSchema" xmlns:xs="http://www.w3.org/2001/XMLSchema" xmlns:p="http://schemas.microsoft.com/office/2006/metadata/properties" xmlns:ns3="90d05cb5-950f-4f68-bc2c-e17794455b92" xmlns:ns4="b4eab9fa-dbb0-4082-8491-8bd54207a265" targetNamespace="http://schemas.microsoft.com/office/2006/metadata/properties" ma:root="true" ma:fieldsID="7a710efc71c2169bf9c05e5a40dddf12" ns3:_="" ns4:_="">
     <xsd:import namespace="90d05cb5-950f-4f68-bc2c-e17794455b92"/>
@@ -16997,12 +17003,6 @@
 </ct:contentTypeSchema>
 </file>
 
-<file path=customXml/item3.xml><?xml version="1.0" encoding="utf-8"?>
-<p:properties xmlns:p="http://schemas.microsoft.com/office/2006/metadata/properties" xmlns:xsi="http://www.w3.org/2001/XMLSchema-instance" xmlns:pc="http://schemas.microsoft.com/office/infopath/2007/PartnerControls">
-  <documentManagement/>
-</p:properties>
-</file>
-
 <file path=customXml/itemProps1.xml><?xml version="1.0" encoding="utf-8"?>
 <ds:datastoreItem xmlns:ds="http://schemas.openxmlformats.org/officeDocument/2006/customXml" ds:itemID="{F5CF5F32-56DC-4068-8B04-457CF34A96F3}">
   <ds:schemaRefs>
@@ -17012,6 +17012,15 @@
 </file>
 
 <file path=customXml/itemProps2.xml><?xml version="1.0" encoding="utf-8"?>
+<ds:datastoreItem xmlns:ds="http://schemas.openxmlformats.org/officeDocument/2006/customXml" ds:itemID="{52EB1464-66D1-425A-BBB5-7A9312BBE9C4}">
+  <ds:schemaRefs>
+    <ds:schemaRef ds:uri="http://schemas.microsoft.com/office/2006/metadata/properties"/>
+    <ds:schemaRef ds:uri="http://schemas.microsoft.com/office/infopath/2007/PartnerControls"/>
+  </ds:schemaRefs>
+</ds:datastoreItem>
+</file>
+
+<file path=customXml/itemProps3.xml><?xml version="1.0" encoding="utf-8"?>
 <ds:datastoreItem xmlns:ds="http://schemas.openxmlformats.org/officeDocument/2006/customXml" ds:itemID="{A43B8A4B-79FE-4529-931C-D64224FA70E3}">
   <ds:schemaRefs>
     <ds:schemaRef ds:uri="http://schemas.microsoft.com/office/2006/metadata/contentType"/>
@@ -17028,13 +17037,4 @@
     <ds:schemaRef ds:uri="http://schemas.microsoft.com/internal/obd"/>
   </ds:schemaRefs>
 </ds:datastoreItem>
-</file>
-
-<file path=customXml/itemProps3.xml><?xml version="1.0" encoding="utf-8"?>
-<ds:datastoreItem xmlns:ds="http://schemas.openxmlformats.org/officeDocument/2006/customXml" ds:itemID="{52EB1464-66D1-425A-BBB5-7A9312BBE9C4}">
-  <ds:schemaRefs>
-    <ds:schemaRef ds:uri="http://schemas.microsoft.com/office/2006/metadata/properties"/>
-    <ds:schemaRef ds:uri="http://schemas.microsoft.com/office/infopath/2007/PartnerControls"/>
-  </ds:schemaRefs>
-</ds:datastoreItem>
 </file>